--- a/_OTHER FILES/Organization/Project Plan/Project Plan.pptx
+++ b/_OTHER FILES/Organization/Project Plan/Project Plan.pptx
@@ -8,6 +8,8 @@
     <p:sldId id="258" r:id="rId2"/>
     <p:sldId id="256" r:id="rId3"/>
     <p:sldId id="257" r:id="rId4"/>
+    <p:sldId id="259" r:id="rId5"/>
+    <p:sldId id="260" r:id="rId6"/>
   </p:sldIdLst>
   <p:sldSz cx="12192000" cy="6858000"/>
   <p:notesSz cx="6858000" cy="9144000"/>
@@ -263,7 +265,7 @@
           <a:p>
             <a:fld id="{FF1351A7-0CC0-49EE-969C-7FA0FB4B6599}" type="datetimeFigureOut">
               <a:rPr lang="en-US" smtClean="0"/>
-              <a:t>4/10/2020</a:t>
+              <a:t>4/23/2020</a:t>
             </a:fld>
             <a:endParaRPr lang="en-US"/>
           </a:p>
@@ -463,7 +465,7 @@
           <a:p>
             <a:fld id="{FF1351A7-0CC0-49EE-969C-7FA0FB4B6599}" type="datetimeFigureOut">
               <a:rPr lang="en-US" smtClean="0"/>
-              <a:t>4/10/2020</a:t>
+              <a:t>4/23/2020</a:t>
             </a:fld>
             <a:endParaRPr lang="en-US"/>
           </a:p>
@@ -673,7 +675,7 @@
           <a:p>
             <a:fld id="{FF1351A7-0CC0-49EE-969C-7FA0FB4B6599}" type="datetimeFigureOut">
               <a:rPr lang="en-US" smtClean="0"/>
-              <a:t>4/10/2020</a:t>
+              <a:t>4/23/2020</a:t>
             </a:fld>
             <a:endParaRPr lang="en-US"/>
           </a:p>
@@ -873,7 +875,7 @@
           <a:p>
             <a:fld id="{FF1351A7-0CC0-49EE-969C-7FA0FB4B6599}" type="datetimeFigureOut">
               <a:rPr lang="en-US" smtClean="0"/>
-              <a:t>4/10/2020</a:t>
+              <a:t>4/23/2020</a:t>
             </a:fld>
             <a:endParaRPr lang="en-US"/>
           </a:p>
@@ -1149,7 +1151,7 @@
           <a:p>
             <a:fld id="{FF1351A7-0CC0-49EE-969C-7FA0FB4B6599}" type="datetimeFigureOut">
               <a:rPr lang="en-US" smtClean="0"/>
-              <a:t>4/10/2020</a:t>
+              <a:t>4/23/2020</a:t>
             </a:fld>
             <a:endParaRPr lang="en-US"/>
           </a:p>
@@ -1417,7 +1419,7 @@
           <a:p>
             <a:fld id="{FF1351A7-0CC0-49EE-969C-7FA0FB4B6599}" type="datetimeFigureOut">
               <a:rPr lang="en-US" smtClean="0"/>
-              <a:t>4/10/2020</a:t>
+              <a:t>4/23/2020</a:t>
             </a:fld>
             <a:endParaRPr lang="en-US"/>
           </a:p>
@@ -1832,7 +1834,7 @@
           <a:p>
             <a:fld id="{FF1351A7-0CC0-49EE-969C-7FA0FB4B6599}" type="datetimeFigureOut">
               <a:rPr lang="en-US" smtClean="0"/>
-              <a:t>4/10/2020</a:t>
+              <a:t>4/23/2020</a:t>
             </a:fld>
             <a:endParaRPr lang="en-US"/>
           </a:p>
@@ -1974,7 +1976,7 @@
           <a:p>
             <a:fld id="{FF1351A7-0CC0-49EE-969C-7FA0FB4B6599}" type="datetimeFigureOut">
               <a:rPr lang="en-US" smtClean="0"/>
-              <a:t>4/10/2020</a:t>
+              <a:t>4/23/2020</a:t>
             </a:fld>
             <a:endParaRPr lang="en-US"/>
           </a:p>
@@ -2087,7 +2089,7 @@
           <a:p>
             <a:fld id="{FF1351A7-0CC0-49EE-969C-7FA0FB4B6599}" type="datetimeFigureOut">
               <a:rPr lang="en-US" smtClean="0"/>
-              <a:t>4/10/2020</a:t>
+              <a:t>4/23/2020</a:t>
             </a:fld>
             <a:endParaRPr lang="en-US"/>
           </a:p>
@@ -2400,7 +2402,7 @@
           <a:p>
             <a:fld id="{FF1351A7-0CC0-49EE-969C-7FA0FB4B6599}" type="datetimeFigureOut">
               <a:rPr lang="en-US" smtClean="0"/>
-              <a:t>4/10/2020</a:t>
+              <a:t>4/23/2020</a:t>
             </a:fld>
             <a:endParaRPr lang="en-US"/>
           </a:p>
@@ -2689,7 +2691,7 @@
           <a:p>
             <a:fld id="{FF1351A7-0CC0-49EE-969C-7FA0FB4B6599}" type="datetimeFigureOut">
               <a:rPr lang="en-US" smtClean="0"/>
-              <a:t>4/10/2020</a:t>
+              <a:t>4/23/2020</a:t>
             </a:fld>
             <a:endParaRPr lang="en-US"/>
           </a:p>
@@ -2932,7 +2934,7 @@
           <a:p>
             <a:fld id="{FF1351A7-0CC0-49EE-969C-7FA0FB4B6599}" type="datetimeFigureOut">
               <a:rPr lang="en-US" smtClean="0"/>
-              <a:t>4/10/2020</a:t>
+              <a:t>4/23/2020</a:t>
             </a:fld>
             <a:endParaRPr lang="en-US"/>
           </a:p>
@@ -14180,6 +14182,8216 @@
 </p:sld>
 </file>
 
+<file path=ppt/slides/slide4.xml><?xml version="1.0" encoding="utf-8"?>
+<p:sld xmlns:a="http://schemas.openxmlformats.org/drawingml/2006/main" xmlns:r="http://schemas.openxmlformats.org/officeDocument/2006/relationships" xmlns:p="http://schemas.openxmlformats.org/presentationml/2006/main">
+  <p:cSld>
+    <p:spTree>
+      <p:nvGrpSpPr>
+        <p:cNvPr id="1" name=""/>
+        <p:cNvGrpSpPr/>
+        <p:nvPr/>
+      </p:nvGrpSpPr>
+      <p:grpSpPr>
+        <a:xfrm>
+          <a:off x="0" y="0"/>
+          <a:ext cx="0" cy="0"/>
+          <a:chOff x="0" y="0"/>
+          <a:chExt cx="0" cy="0"/>
+        </a:xfrm>
+      </p:grpSpPr>
+      <p:sp>
+        <p:nvSpPr>
+          <p:cNvPr id="5" name="Title 3">
+            <a:extLst>
+              <a:ext uri="{FF2B5EF4-FFF2-40B4-BE49-F238E27FC236}">
+                <a16:creationId xmlns:a16="http://schemas.microsoft.com/office/drawing/2014/main" id="{C7D97E6F-8179-4C89-86C6-E6F629A09578}"/>
+              </a:ext>
+            </a:extLst>
+          </p:cNvPr>
+          <p:cNvSpPr txBox="1">
+            <a:spLocks/>
+          </p:cNvSpPr>
+          <p:nvPr/>
+        </p:nvSpPr>
+        <p:spPr>
+          <a:xfrm>
+            <a:off x="630315" y="17385"/>
+            <a:ext cx="3666477" cy="1143000"/>
+          </a:xfrm>
+          <a:prstGeom prst="rect">
+            <a:avLst/>
+          </a:prstGeom>
+        </p:spPr>
+        <p:txBody>
+          <a:bodyPr vert="horz" lIns="91440" tIns="45720" rIns="91440" bIns="45720" rtlCol="0" anchor="b">
+            <a:normAutofit/>
+          </a:bodyPr>
+          <a:lstStyle>
+            <a:lvl1pPr algn="ctr" defTabSz="914400" rtl="0" eaLnBrk="1" latinLnBrk="0" hangingPunct="1">
+              <a:lnSpc>
+                <a:spcPct val="90000"/>
+              </a:lnSpc>
+              <a:spcBef>
+                <a:spcPct val="0"/>
+              </a:spcBef>
+              <a:buNone/>
+              <a:defRPr sz="6000" kern="1200">
+                <a:solidFill>
+                  <a:schemeClr val="tx1"/>
+                </a:solidFill>
+                <a:latin typeface="+mj-lt"/>
+                <a:ea typeface="+mj-ea"/>
+                <a:cs typeface="+mj-cs"/>
+              </a:defRPr>
+            </a:lvl1pPr>
+          </a:lstStyle>
+          <a:p>
+            <a:pPr algn="l"/>
+            <a:r>
+              <a:rPr lang="de-DE" dirty="0">
+                <a:solidFill>
+                  <a:srgbClr val="0070C0"/>
+                </a:solidFill>
+              </a:rPr>
+              <a:t>April, 2020</a:t>
+            </a:r>
+          </a:p>
+        </p:txBody>
+      </p:sp>
+      <p:sp>
+        <p:nvSpPr>
+          <p:cNvPr id="7" name="Title 3">
+            <a:extLst>
+              <a:ext uri="{FF2B5EF4-FFF2-40B4-BE49-F238E27FC236}">
+                <a16:creationId xmlns:a16="http://schemas.microsoft.com/office/drawing/2014/main" id="{A4A1E477-8628-4854-9E85-BC74EA643774}"/>
+              </a:ext>
+            </a:extLst>
+          </p:cNvPr>
+          <p:cNvSpPr txBox="1">
+            <a:spLocks/>
+          </p:cNvSpPr>
+          <p:nvPr/>
+        </p:nvSpPr>
+        <p:spPr>
+          <a:xfrm>
+            <a:off x="10369118" y="588885"/>
+            <a:ext cx="834501" cy="410592"/>
+          </a:xfrm>
+          <a:prstGeom prst="rect">
+            <a:avLst/>
+          </a:prstGeom>
+        </p:spPr>
+        <p:txBody>
+          <a:bodyPr vert="horz" lIns="91440" tIns="45720" rIns="91440" bIns="45720" rtlCol="0" anchor="b">
+            <a:normAutofit lnSpcReduction="10000"/>
+          </a:bodyPr>
+          <a:lstStyle>
+            <a:lvl1pPr algn="ctr" defTabSz="914400" rtl="0" eaLnBrk="1" latinLnBrk="0" hangingPunct="1">
+              <a:lnSpc>
+                <a:spcPct val="90000"/>
+              </a:lnSpc>
+              <a:spcBef>
+                <a:spcPct val="0"/>
+              </a:spcBef>
+              <a:buNone/>
+              <a:defRPr sz="6000" kern="1200">
+                <a:solidFill>
+                  <a:schemeClr val="tx1"/>
+                </a:solidFill>
+                <a:latin typeface="+mj-lt"/>
+                <a:ea typeface="+mj-ea"/>
+                <a:cs typeface="+mj-cs"/>
+              </a:defRPr>
+            </a:lvl1pPr>
+          </a:lstStyle>
+          <a:p>
+            <a:pPr algn="r"/>
+            <a:r>
+              <a:rPr lang="de-DE" sz="2400" b="1" dirty="0">
+                <a:solidFill>
+                  <a:schemeClr val="accent5">
+                    <a:lumMod val="60000"/>
+                    <a:lumOff val="40000"/>
+                  </a:schemeClr>
+                </a:solidFill>
+              </a:rPr>
+              <a:t>1/2</a:t>
+            </a:r>
+          </a:p>
+        </p:txBody>
+      </p:sp>
+      <p:graphicFrame>
+        <p:nvGraphicFramePr>
+          <p:cNvPr id="6" name="Content Placeholder 5">
+            <a:extLst>
+              <a:ext uri="{FF2B5EF4-FFF2-40B4-BE49-F238E27FC236}">
+                <a16:creationId xmlns:a16="http://schemas.microsoft.com/office/drawing/2014/main" id="{F132BD57-5D8C-40C7-B323-911AC412E1BF}"/>
+              </a:ext>
+            </a:extLst>
+          </p:cNvPr>
+          <p:cNvGraphicFramePr>
+            <a:graphicFrameLocks/>
+          </p:cNvGraphicFramePr>
+          <p:nvPr/>
+        </p:nvGraphicFramePr>
+        <p:xfrm>
+          <a:off x="628226" y="1229314"/>
+          <a:ext cx="10573304" cy="4200400"/>
+        </p:xfrm>
+        <a:graphic>
+          <a:graphicData uri="http://schemas.openxmlformats.org/drawingml/2006/table">
+            <a:tbl>
+              <a:tblPr firstRow="1" bandRow="1">
+                <a:tableStyleId>{5940675A-B579-460E-94D1-54222C63F5DA}</a:tableStyleId>
+              </a:tblPr>
+              <a:tblGrid>
+                <a:gridCol w="1510472">
+                  <a:extLst>
+                    <a:ext uri="{9D8B030D-6E8A-4147-A177-3AD203B41FA5}">
+                      <a16:colId xmlns:a16="http://schemas.microsoft.com/office/drawing/2014/main" val="20000"/>
+                    </a:ext>
+                  </a:extLst>
+                </a:gridCol>
+                <a:gridCol w="1510472">
+                  <a:extLst>
+                    <a:ext uri="{9D8B030D-6E8A-4147-A177-3AD203B41FA5}">
+                      <a16:colId xmlns:a16="http://schemas.microsoft.com/office/drawing/2014/main" val="20001"/>
+                    </a:ext>
+                  </a:extLst>
+                </a:gridCol>
+                <a:gridCol w="1510472">
+                  <a:extLst>
+                    <a:ext uri="{9D8B030D-6E8A-4147-A177-3AD203B41FA5}">
+                      <a16:colId xmlns:a16="http://schemas.microsoft.com/office/drawing/2014/main" val="20002"/>
+                    </a:ext>
+                  </a:extLst>
+                </a:gridCol>
+                <a:gridCol w="1510472">
+                  <a:extLst>
+                    <a:ext uri="{9D8B030D-6E8A-4147-A177-3AD203B41FA5}">
+                      <a16:colId xmlns:a16="http://schemas.microsoft.com/office/drawing/2014/main" val="20003"/>
+                    </a:ext>
+                  </a:extLst>
+                </a:gridCol>
+                <a:gridCol w="1510472">
+                  <a:extLst>
+                    <a:ext uri="{9D8B030D-6E8A-4147-A177-3AD203B41FA5}">
+                      <a16:colId xmlns:a16="http://schemas.microsoft.com/office/drawing/2014/main" val="20004"/>
+                    </a:ext>
+                  </a:extLst>
+                </a:gridCol>
+                <a:gridCol w="1510472">
+                  <a:extLst>
+                    <a:ext uri="{9D8B030D-6E8A-4147-A177-3AD203B41FA5}">
+                      <a16:colId xmlns:a16="http://schemas.microsoft.com/office/drawing/2014/main" val="20005"/>
+                    </a:ext>
+                  </a:extLst>
+                </a:gridCol>
+                <a:gridCol w="1510472">
+                  <a:extLst>
+                    <a:ext uri="{9D8B030D-6E8A-4147-A177-3AD203B41FA5}">
+                      <a16:colId xmlns:a16="http://schemas.microsoft.com/office/drawing/2014/main" val="20006"/>
+                    </a:ext>
+                  </a:extLst>
+                </a:gridCol>
+              </a:tblGrid>
+              <a:tr h="348620">
+                <a:tc>
+                  <a:txBody>
+                    <a:bodyPr/>
+                    <a:lstStyle/>
+                    <a:p>
+                      <a:pPr algn="ctr"/>
+                      <a:r>
+                        <a:rPr lang="de-DE" sz="1000" dirty="0"/>
+                        <a:t>MONDAY</a:t>
+                      </a:r>
+                      <a:endParaRPr lang="de-DE" sz="1000" b="1" dirty="0"/>
+                    </a:p>
+                  </a:txBody>
+                  <a:tcPr marL="91441" marR="91441" anchor="ctr">
+                    <a:lnL w="12700" cmpd="sng">
+                      <a:noFill/>
+                    </a:lnL>
+                    <a:lnR w="12700" cmpd="sng">
+                      <a:noFill/>
+                    </a:lnR>
+                    <a:lnT w="12700" cmpd="sng">
+                      <a:noFill/>
+                    </a:lnT>
+                    <a:lnB w="6350" cap="flat" cmpd="sng" algn="ctr">
+                      <a:solidFill>
+                        <a:schemeClr val="accent3"/>
+                      </a:solidFill>
+                      <a:prstDash val="solid"/>
+                      <a:round/>
+                      <a:headEnd type="none" w="med" len="med"/>
+                      <a:tailEnd type="none" w="med" len="med"/>
+                    </a:lnB>
+                    <a:lnTlToBr w="12700" cmpd="sng">
+                      <a:noFill/>
+                      <a:prstDash val="solid"/>
+                    </a:lnTlToBr>
+                    <a:lnBlToTr w="12700" cmpd="sng">
+                      <a:noFill/>
+                      <a:prstDash val="solid"/>
+                    </a:lnBlToTr>
+                  </a:tcPr>
+                </a:tc>
+                <a:tc>
+                  <a:txBody>
+                    <a:bodyPr/>
+                    <a:lstStyle/>
+                    <a:p>
+                      <a:pPr algn="ctr"/>
+                      <a:r>
+                        <a:rPr lang="de-DE" sz="1000" dirty="0"/>
+                        <a:t>TUESDAY</a:t>
+                      </a:r>
+                      <a:endParaRPr lang="de-DE" sz="1000" b="1" dirty="0"/>
+                    </a:p>
+                  </a:txBody>
+                  <a:tcPr marL="91441" marR="91441" anchor="ctr">
+                    <a:lnL w="12700" cmpd="sng">
+                      <a:noFill/>
+                    </a:lnL>
+                    <a:lnR w="12700" cmpd="sng">
+                      <a:noFill/>
+                    </a:lnR>
+                    <a:lnT w="12700" cmpd="sng">
+                      <a:noFill/>
+                    </a:lnT>
+                    <a:lnB w="6350" cap="flat" cmpd="sng" algn="ctr">
+                      <a:solidFill>
+                        <a:schemeClr val="accent3"/>
+                      </a:solidFill>
+                      <a:prstDash val="solid"/>
+                      <a:round/>
+                      <a:headEnd type="none" w="med" len="med"/>
+                      <a:tailEnd type="none" w="med" len="med"/>
+                    </a:lnB>
+                    <a:lnTlToBr w="12700" cmpd="sng">
+                      <a:noFill/>
+                      <a:prstDash val="solid"/>
+                    </a:lnTlToBr>
+                    <a:lnBlToTr w="12700" cmpd="sng">
+                      <a:noFill/>
+                      <a:prstDash val="solid"/>
+                    </a:lnBlToTr>
+                  </a:tcPr>
+                </a:tc>
+                <a:tc>
+                  <a:txBody>
+                    <a:bodyPr/>
+                    <a:lstStyle/>
+                    <a:p>
+                      <a:pPr algn="ctr"/>
+                      <a:r>
+                        <a:rPr lang="de-DE" sz="1000" dirty="0"/>
+                        <a:t>WEDNESDAY</a:t>
+                      </a:r>
+                      <a:endParaRPr lang="de-DE" sz="1000" b="1" dirty="0"/>
+                    </a:p>
+                  </a:txBody>
+                  <a:tcPr marL="91441" marR="91441" anchor="ctr">
+                    <a:lnL w="12700" cmpd="sng">
+                      <a:noFill/>
+                    </a:lnL>
+                    <a:lnR w="12700" cmpd="sng">
+                      <a:noFill/>
+                    </a:lnR>
+                    <a:lnT w="12700" cmpd="sng">
+                      <a:noFill/>
+                    </a:lnT>
+                    <a:lnB w="6350" cap="flat" cmpd="sng" algn="ctr">
+                      <a:solidFill>
+                        <a:schemeClr val="accent3"/>
+                      </a:solidFill>
+                      <a:prstDash val="solid"/>
+                      <a:round/>
+                      <a:headEnd type="none" w="med" len="med"/>
+                      <a:tailEnd type="none" w="med" len="med"/>
+                    </a:lnB>
+                    <a:lnTlToBr w="12700" cmpd="sng">
+                      <a:noFill/>
+                      <a:prstDash val="solid"/>
+                    </a:lnTlToBr>
+                    <a:lnBlToTr w="12700" cmpd="sng">
+                      <a:noFill/>
+                      <a:prstDash val="solid"/>
+                    </a:lnBlToTr>
+                  </a:tcPr>
+                </a:tc>
+                <a:tc>
+                  <a:txBody>
+                    <a:bodyPr/>
+                    <a:lstStyle/>
+                    <a:p>
+                      <a:pPr algn="ctr"/>
+                      <a:r>
+                        <a:rPr lang="de-DE" sz="1000" dirty="0"/>
+                        <a:t>THURSDAY</a:t>
+                      </a:r>
+                      <a:endParaRPr lang="de-DE" sz="1000" b="1" dirty="0"/>
+                    </a:p>
+                  </a:txBody>
+                  <a:tcPr marL="91441" marR="91441" anchor="ctr">
+                    <a:lnL w="12700" cmpd="sng">
+                      <a:noFill/>
+                    </a:lnL>
+                    <a:lnR w="12700" cmpd="sng">
+                      <a:noFill/>
+                    </a:lnR>
+                    <a:lnT w="12700" cmpd="sng">
+                      <a:noFill/>
+                    </a:lnT>
+                    <a:lnB w="6350" cap="flat" cmpd="sng" algn="ctr">
+                      <a:solidFill>
+                        <a:schemeClr val="accent3"/>
+                      </a:solidFill>
+                      <a:prstDash val="solid"/>
+                      <a:round/>
+                      <a:headEnd type="none" w="med" len="med"/>
+                      <a:tailEnd type="none" w="med" len="med"/>
+                    </a:lnB>
+                    <a:lnTlToBr w="12700" cmpd="sng">
+                      <a:noFill/>
+                      <a:prstDash val="solid"/>
+                    </a:lnTlToBr>
+                    <a:lnBlToTr w="12700" cmpd="sng">
+                      <a:noFill/>
+                      <a:prstDash val="solid"/>
+                    </a:lnBlToTr>
+                  </a:tcPr>
+                </a:tc>
+                <a:tc>
+                  <a:txBody>
+                    <a:bodyPr/>
+                    <a:lstStyle/>
+                    <a:p>
+                      <a:pPr algn="ctr"/>
+                      <a:r>
+                        <a:rPr lang="de-DE" sz="1000" dirty="0"/>
+                        <a:t>FRIDAY</a:t>
+                      </a:r>
+                      <a:endParaRPr lang="de-DE" sz="1000" b="1" dirty="0"/>
+                    </a:p>
+                  </a:txBody>
+                  <a:tcPr marL="91441" marR="91441" anchor="ctr">
+                    <a:lnL w="12700" cmpd="sng">
+                      <a:noFill/>
+                    </a:lnL>
+                    <a:lnR w="12700" cmpd="sng">
+                      <a:noFill/>
+                    </a:lnR>
+                    <a:lnT w="12700" cmpd="sng">
+                      <a:noFill/>
+                    </a:lnT>
+                    <a:lnB w="6350" cap="flat" cmpd="sng" algn="ctr">
+                      <a:solidFill>
+                        <a:schemeClr val="accent3"/>
+                      </a:solidFill>
+                      <a:prstDash val="solid"/>
+                      <a:round/>
+                      <a:headEnd type="none" w="med" len="med"/>
+                      <a:tailEnd type="none" w="med" len="med"/>
+                    </a:lnB>
+                    <a:lnTlToBr w="12700" cmpd="sng">
+                      <a:noFill/>
+                      <a:prstDash val="solid"/>
+                    </a:lnTlToBr>
+                    <a:lnBlToTr w="12700" cmpd="sng">
+                      <a:noFill/>
+                      <a:prstDash val="solid"/>
+                    </a:lnBlToTr>
+                  </a:tcPr>
+                </a:tc>
+                <a:tc>
+                  <a:txBody>
+                    <a:bodyPr/>
+                    <a:lstStyle/>
+                    <a:p>
+                      <a:pPr algn="ctr"/>
+                      <a:r>
+                        <a:rPr lang="de-DE" sz="1000" dirty="0"/>
+                        <a:t>SATURDAY</a:t>
+                      </a:r>
+                      <a:endParaRPr lang="de-DE" sz="1000" b="1" dirty="0"/>
+                    </a:p>
+                  </a:txBody>
+                  <a:tcPr marL="91441" marR="91441" anchor="ctr">
+                    <a:lnL w="12700" cmpd="sng">
+                      <a:noFill/>
+                    </a:lnL>
+                    <a:lnR w="12700" cmpd="sng">
+                      <a:noFill/>
+                    </a:lnR>
+                    <a:lnT w="12700" cmpd="sng">
+                      <a:noFill/>
+                    </a:lnT>
+                    <a:lnB w="6350" cap="flat" cmpd="sng" algn="ctr">
+                      <a:solidFill>
+                        <a:schemeClr val="accent3"/>
+                      </a:solidFill>
+                      <a:prstDash val="solid"/>
+                      <a:round/>
+                      <a:headEnd type="none" w="med" len="med"/>
+                      <a:tailEnd type="none" w="med" len="med"/>
+                    </a:lnB>
+                    <a:lnTlToBr w="12700" cmpd="sng">
+                      <a:noFill/>
+                      <a:prstDash val="solid"/>
+                    </a:lnTlToBr>
+                    <a:lnBlToTr w="12700" cmpd="sng">
+                      <a:noFill/>
+                      <a:prstDash val="solid"/>
+                    </a:lnBlToTr>
+                  </a:tcPr>
+                </a:tc>
+                <a:tc>
+                  <a:txBody>
+                    <a:bodyPr/>
+                    <a:lstStyle/>
+                    <a:p>
+                      <a:pPr algn="ctr"/>
+                      <a:r>
+                        <a:rPr lang="de-DE" sz="1000" dirty="0"/>
+                        <a:t>SUNDAY</a:t>
+                      </a:r>
+                      <a:endParaRPr lang="de-DE" sz="1000" b="1" dirty="0"/>
+                    </a:p>
+                  </a:txBody>
+                  <a:tcPr marL="91441" marR="91441" anchor="ctr">
+                    <a:lnL w="12700" cmpd="sng">
+                      <a:noFill/>
+                    </a:lnL>
+                    <a:lnR w="12700" cmpd="sng">
+                      <a:noFill/>
+                    </a:lnR>
+                    <a:lnT w="12700" cmpd="sng">
+                      <a:noFill/>
+                    </a:lnT>
+                    <a:lnB w="6350" cap="flat" cmpd="sng" algn="ctr">
+                      <a:solidFill>
+                        <a:schemeClr val="accent3"/>
+                      </a:solidFill>
+                      <a:prstDash val="solid"/>
+                      <a:round/>
+                      <a:headEnd type="none" w="med" len="med"/>
+                      <a:tailEnd type="none" w="med" len="med"/>
+                    </a:lnB>
+                    <a:lnTlToBr w="12700" cmpd="sng">
+                      <a:noFill/>
+                      <a:prstDash val="solid"/>
+                    </a:lnTlToBr>
+                    <a:lnBlToTr w="12700" cmpd="sng">
+                      <a:noFill/>
+                      <a:prstDash val="solid"/>
+                    </a:lnBlToTr>
+                  </a:tcPr>
+                </a:tc>
+                <a:extLst>
+                  <a:ext uri="{0D108BD9-81ED-4DB2-BD59-A6C34878D82A}">
+                    <a16:rowId xmlns:a16="http://schemas.microsoft.com/office/drawing/2014/main" val="10000"/>
+                  </a:ext>
+                </a:extLst>
+              </a:tr>
+              <a:tr h="770356">
+                <a:tc>
+                  <a:txBody>
+                    <a:bodyPr/>
+                    <a:lstStyle/>
+                    <a:p>
+                      <a:pPr marL="45720" algn="l" rtl="0">
+                        <a:lnSpc>
+                          <a:spcPct val="130000"/>
+                        </a:lnSpc>
+                      </a:pPr>
+                      <a:endParaRPr lang="de-DE" sz="1200" kern="1200" dirty="0">
+                        <a:solidFill>
+                          <a:schemeClr val="dk1"/>
+                        </a:solidFill>
+                        <a:latin typeface="+mn-lt"/>
+                        <a:ea typeface="+mn-ea"/>
+                        <a:cs typeface="+mn-cs"/>
+                      </a:endParaRPr>
+                    </a:p>
+                  </a:txBody>
+                  <a:tcPr marL="91441" marR="91441">
+                    <a:lnL w="6350" cap="flat" cmpd="sng" algn="ctr">
+                      <a:solidFill>
+                        <a:schemeClr val="accent3"/>
+                      </a:solidFill>
+                      <a:prstDash val="solid"/>
+                      <a:round/>
+                      <a:headEnd type="none" w="med" len="med"/>
+                      <a:tailEnd type="none" w="med" len="med"/>
+                    </a:lnL>
+                    <a:lnR w="6350" cap="flat" cmpd="sng" algn="ctr">
+                      <a:solidFill>
+                        <a:schemeClr val="accent3"/>
+                      </a:solidFill>
+                      <a:prstDash val="solid"/>
+                      <a:round/>
+                      <a:headEnd type="none" w="med" len="med"/>
+                      <a:tailEnd type="none" w="med" len="med"/>
+                    </a:lnR>
+                    <a:lnT w="6350" cap="flat" cmpd="sng" algn="ctr">
+                      <a:solidFill>
+                        <a:schemeClr val="accent3"/>
+                      </a:solidFill>
+                      <a:prstDash val="solid"/>
+                      <a:round/>
+                      <a:headEnd type="none" w="med" len="med"/>
+                      <a:tailEnd type="none" w="med" len="med"/>
+                    </a:lnT>
+                    <a:lnB w="6350" cap="flat" cmpd="sng" algn="ctr">
+                      <a:solidFill>
+                        <a:schemeClr val="accent3"/>
+                      </a:solidFill>
+                      <a:prstDash val="solid"/>
+                      <a:round/>
+                      <a:headEnd type="none" w="med" len="med"/>
+                      <a:tailEnd type="none" w="med" len="med"/>
+                    </a:lnB>
+                  </a:tcPr>
+                </a:tc>
+                <a:tc>
+                  <a:txBody>
+                    <a:bodyPr/>
+                    <a:lstStyle/>
+                    <a:p>
+                      <a:pPr marL="45720" algn="l" rtl="0">
+                        <a:lnSpc>
+                          <a:spcPct val="130000"/>
+                        </a:lnSpc>
+                      </a:pPr>
+                      <a:endParaRPr lang="de-DE" sz="1200" kern="1200" dirty="0">
+                        <a:solidFill>
+                          <a:schemeClr val="dk1"/>
+                        </a:solidFill>
+                        <a:latin typeface="+mn-lt"/>
+                        <a:ea typeface="+mn-ea"/>
+                        <a:cs typeface="+mn-cs"/>
+                      </a:endParaRPr>
+                    </a:p>
+                  </a:txBody>
+                  <a:tcPr marL="91441" marR="91441">
+                    <a:lnL w="6350" cap="flat" cmpd="sng" algn="ctr">
+                      <a:solidFill>
+                        <a:schemeClr val="accent3"/>
+                      </a:solidFill>
+                      <a:prstDash val="solid"/>
+                      <a:round/>
+                      <a:headEnd type="none" w="med" len="med"/>
+                      <a:tailEnd type="none" w="med" len="med"/>
+                    </a:lnL>
+                    <a:lnR w="6350" cap="flat" cmpd="sng" algn="ctr">
+                      <a:solidFill>
+                        <a:schemeClr val="accent3"/>
+                      </a:solidFill>
+                      <a:prstDash val="solid"/>
+                      <a:round/>
+                      <a:headEnd type="none" w="med" len="med"/>
+                      <a:tailEnd type="none" w="med" len="med"/>
+                    </a:lnR>
+                    <a:lnT w="6350" cap="flat" cmpd="sng" algn="ctr">
+                      <a:solidFill>
+                        <a:schemeClr val="accent3"/>
+                      </a:solidFill>
+                      <a:prstDash val="solid"/>
+                      <a:round/>
+                      <a:headEnd type="none" w="med" len="med"/>
+                      <a:tailEnd type="none" w="med" len="med"/>
+                    </a:lnT>
+                    <a:lnB w="6350" cap="flat" cmpd="sng" algn="ctr">
+                      <a:solidFill>
+                        <a:schemeClr val="accent3"/>
+                      </a:solidFill>
+                      <a:prstDash val="solid"/>
+                      <a:round/>
+                      <a:headEnd type="none" w="med" len="med"/>
+                      <a:tailEnd type="none" w="med" len="med"/>
+                    </a:lnB>
+                  </a:tcPr>
+                </a:tc>
+                <a:tc>
+                  <a:txBody>
+                    <a:bodyPr/>
+                    <a:lstStyle/>
+                    <a:p>
+                      <a:pPr marL="45720" algn="l" rtl="0">
+                        <a:lnSpc>
+                          <a:spcPct val="130000"/>
+                        </a:lnSpc>
+                      </a:pPr>
+                      <a:r>
+                        <a:rPr lang="de-DE" sz="1200" kern="1200" dirty="0">
+                          <a:solidFill>
+                            <a:schemeClr val="dk1"/>
+                          </a:solidFill>
+                          <a:latin typeface="+mn-lt"/>
+                          <a:ea typeface="+mn-ea"/>
+                          <a:cs typeface="+mn-cs"/>
+                        </a:rPr>
+                        <a:t>1</a:t>
+                      </a:r>
+                    </a:p>
+                  </a:txBody>
+                  <a:tcPr marL="91441" marR="91441">
+                    <a:lnL w="6350" cap="flat" cmpd="sng" algn="ctr">
+                      <a:solidFill>
+                        <a:schemeClr val="accent3"/>
+                      </a:solidFill>
+                      <a:prstDash val="solid"/>
+                      <a:round/>
+                      <a:headEnd type="none" w="med" len="med"/>
+                      <a:tailEnd type="none" w="med" len="med"/>
+                    </a:lnL>
+                    <a:lnR w="6350" cap="flat" cmpd="sng" algn="ctr">
+                      <a:solidFill>
+                        <a:schemeClr val="accent3"/>
+                      </a:solidFill>
+                      <a:prstDash val="solid"/>
+                      <a:round/>
+                      <a:headEnd type="none" w="med" len="med"/>
+                      <a:tailEnd type="none" w="med" len="med"/>
+                    </a:lnR>
+                    <a:lnT w="6350" cap="flat" cmpd="sng" algn="ctr">
+                      <a:solidFill>
+                        <a:schemeClr val="accent3"/>
+                      </a:solidFill>
+                      <a:prstDash val="solid"/>
+                      <a:round/>
+                      <a:headEnd type="none" w="med" len="med"/>
+                      <a:tailEnd type="none" w="med" len="med"/>
+                    </a:lnT>
+                    <a:lnB w="6350" cap="flat" cmpd="sng" algn="ctr">
+                      <a:solidFill>
+                        <a:schemeClr val="accent3"/>
+                      </a:solidFill>
+                      <a:prstDash val="solid"/>
+                      <a:round/>
+                      <a:headEnd type="none" w="med" len="med"/>
+                      <a:tailEnd type="none" w="med" len="med"/>
+                    </a:lnB>
+                  </a:tcPr>
+                </a:tc>
+                <a:tc>
+                  <a:txBody>
+                    <a:bodyPr/>
+                    <a:lstStyle/>
+                    <a:p>
+                      <a:pPr marL="45720" algn="l" rtl="0">
+                        <a:lnSpc>
+                          <a:spcPct val="130000"/>
+                        </a:lnSpc>
+                      </a:pPr>
+                      <a:r>
+                        <a:rPr lang="de-DE" sz="1200" kern="1200" dirty="0"/>
+                        <a:t>2</a:t>
+                      </a:r>
+                      <a:endParaRPr lang="de-DE" sz="1200" kern="1200" dirty="0">
+                        <a:solidFill>
+                          <a:schemeClr val="dk1"/>
+                        </a:solidFill>
+                        <a:latin typeface="+mn-lt"/>
+                        <a:ea typeface="+mn-ea"/>
+                        <a:cs typeface="+mn-cs"/>
+                      </a:endParaRPr>
+                    </a:p>
+                  </a:txBody>
+                  <a:tcPr marL="91441" marR="91441">
+                    <a:lnL w="6350" cap="flat" cmpd="sng" algn="ctr">
+                      <a:solidFill>
+                        <a:schemeClr val="accent3"/>
+                      </a:solidFill>
+                      <a:prstDash val="solid"/>
+                      <a:round/>
+                      <a:headEnd type="none" w="med" len="med"/>
+                      <a:tailEnd type="none" w="med" len="med"/>
+                    </a:lnL>
+                    <a:lnR w="6350" cap="flat" cmpd="sng" algn="ctr">
+                      <a:solidFill>
+                        <a:schemeClr val="accent3"/>
+                      </a:solidFill>
+                      <a:prstDash val="solid"/>
+                      <a:round/>
+                      <a:headEnd type="none" w="med" len="med"/>
+                      <a:tailEnd type="none" w="med" len="med"/>
+                    </a:lnR>
+                    <a:lnT w="6350" cap="flat" cmpd="sng" algn="ctr">
+                      <a:solidFill>
+                        <a:schemeClr val="accent3"/>
+                      </a:solidFill>
+                      <a:prstDash val="solid"/>
+                      <a:round/>
+                      <a:headEnd type="none" w="med" len="med"/>
+                      <a:tailEnd type="none" w="med" len="med"/>
+                    </a:lnT>
+                    <a:lnB w="6350" cap="flat" cmpd="sng" algn="ctr">
+                      <a:solidFill>
+                        <a:schemeClr val="accent3"/>
+                      </a:solidFill>
+                      <a:prstDash val="solid"/>
+                      <a:round/>
+                      <a:headEnd type="none" w="med" len="med"/>
+                      <a:tailEnd type="none" w="med" len="med"/>
+                    </a:lnB>
+                  </a:tcPr>
+                </a:tc>
+                <a:tc>
+                  <a:txBody>
+                    <a:bodyPr/>
+                    <a:lstStyle/>
+                    <a:p>
+                      <a:pPr marL="45720" algn="l" rtl="0">
+                        <a:lnSpc>
+                          <a:spcPct val="130000"/>
+                        </a:lnSpc>
+                      </a:pPr>
+                      <a:r>
+                        <a:rPr lang="de-DE" sz="1200" kern="1200" dirty="0"/>
+                        <a:t>3</a:t>
+                      </a:r>
+                      <a:endParaRPr lang="de-DE" sz="1200" kern="1200" dirty="0">
+                        <a:solidFill>
+                          <a:schemeClr val="dk1"/>
+                        </a:solidFill>
+                        <a:latin typeface="+mn-lt"/>
+                        <a:ea typeface="+mn-ea"/>
+                        <a:cs typeface="+mn-cs"/>
+                      </a:endParaRPr>
+                    </a:p>
+                  </a:txBody>
+                  <a:tcPr marL="91441" marR="91441">
+                    <a:lnL w="6350" cap="flat" cmpd="sng" algn="ctr">
+                      <a:solidFill>
+                        <a:schemeClr val="accent3"/>
+                      </a:solidFill>
+                      <a:prstDash val="solid"/>
+                      <a:round/>
+                      <a:headEnd type="none" w="med" len="med"/>
+                      <a:tailEnd type="none" w="med" len="med"/>
+                    </a:lnL>
+                    <a:lnR w="6350" cap="flat" cmpd="sng" algn="ctr">
+                      <a:solidFill>
+                        <a:schemeClr val="accent3"/>
+                      </a:solidFill>
+                      <a:prstDash val="solid"/>
+                      <a:round/>
+                      <a:headEnd type="none" w="med" len="med"/>
+                      <a:tailEnd type="none" w="med" len="med"/>
+                    </a:lnR>
+                    <a:lnT w="6350" cap="flat" cmpd="sng" algn="ctr">
+                      <a:solidFill>
+                        <a:schemeClr val="accent3"/>
+                      </a:solidFill>
+                      <a:prstDash val="solid"/>
+                      <a:round/>
+                      <a:headEnd type="none" w="med" len="med"/>
+                      <a:tailEnd type="none" w="med" len="med"/>
+                    </a:lnT>
+                    <a:lnB w="6350" cap="flat" cmpd="sng" algn="ctr">
+                      <a:solidFill>
+                        <a:schemeClr val="accent3"/>
+                      </a:solidFill>
+                      <a:prstDash val="solid"/>
+                      <a:round/>
+                      <a:headEnd type="none" w="med" len="med"/>
+                      <a:tailEnd type="none" w="med" len="med"/>
+                    </a:lnB>
+                  </a:tcPr>
+                </a:tc>
+                <a:tc>
+                  <a:txBody>
+                    <a:bodyPr/>
+                    <a:lstStyle/>
+                    <a:p>
+                      <a:pPr marL="45720" algn="l" rtl="0">
+                        <a:lnSpc>
+                          <a:spcPct val="130000"/>
+                        </a:lnSpc>
+                      </a:pPr>
+                      <a:r>
+                        <a:rPr lang="de-DE" sz="1200" kern="1200" dirty="0"/>
+                        <a:t>4</a:t>
+                      </a:r>
+                      <a:endParaRPr lang="de-DE" sz="1200" kern="1200" dirty="0">
+                        <a:solidFill>
+                          <a:schemeClr val="dk1"/>
+                        </a:solidFill>
+                        <a:latin typeface="+mn-lt"/>
+                        <a:ea typeface="+mn-ea"/>
+                        <a:cs typeface="+mn-cs"/>
+                      </a:endParaRPr>
+                    </a:p>
+                  </a:txBody>
+                  <a:tcPr marL="91441" marR="91441">
+                    <a:lnL w="6350" cap="flat" cmpd="sng" algn="ctr">
+                      <a:solidFill>
+                        <a:schemeClr val="accent3"/>
+                      </a:solidFill>
+                      <a:prstDash val="solid"/>
+                      <a:round/>
+                      <a:headEnd type="none" w="med" len="med"/>
+                      <a:tailEnd type="none" w="med" len="med"/>
+                    </a:lnL>
+                    <a:lnR w="6350" cap="flat" cmpd="sng" algn="ctr">
+                      <a:solidFill>
+                        <a:schemeClr val="accent3"/>
+                      </a:solidFill>
+                      <a:prstDash val="solid"/>
+                      <a:round/>
+                      <a:headEnd type="none" w="med" len="med"/>
+                      <a:tailEnd type="none" w="med" len="med"/>
+                    </a:lnR>
+                    <a:lnT w="6350" cap="flat" cmpd="sng" algn="ctr">
+                      <a:solidFill>
+                        <a:schemeClr val="accent3"/>
+                      </a:solidFill>
+                      <a:prstDash val="solid"/>
+                      <a:round/>
+                      <a:headEnd type="none" w="med" len="med"/>
+                      <a:tailEnd type="none" w="med" len="med"/>
+                    </a:lnT>
+                    <a:lnB w="6350" cap="flat" cmpd="sng" algn="ctr">
+                      <a:solidFill>
+                        <a:schemeClr val="accent3"/>
+                      </a:solidFill>
+                      <a:prstDash val="solid"/>
+                      <a:round/>
+                      <a:headEnd type="none" w="med" len="med"/>
+                      <a:tailEnd type="none" w="med" len="med"/>
+                    </a:lnB>
+                  </a:tcPr>
+                </a:tc>
+                <a:tc>
+                  <a:txBody>
+                    <a:bodyPr/>
+                    <a:lstStyle/>
+                    <a:p>
+                      <a:pPr marL="45720" algn="l" rtl="0">
+                        <a:lnSpc>
+                          <a:spcPct val="130000"/>
+                        </a:lnSpc>
+                      </a:pPr>
+                      <a:r>
+                        <a:rPr lang="de-DE" sz="1200" kern="1200" dirty="0"/>
+                        <a:t>5</a:t>
+                      </a:r>
+                      <a:endParaRPr lang="de-DE" sz="1200" kern="1200" dirty="0">
+                        <a:solidFill>
+                          <a:schemeClr val="dk1"/>
+                        </a:solidFill>
+                        <a:latin typeface="+mn-lt"/>
+                        <a:ea typeface="+mn-ea"/>
+                        <a:cs typeface="+mn-cs"/>
+                      </a:endParaRPr>
+                    </a:p>
+                  </a:txBody>
+                  <a:tcPr marL="91441" marR="91441">
+                    <a:lnL w="6350" cap="flat" cmpd="sng" algn="ctr">
+                      <a:solidFill>
+                        <a:schemeClr val="accent3"/>
+                      </a:solidFill>
+                      <a:prstDash val="solid"/>
+                      <a:round/>
+                      <a:headEnd type="none" w="med" len="med"/>
+                      <a:tailEnd type="none" w="med" len="med"/>
+                    </a:lnL>
+                    <a:lnR w="6350" cap="flat" cmpd="sng" algn="ctr">
+                      <a:solidFill>
+                        <a:schemeClr val="accent3"/>
+                      </a:solidFill>
+                      <a:prstDash val="solid"/>
+                      <a:round/>
+                      <a:headEnd type="none" w="med" len="med"/>
+                      <a:tailEnd type="none" w="med" len="med"/>
+                    </a:lnR>
+                    <a:lnT w="6350" cap="flat" cmpd="sng" algn="ctr">
+                      <a:solidFill>
+                        <a:schemeClr val="accent3"/>
+                      </a:solidFill>
+                      <a:prstDash val="solid"/>
+                      <a:round/>
+                      <a:headEnd type="none" w="med" len="med"/>
+                      <a:tailEnd type="none" w="med" len="med"/>
+                    </a:lnT>
+                    <a:lnB w="6350" cap="flat" cmpd="sng" algn="ctr">
+                      <a:solidFill>
+                        <a:schemeClr val="accent3"/>
+                      </a:solidFill>
+                      <a:prstDash val="solid"/>
+                      <a:round/>
+                      <a:headEnd type="none" w="med" len="med"/>
+                      <a:tailEnd type="none" w="med" len="med"/>
+                    </a:lnB>
+                  </a:tcPr>
+                </a:tc>
+                <a:extLst>
+                  <a:ext uri="{0D108BD9-81ED-4DB2-BD59-A6C34878D82A}">
+                    <a16:rowId xmlns:a16="http://schemas.microsoft.com/office/drawing/2014/main" val="10001"/>
+                  </a:ext>
+                </a:extLst>
+              </a:tr>
+              <a:tr h="770356">
+                <a:tc>
+                  <a:txBody>
+                    <a:bodyPr/>
+                    <a:lstStyle/>
+                    <a:p>
+                      <a:pPr marL="45720" algn="l" rtl="0">
+                        <a:lnSpc>
+                          <a:spcPct val="130000"/>
+                        </a:lnSpc>
+                      </a:pPr>
+                      <a:r>
+                        <a:rPr lang="de-DE" sz="1200" kern="1200" dirty="0"/>
+                        <a:t>6</a:t>
+                      </a:r>
+                      <a:endParaRPr lang="de-DE" sz="1200" kern="1200" dirty="0">
+                        <a:solidFill>
+                          <a:schemeClr val="dk1"/>
+                        </a:solidFill>
+                        <a:latin typeface="+mn-lt"/>
+                        <a:ea typeface="+mn-ea"/>
+                        <a:cs typeface="+mn-cs"/>
+                      </a:endParaRPr>
+                    </a:p>
+                  </a:txBody>
+                  <a:tcPr marL="91441" marR="91441">
+                    <a:lnL w="6350" cap="flat" cmpd="sng" algn="ctr">
+                      <a:solidFill>
+                        <a:schemeClr val="accent3"/>
+                      </a:solidFill>
+                      <a:prstDash val="solid"/>
+                      <a:round/>
+                      <a:headEnd type="none" w="med" len="med"/>
+                      <a:tailEnd type="none" w="med" len="med"/>
+                    </a:lnL>
+                    <a:lnR w="6350" cap="flat" cmpd="sng" algn="ctr">
+                      <a:solidFill>
+                        <a:schemeClr val="accent3"/>
+                      </a:solidFill>
+                      <a:prstDash val="solid"/>
+                      <a:round/>
+                      <a:headEnd type="none" w="med" len="med"/>
+                      <a:tailEnd type="none" w="med" len="med"/>
+                    </a:lnR>
+                    <a:lnT w="6350" cap="flat" cmpd="sng" algn="ctr">
+                      <a:solidFill>
+                        <a:schemeClr val="accent3"/>
+                      </a:solidFill>
+                      <a:prstDash val="solid"/>
+                      <a:round/>
+                      <a:headEnd type="none" w="med" len="med"/>
+                      <a:tailEnd type="none" w="med" len="med"/>
+                    </a:lnT>
+                    <a:lnB w="6350" cap="flat" cmpd="sng" algn="ctr">
+                      <a:solidFill>
+                        <a:schemeClr val="accent3"/>
+                      </a:solidFill>
+                      <a:prstDash val="solid"/>
+                      <a:round/>
+                      <a:headEnd type="none" w="med" len="med"/>
+                      <a:tailEnd type="none" w="med" len="med"/>
+                    </a:lnB>
+                  </a:tcPr>
+                </a:tc>
+                <a:tc>
+                  <a:txBody>
+                    <a:bodyPr/>
+                    <a:lstStyle/>
+                    <a:p>
+                      <a:pPr marL="45720" algn="l" rtl="0">
+                        <a:lnSpc>
+                          <a:spcPct val="130000"/>
+                        </a:lnSpc>
+                      </a:pPr>
+                      <a:r>
+                        <a:rPr lang="de-DE" sz="1200" kern="1200" dirty="0"/>
+                        <a:t>7</a:t>
+                      </a:r>
+                      <a:endParaRPr lang="de-DE" sz="1200" kern="1200" dirty="0">
+                        <a:solidFill>
+                          <a:schemeClr val="dk1"/>
+                        </a:solidFill>
+                        <a:latin typeface="+mn-lt"/>
+                        <a:ea typeface="+mn-ea"/>
+                        <a:cs typeface="+mn-cs"/>
+                      </a:endParaRPr>
+                    </a:p>
+                  </a:txBody>
+                  <a:tcPr marL="91441" marR="91441">
+                    <a:lnL w="6350" cap="flat" cmpd="sng" algn="ctr">
+                      <a:solidFill>
+                        <a:schemeClr val="accent3"/>
+                      </a:solidFill>
+                      <a:prstDash val="solid"/>
+                      <a:round/>
+                      <a:headEnd type="none" w="med" len="med"/>
+                      <a:tailEnd type="none" w="med" len="med"/>
+                    </a:lnL>
+                    <a:lnR w="6350" cap="flat" cmpd="sng" algn="ctr">
+                      <a:solidFill>
+                        <a:schemeClr val="accent3"/>
+                      </a:solidFill>
+                      <a:prstDash val="solid"/>
+                      <a:round/>
+                      <a:headEnd type="none" w="med" len="med"/>
+                      <a:tailEnd type="none" w="med" len="med"/>
+                    </a:lnR>
+                    <a:lnT w="6350" cap="flat" cmpd="sng" algn="ctr">
+                      <a:solidFill>
+                        <a:schemeClr val="accent3"/>
+                      </a:solidFill>
+                      <a:prstDash val="solid"/>
+                      <a:round/>
+                      <a:headEnd type="none" w="med" len="med"/>
+                      <a:tailEnd type="none" w="med" len="med"/>
+                    </a:lnT>
+                    <a:lnB w="6350" cap="flat" cmpd="sng" algn="ctr">
+                      <a:solidFill>
+                        <a:schemeClr val="accent3"/>
+                      </a:solidFill>
+                      <a:prstDash val="solid"/>
+                      <a:round/>
+                      <a:headEnd type="none" w="med" len="med"/>
+                      <a:tailEnd type="none" w="med" len="med"/>
+                    </a:lnB>
+                  </a:tcPr>
+                </a:tc>
+                <a:tc>
+                  <a:txBody>
+                    <a:bodyPr/>
+                    <a:lstStyle/>
+                    <a:p>
+                      <a:pPr marL="45720" algn="l" rtl="0">
+                        <a:lnSpc>
+                          <a:spcPct val="130000"/>
+                        </a:lnSpc>
+                      </a:pPr>
+                      <a:r>
+                        <a:rPr lang="de-DE" sz="1200" kern="1200" dirty="0"/>
+                        <a:t>8</a:t>
+                      </a:r>
+                      <a:endParaRPr lang="de-DE" sz="1200" kern="1200" dirty="0">
+                        <a:solidFill>
+                          <a:schemeClr val="dk1"/>
+                        </a:solidFill>
+                        <a:latin typeface="+mn-lt"/>
+                        <a:ea typeface="+mn-ea"/>
+                        <a:cs typeface="+mn-cs"/>
+                      </a:endParaRPr>
+                    </a:p>
+                  </a:txBody>
+                  <a:tcPr marL="91441" marR="91441">
+                    <a:lnL w="6350" cap="flat" cmpd="sng" algn="ctr">
+                      <a:solidFill>
+                        <a:schemeClr val="accent3"/>
+                      </a:solidFill>
+                      <a:prstDash val="solid"/>
+                      <a:round/>
+                      <a:headEnd type="none" w="med" len="med"/>
+                      <a:tailEnd type="none" w="med" len="med"/>
+                    </a:lnL>
+                    <a:lnR w="6350" cap="flat" cmpd="sng" algn="ctr">
+                      <a:solidFill>
+                        <a:schemeClr val="accent3"/>
+                      </a:solidFill>
+                      <a:prstDash val="solid"/>
+                      <a:round/>
+                      <a:headEnd type="none" w="med" len="med"/>
+                      <a:tailEnd type="none" w="med" len="med"/>
+                    </a:lnR>
+                    <a:lnT w="6350" cap="flat" cmpd="sng" algn="ctr">
+                      <a:solidFill>
+                        <a:schemeClr val="accent3"/>
+                      </a:solidFill>
+                      <a:prstDash val="solid"/>
+                      <a:round/>
+                      <a:headEnd type="none" w="med" len="med"/>
+                      <a:tailEnd type="none" w="med" len="med"/>
+                    </a:lnT>
+                    <a:lnB w="6350" cap="flat" cmpd="sng" algn="ctr">
+                      <a:solidFill>
+                        <a:schemeClr val="accent3"/>
+                      </a:solidFill>
+                      <a:prstDash val="solid"/>
+                      <a:round/>
+                      <a:headEnd type="none" w="med" len="med"/>
+                      <a:tailEnd type="none" w="med" len="med"/>
+                    </a:lnB>
+                  </a:tcPr>
+                </a:tc>
+                <a:tc>
+                  <a:txBody>
+                    <a:bodyPr/>
+                    <a:lstStyle/>
+                    <a:p>
+                      <a:pPr marL="45720" algn="l" rtl="0">
+                        <a:lnSpc>
+                          <a:spcPct val="130000"/>
+                        </a:lnSpc>
+                      </a:pPr>
+                      <a:r>
+                        <a:rPr lang="de-DE" sz="1200" kern="1200" dirty="0"/>
+                        <a:t>9</a:t>
+                      </a:r>
+                      <a:endParaRPr lang="de-DE" sz="1200" kern="1200" dirty="0">
+                        <a:solidFill>
+                          <a:schemeClr val="dk1"/>
+                        </a:solidFill>
+                        <a:latin typeface="+mn-lt"/>
+                        <a:ea typeface="+mn-ea"/>
+                        <a:cs typeface="+mn-cs"/>
+                      </a:endParaRPr>
+                    </a:p>
+                  </a:txBody>
+                  <a:tcPr marL="91441" marR="91441">
+                    <a:lnL w="6350" cap="flat" cmpd="sng" algn="ctr">
+                      <a:solidFill>
+                        <a:schemeClr val="accent3"/>
+                      </a:solidFill>
+                      <a:prstDash val="solid"/>
+                      <a:round/>
+                      <a:headEnd type="none" w="med" len="med"/>
+                      <a:tailEnd type="none" w="med" len="med"/>
+                    </a:lnL>
+                    <a:lnR w="6350" cap="flat" cmpd="sng" algn="ctr">
+                      <a:solidFill>
+                        <a:schemeClr val="accent3"/>
+                      </a:solidFill>
+                      <a:prstDash val="solid"/>
+                      <a:round/>
+                      <a:headEnd type="none" w="med" len="med"/>
+                      <a:tailEnd type="none" w="med" len="med"/>
+                    </a:lnR>
+                    <a:lnT w="6350" cap="flat" cmpd="sng" algn="ctr">
+                      <a:solidFill>
+                        <a:schemeClr val="accent3"/>
+                      </a:solidFill>
+                      <a:prstDash val="solid"/>
+                      <a:round/>
+                      <a:headEnd type="none" w="med" len="med"/>
+                      <a:tailEnd type="none" w="med" len="med"/>
+                    </a:lnT>
+                    <a:lnB w="6350" cap="flat" cmpd="sng" algn="ctr">
+                      <a:solidFill>
+                        <a:schemeClr val="accent3"/>
+                      </a:solidFill>
+                      <a:prstDash val="solid"/>
+                      <a:round/>
+                      <a:headEnd type="none" w="med" len="med"/>
+                      <a:tailEnd type="none" w="med" len="med"/>
+                    </a:lnB>
+                  </a:tcPr>
+                </a:tc>
+                <a:tc>
+                  <a:txBody>
+                    <a:bodyPr/>
+                    <a:lstStyle/>
+                    <a:p>
+                      <a:pPr marL="45720" algn="l" rtl="0">
+                        <a:lnSpc>
+                          <a:spcPct val="130000"/>
+                        </a:lnSpc>
+                      </a:pPr>
+                      <a:r>
+                        <a:rPr lang="de-DE" sz="1200" kern="1200" dirty="0"/>
+                        <a:t>10</a:t>
+                      </a:r>
+                      <a:endParaRPr lang="de-DE" sz="1200" kern="1200" dirty="0">
+                        <a:solidFill>
+                          <a:schemeClr val="dk1"/>
+                        </a:solidFill>
+                        <a:latin typeface="+mn-lt"/>
+                        <a:ea typeface="+mn-ea"/>
+                        <a:cs typeface="+mn-cs"/>
+                      </a:endParaRPr>
+                    </a:p>
+                  </a:txBody>
+                  <a:tcPr marL="91441" marR="91441">
+                    <a:lnL w="6350" cap="flat" cmpd="sng" algn="ctr">
+                      <a:solidFill>
+                        <a:schemeClr val="accent3"/>
+                      </a:solidFill>
+                      <a:prstDash val="solid"/>
+                      <a:round/>
+                      <a:headEnd type="none" w="med" len="med"/>
+                      <a:tailEnd type="none" w="med" len="med"/>
+                    </a:lnL>
+                    <a:lnR w="6350" cap="flat" cmpd="sng" algn="ctr">
+                      <a:solidFill>
+                        <a:schemeClr val="accent3"/>
+                      </a:solidFill>
+                      <a:prstDash val="solid"/>
+                      <a:round/>
+                      <a:headEnd type="none" w="med" len="med"/>
+                      <a:tailEnd type="none" w="med" len="med"/>
+                    </a:lnR>
+                    <a:lnT w="6350" cap="flat" cmpd="sng" algn="ctr">
+                      <a:solidFill>
+                        <a:schemeClr val="accent3"/>
+                      </a:solidFill>
+                      <a:prstDash val="solid"/>
+                      <a:round/>
+                      <a:headEnd type="none" w="med" len="med"/>
+                      <a:tailEnd type="none" w="med" len="med"/>
+                    </a:lnT>
+                    <a:lnB w="6350" cap="flat" cmpd="sng" algn="ctr">
+                      <a:solidFill>
+                        <a:schemeClr val="accent3"/>
+                      </a:solidFill>
+                      <a:prstDash val="solid"/>
+                      <a:round/>
+                      <a:headEnd type="none" w="med" len="med"/>
+                      <a:tailEnd type="none" w="med" len="med"/>
+                    </a:lnB>
+                  </a:tcPr>
+                </a:tc>
+                <a:tc>
+                  <a:txBody>
+                    <a:bodyPr/>
+                    <a:lstStyle/>
+                    <a:p>
+                      <a:pPr marL="45720" algn="l" rtl="0">
+                        <a:lnSpc>
+                          <a:spcPct val="130000"/>
+                        </a:lnSpc>
+                      </a:pPr>
+                      <a:r>
+                        <a:rPr lang="de-DE" sz="1200" kern="1200" dirty="0"/>
+                        <a:t>11</a:t>
+                      </a:r>
+                      <a:endParaRPr lang="de-DE" sz="1200" kern="1200" dirty="0">
+                        <a:solidFill>
+                          <a:schemeClr val="dk1"/>
+                        </a:solidFill>
+                        <a:latin typeface="+mn-lt"/>
+                        <a:ea typeface="+mn-ea"/>
+                        <a:cs typeface="+mn-cs"/>
+                      </a:endParaRPr>
+                    </a:p>
+                  </a:txBody>
+                  <a:tcPr marL="91441" marR="91441">
+                    <a:lnL w="6350" cap="flat" cmpd="sng" algn="ctr">
+                      <a:solidFill>
+                        <a:schemeClr val="accent3"/>
+                      </a:solidFill>
+                      <a:prstDash val="solid"/>
+                      <a:round/>
+                      <a:headEnd type="none" w="med" len="med"/>
+                      <a:tailEnd type="none" w="med" len="med"/>
+                    </a:lnL>
+                    <a:lnR w="6350" cap="flat" cmpd="sng" algn="ctr">
+                      <a:solidFill>
+                        <a:schemeClr val="accent3"/>
+                      </a:solidFill>
+                      <a:prstDash val="solid"/>
+                      <a:round/>
+                      <a:headEnd type="none" w="med" len="med"/>
+                      <a:tailEnd type="none" w="med" len="med"/>
+                    </a:lnR>
+                    <a:lnT w="6350" cap="flat" cmpd="sng" algn="ctr">
+                      <a:solidFill>
+                        <a:schemeClr val="accent3"/>
+                      </a:solidFill>
+                      <a:prstDash val="solid"/>
+                      <a:round/>
+                      <a:headEnd type="none" w="med" len="med"/>
+                      <a:tailEnd type="none" w="med" len="med"/>
+                    </a:lnT>
+                    <a:lnB w="6350" cap="flat" cmpd="sng" algn="ctr">
+                      <a:solidFill>
+                        <a:schemeClr val="accent3"/>
+                      </a:solidFill>
+                      <a:prstDash val="solid"/>
+                      <a:round/>
+                      <a:headEnd type="none" w="med" len="med"/>
+                      <a:tailEnd type="none" w="med" len="med"/>
+                    </a:lnB>
+                  </a:tcPr>
+                </a:tc>
+                <a:tc>
+                  <a:txBody>
+                    <a:bodyPr/>
+                    <a:lstStyle/>
+                    <a:p>
+                      <a:pPr marL="45720" algn="l" rtl="0">
+                        <a:lnSpc>
+                          <a:spcPct val="130000"/>
+                        </a:lnSpc>
+                      </a:pPr>
+                      <a:r>
+                        <a:rPr lang="de-DE" sz="1200" kern="1200" dirty="0"/>
+                        <a:t>12</a:t>
+                      </a:r>
+                      <a:endParaRPr lang="de-DE" sz="1200" kern="1200" dirty="0">
+                        <a:solidFill>
+                          <a:schemeClr val="dk1"/>
+                        </a:solidFill>
+                        <a:latin typeface="+mn-lt"/>
+                        <a:ea typeface="+mn-ea"/>
+                        <a:cs typeface="+mn-cs"/>
+                      </a:endParaRPr>
+                    </a:p>
+                  </a:txBody>
+                  <a:tcPr marL="91441" marR="91441">
+                    <a:lnL w="6350" cap="flat" cmpd="sng" algn="ctr">
+                      <a:solidFill>
+                        <a:schemeClr val="accent3"/>
+                      </a:solidFill>
+                      <a:prstDash val="solid"/>
+                      <a:round/>
+                      <a:headEnd type="none" w="med" len="med"/>
+                      <a:tailEnd type="none" w="med" len="med"/>
+                    </a:lnL>
+                    <a:lnR w="6350" cap="flat" cmpd="sng" algn="ctr">
+                      <a:solidFill>
+                        <a:schemeClr val="accent3"/>
+                      </a:solidFill>
+                      <a:prstDash val="solid"/>
+                      <a:round/>
+                      <a:headEnd type="none" w="med" len="med"/>
+                      <a:tailEnd type="none" w="med" len="med"/>
+                    </a:lnR>
+                    <a:lnT w="6350" cap="flat" cmpd="sng" algn="ctr">
+                      <a:solidFill>
+                        <a:schemeClr val="accent3"/>
+                      </a:solidFill>
+                      <a:prstDash val="solid"/>
+                      <a:round/>
+                      <a:headEnd type="none" w="med" len="med"/>
+                      <a:tailEnd type="none" w="med" len="med"/>
+                    </a:lnT>
+                    <a:lnB w="6350" cap="flat" cmpd="sng" algn="ctr">
+                      <a:solidFill>
+                        <a:schemeClr val="accent3"/>
+                      </a:solidFill>
+                      <a:prstDash val="solid"/>
+                      <a:round/>
+                      <a:headEnd type="none" w="med" len="med"/>
+                      <a:tailEnd type="none" w="med" len="med"/>
+                    </a:lnB>
+                  </a:tcPr>
+                </a:tc>
+                <a:extLst>
+                  <a:ext uri="{0D108BD9-81ED-4DB2-BD59-A6C34878D82A}">
+                    <a16:rowId xmlns:a16="http://schemas.microsoft.com/office/drawing/2014/main" val="10002"/>
+                  </a:ext>
+                </a:extLst>
+              </a:tr>
+              <a:tr h="770356">
+                <a:tc>
+                  <a:txBody>
+                    <a:bodyPr/>
+                    <a:lstStyle/>
+                    <a:p>
+                      <a:pPr marL="45720" algn="l" rtl="0">
+                        <a:lnSpc>
+                          <a:spcPct val="130000"/>
+                        </a:lnSpc>
+                      </a:pPr>
+                      <a:r>
+                        <a:rPr lang="de-DE" sz="1200" kern="1200" dirty="0"/>
+                        <a:t>13</a:t>
+                      </a:r>
+                      <a:endParaRPr lang="de-DE" sz="1200" kern="1200" dirty="0">
+                        <a:solidFill>
+                          <a:schemeClr val="dk1"/>
+                        </a:solidFill>
+                        <a:latin typeface="+mn-lt"/>
+                        <a:ea typeface="+mn-ea"/>
+                        <a:cs typeface="+mn-cs"/>
+                      </a:endParaRPr>
+                    </a:p>
+                  </a:txBody>
+                  <a:tcPr marL="91441" marR="91441">
+                    <a:lnL w="6350" cap="flat" cmpd="sng" algn="ctr">
+                      <a:solidFill>
+                        <a:schemeClr val="accent3"/>
+                      </a:solidFill>
+                      <a:prstDash val="solid"/>
+                      <a:round/>
+                      <a:headEnd type="none" w="med" len="med"/>
+                      <a:tailEnd type="none" w="med" len="med"/>
+                    </a:lnL>
+                    <a:lnR w="6350" cap="flat" cmpd="sng" algn="ctr">
+                      <a:solidFill>
+                        <a:schemeClr val="accent3"/>
+                      </a:solidFill>
+                      <a:prstDash val="solid"/>
+                      <a:round/>
+                      <a:headEnd type="none" w="med" len="med"/>
+                      <a:tailEnd type="none" w="med" len="med"/>
+                    </a:lnR>
+                    <a:lnT w="6350" cap="flat" cmpd="sng" algn="ctr">
+                      <a:solidFill>
+                        <a:schemeClr val="accent3"/>
+                      </a:solidFill>
+                      <a:prstDash val="solid"/>
+                      <a:round/>
+                      <a:headEnd type="none" w="med" len="med"/>
+                      <a:tailEnd type="none" w="med" len="med"/>
+                    </a:lnT>
+                    <a:lnB w="6350" cap="flat" cmpd="sng" algn="ctr">
+                      <a:solidFill>
+                        <a:schemeClr val="accent3"/>
+                      </a:solidFill>
+                      <a:prstDash val="solid"/>
+                      <a:round/>
+                      <a:headEnd type="none" w="med" len="med"/>
+                      <a:tailEnd type="none" w="med" len="med"/>
+                    </a:lnB>
+                  </a:tcPr>
+                </a:tc>
+                <a:tc>
+                  <a:txBody>
+                    <a:bodyPr/>
+                    <a:lstStyle/>
+                    <a:p>
+                      <a:pPr marL="45720" algn="l" rtl="0">
+                        <a:lnSpc>
+                          <a:spcPct val="130000"/>
+                        </a:lnSpc>
+                      </a:pPr>
+                      <a:r>
+                        <a:rPr lang="de-DE" sz="1200" kern="1200" dirty="0"/>
+                        <a:t>14</a:t>
+                      </a:r>
+                      <a:endParaRPr lang="de-DE" sz="1200" kern="1200" dirty="0">
+                        <a:solidFill>
+                          <a:schemeClr val="dk1"/>
+                        </a:solidFill>
+                        <a:latin typeface="+mn-lt"/>
+                        <a:ea typeface="+mn-ea"/>
+                        <a:cs typeface="+mn-cs"/>
+                      </a:endParaRPr>
+                    </a:p>
+                  </a:txBody>
+                  <a:tcPr marL="91441" marR="91441">
+                    <a:lnL w="6350" cap="flat" cmpd="sng" algn="ctr">
+                      <a:solidFill>
+                        <a:schemeClr val="accent3"/>
+                      </a:solidFill>
+                      <a:prstDash val="solid"/>
+                      <a:round/>
+                      <a:headEnd type="none" w="med" len="med"/>
+                      <a:tailEnd type="none" w="med" len="med"/>
+                    </a:lnL>
+                    <a:lnR w="6350" cap="flat" cmpd="sng" algn="ctr">
+                      <a:solidFill>
+                        <a:schemeClr val="accent3"/>
+                      </a:solidFill>
+                      <a:prstDash val="solid"/>
+                      <a:round/>
+                      <a:headEnd type="none" w="med" len="med"/>
+                      <a:tailEnd type="none" w="med" len="med"/>
+                    </a:lnR>
+                    <a:lnT w="6350" cap="flat" cmpd="sng" algn="ctr">
+                      <a:solidFill>
+                        <a:schemeClr val="accent3"/>
+                      </a:solidFill>
+                      <a:prstDash val="solid"/>
+                      <a:round/>
+                      <a:headEnd type="none" w="med" len="med"/>
+                      <a:tailEnd type="none" w="med" len="med"/>
+                    </a:lnT>
+                    <a:lnB w="6350" cap="flat" cmpd="sng" algn="ctr">
+                      <a:solidFill>
+                        <a:schemeClr val="accent3"/>
+                      </a:solidFill>
+                      <a:prstDash val="solid"/>
+                      <a:round/>
+                      <a:headEnd type="none" w="med" len="med"/>
+                      <a:tailEnd type="none" w="med" len="med"/>
+                    </a:lnB>
+                  </a:tcPr>
+                </a:tc>
+                <a:tc>
+                  <a:txBody>
+                    <a:bodyPr/>
+                    <a:lstStyle/>
+                    <a:p>
+                      <a:pPr marL="45720" algn="l" rtl="0">
+                        <a:lnSpc>
+                          <a:spcPct val="130000"/>
+                        </a:lnSpc>
+                      </a:pPr>
+                      <a:r>
+                        <a:rPr lang="de-DE" sz="1200" kern="1200" dirty="0"/>
+                        <a:t>15</a:t>
+                      </a:r>
+                      <a:endParaRPr lang="de-DE" sz="1200" kern="1200" dirty="0">
+                        <a:solidFill>
+                          <a:schemeClr val="dk1"/>
+                        </a:solidFill>
+                        <a:latin typeface="+mn-lt"/>
+                        <a:ea typeface="+mn-ea"/>
+                        <a:cs typeface="+mn-cs"/>
+                      </a:endParaRPr>
+                    </a:p>
+                  </a:txBody>
+                  <a:tcPr marL="91441" marR="91441">
+                    <a:lnL w="6350" cap="flat" cmpd="sng" algn="ctr">
+                      <a:solidFill>
+                        <a:schemeClr val="accent3"/>
+                      </a:solidFill>
+                      <a:prstDash val="solid"/>
+                      <a:round/>
+                      <a:headEnd type="none" w="med" len="med"/>
+                      <a:tailEnd type="none" w="med" len="med"/>
+                    </a:lnL>
+                    <a:lnR w="6350" cap="flat" cmpd="sng" algn="ctr">
+                      <a:solidFill>
+                        <a:schemeClr val="accent3"/>
+                      </a:solidFill>
+                      <a:prstDash val="solid"/>
+                      <a:round/>
+                      <a:headEnd type="none" w="med" len="med"/>
+                      <a:tailEnd type="none" w="med" len="med"/>
+                    </a:lnR>
+                    <a:lnT w="6350" cap="flat" cmpd="sng" algn="ctr">
+                      <a:solidFill>
+                        <a:schemeClr val="accent3"/>
+                      </a:solidFill>
+                      <a:prstDash val="solid"/>
+                      <a:round/>
+                      <a:headEnd type="none" w="med" len="med"/>
+                      <a:tailEnd type="none" w="med" len="med"/>
+                    </a:lnT>
+                    <a:lnB w="6350" cap="flat" cmpd="sng" algn="ctr">
+                      <a:solidFill>
+                        <a:schemeClr val="accent3"/>
+                      </a:solidFill>
+                      <a:prstDash val="solid"/>
+                      <a:round/>
+                      <a:headEnd type="none" w="med" len="med"/>
+                      <a:tailEnd type="none" w="med" len="med"/>
+                    </a:lnB>
+                  </a:tcPr>
+                </a:tc>
+                <a:tc>
+                  <a:txBody>
+                    <a:bodyPr/>
+                    <a:lstStyle/>
+                    <a:p>
+                      <a:pPr marL="45720" algn="l" rtl="0">
+                        <a:lnSpc>
+                          <a:spcPct val="130000"/>
+                        </a:lnSpc>
+                      </a:pPr>
+                      <a:r>
+                        <a:rPr lang="de-DE" sz="1200" kern="1200" dirty="0"/>
+                        <a:t>16</a:t>
+                      </a:r>
+                      <a:endParaRPr lang="de-DE" sz="1200" kern="1200" dirty="0">
+                        <a:solidFill>
+                          <a:schemeClr val="dk1"/>
+                        </a:solidFill>
+                        <a:latin typeface="+mn-lt"/>
+                        <a:ea typeface="+mn-ea"/>
+                        <a:cs typeface="+mn-cs"/>
+                      </a:endParaRPr>
+                    </a:p>
+                  </a:txBody>
+                  <a:tcPr marL="91441" marR="91441">
+                    <a:lnL w="6350" cap="flat" cmpd="sng" algn="ctr">
+                      <a:solidFill>
+                        <a:schemeClr val="accent3"/>
+                      </a:solidFill>
+                      <a:prstDash val="solid"/>
+                      <a:round/>
+                      <a:headEnd type="none" w="med" len="med"/>
+                      <a:tailEnd type="none" w="med" len="med"/>
+                    </a:lnL>
+                    <a:lnR w="6350" cap="flat" cmpd="sng" algn="ctr">
+                      <a:solidFill>
+                        <a:schemeClr val="accent3"/>
+                      </a:solidFill>
+                      <a:prstDash val="solid"/>
+                      <a:round/>
+                      <a:headEnd type="none" w="med" len="med"/>
+                      <a:tailEnd type="none" w="med" len="med"/>
+                    </a:lnR>
+                    <a:lnT w="6350" cap="flat" cmpd="sng" algn="ctr">
+                      <a:solidFill>
+                        <a:schemeClr val="accent3"/>
+                      </a:solidFill>
+                      <a:prstDash val="solid"/>
+                      <a:round/>
+                      <a:headEnd type="none" w="med" len="med"/>
+                      <a:tailEnd type="none" w="med" len="med"/>
+                    </a:lnT>
+                    <a:lnB w="6350" cap="flat" cmpd="sng" algn="ctr">
+                      <a:solidFill>
+                        <a:schemeClr val="accent3"/>
+                      </a:solidFill>
+                      <a:prstDash val="solid"/>
+                      <a:round/>
+                      <a:headEnd type="none" w="med" len="med"/>
+                      <a:tailEnd type="none" w="med" len="med"/>
+                    </a:lnB>
+                  </a:tcPr>
+                </a:tc>
+                <a:tc>
+                  <a:txBody>
+                    <a:bodyPr/>
+                    <a:lstStyle/>
+                    <a:p>
+                      <a:pPr marL="45720" algn="l" rtl="0">
+                        <a:lnSpc>
+                          <a:spcPct val="130000"/>
+                        </a:lnSpc>
+                      </a:pPr>
+                      <a:r>
+                        <a:rPr lang="de-DE" sz="1200" kern="1200" dirty="0"/>
+                        <a:t>17</a:t>
+                      </a:r>
+                      <a:endParaRPr lang="de-DE" sz="1200" kern="1200" dirty="0">
+                        <a:solidFill>
+                          <a:schemeClr val="dk1"/>
+                        </a:solidFill>
+                        <a:latin typeface="+mn-lt"/>
+                        <a:ea typeface="+mn-ea"/>
+                        <a:cs typeface="+mn-cs"/>
+                      </a:endParaRPr>
+                    </a:p>
+                  </a:txBody>
+                  <a:tcPr marL="91441" marR="91441">
+                    <a:lnL w="6350" cap="flat" cmpd="sng" algn="ctr">
+                      <a:solidFill>
+                        <a:schemeClr val="accent3"/>
+                      </a:solidFill>
+                      <a:prstDash val="solid"/>
+                      <a:round/>
+                      <a:headEnd type="none" w="med" len="med"/>
+                      <a:tailEnd type="none" w="med" len="med"/>
+                    </a:lnL>
+                    <a:lnR w="6350" cap="flat" cmpd="sng" algn="ctr">
+                      <a:solidFill>
+                        <a:schemeClr val="accent3"/>
+                      </a:solidFill>
+                      <a:prstDash val="solid"/>
+                      <a:round/>
+                      <a:headEnd type="none" w="med" len="med"/>
+                      <a:tailEnd type="none" w="med" len="med"/>
+                    </a:lnR>
+                    <a:lnT w="6350" cap="flat" cmpd="sng" algn="ctr">
+                      <a:solidFill>
+                        <a:schemeClr val="accent3"/>
+                      </a:solidFill>
+                      <a:prstDash val="solid"/>
+                      <a:round/>
+                      <a:headEnd type="none" w="med" len="med"/>
+                      <a:tailEnd type="none" w="med" len="med"/>
+                    </a:lnT>
+                    <a:lnB w="6350" cap="flat" cmpd="sng" algn="ctr">
+                      <a:solidFill>
+                        <a:schemeClr val="accent3"/>
+                      </a:solidFill>
+                      <a:prstDash val="solid"/>
+                      <a:round/>
+                      <a:headEnd type="none" w="med" len="med"/>
+                      <a:tailEnd type="none" w="med" len="med"/>
+                    </a:lnB>
+                  </a:tcPr>
+                </a:tc>
+                <a:tc>
+                  <a:txBody>
+                    <a:bodyPr/>
+                    <a:lstStyle/>
+                    <a:p>
+                      <a:pPr marL="45720" algn="l" rtl="0">
+                        <a:lnSpc>
+                          <a:spcPct val="130000"/>
+                        </a:lnSpc>
+                      </a:pPr>
+                      <a:r>
+                        <a:rPr lang="de-DE" sz="1200" kern="1200" dirty="0"/>
+                        <a:t>18</a:t>
+                      </a:r>
+                      <a:endParaRPr lang="de-DE" sz="1200" kern="1200" dirty="0">
+                        <a:solidFill>
+                          <a:schemeClr val="dk1"/>
+                        </a:solidFill>
+                        <a:latin typeface="+mn-lt"/>
+                        <a:ea typeface="+mn-ea"/>
+                        <a:cs typeface="+mn-cs"/>
+                      </a:endParaRPr>
+                    </a:p>
+                  </a:txBody>
+                  <a:tcPr marL="91441" marR="91441">
+                    <a:lnL w="6350" cap="flat" cmpd="sng" algn="ctr">
+                      <a:solidFill>
+                        <a:schemeClr val="accent3"/>
+                      </a:solidFill>
+                      <a:prstDash val="solid"/>
+                      <a:round/>
+                      <a:headEnd type="none" w="med" len="med"/>
+                      <a:tailEnd type="none" w="med" len="med"/>
+                    </a:lnL>
+                    <a:lnR w="6350" cap="flat" cmpd="sng" algn="ctr">
+                      <a:solidFill>
+                        <a:schemeClr val="accent3"/>
+                      </a:solidFill>
+                      <a:prstDash val="solid"/>
+                      <a:round/>
+                      <a:headEnd type="none" w="med" len="med"/>
+                      <a:tailEnd type="none" w="med" len="med"/>
+                    </a:lnR>
+                    <a:lnT w="6350" cap="flat" cmpd="sng" algn="ctr">
+                      <a:solidFill>
+                        <a:schemeClr val="accent3"/>
+                      </a:solidFill>
+                      <a:prstDash val="solid"/>
+                      <a:round/>
+                      <a:headEnd type="none" w="med" len="med"/>
+                      <a:tailEnd type="none" w="med" len="med"/>
+                    </a:lnT>
+                    <a:lnB w="6350" cap="flat" cmpd="sng" algn="ctr">
+                      <a:solidFill>
+                        <a:schemeClr val="accent3"/>
+                      </a:solidFill>
+                      <a:prstDash val="solid"/>
+                      <a:round/>
+                      <a:headEnd type="none" w="med" len="med"/>
+                      <a:tailEnd type="none" w="med" len="med"/>
+                    </a:lnB>
+                  </a:tcPr>
+                </a:tc>
+                <a:tc>
+                  <a:txBody>
+                    <a:bodyPr/>
+                    <a:lstStyle/>
+                    <a:p>
+                      <a:pPr marL="45720" algn="l" rtl="0">
+                        <a:lnSpc>
+                          <a:spcPct val="130000"/>
+                        </a:lnSpc>
+                      </a:pPr>
+                      <a:r>
+                        <a:rPr lang="de-DE" sz="1200" kern="1200" dirty="0"/>
+                        <a:t>19</a:t>
+                      </a:r>
+                      <a:endParaRPr lang="de-DE" sz="1200" kern="1200" dirty="0">
+                        <a:solidFill>
+                          <a:schemeClr val="dk1"/>
+                        </a:solidFill>
+                        <a:latin typeface="+mn-lt"/>
+                        <a:ea typeface="+mn-ea"/>
+                        <a:cs typeface="+mn-cs"/>
+                      </a:endParaRPr>
+                    </a:p>
+                  </a:txBody>
+                  <a:tcPr marL="91441" marR="91441">
+                    <a:lnL w="6350" cap="flat" cmpd="sng" algn="ctr">
+                      <a:solidFill>
+                        <a:schemeClr val="accent3"/>
+                      </a:solidFill>
+                      <a:prstDash val="solid"/>
+                      <a:round/>
+                      <a:headEnd type="none" w="med" len="med"/>
+                      <a:tailEnd type="none" w="med" len="med"/>
+                    </a:lnL>
+                    <a:lnR w="6350" cap="flat" cmpd="sng" algn="ctr">
+                      <a:solidFill>
+                        <a:schemeClr val="accent3"/>
+                      </a:solidFill>
+                      <a:prstDash val="solid"/>
+                      <a:round/>
+                      <a:headEnd type="none" w="med" len="med"/>
+                      <a:tailEnd type="none" w="med" len="med"/>
+                    </a:lnR>
+                    <a:lnT w="6350" cap="flat" cmpd="sng" algn="ctr">
+                      <a:solidFill>
+                        <a:schemeClr val="accent3"/>
+                      </a:solidFill>
+                      <a:prstDash val="solid"/>
+                      <a:round/>
+                      <a:headEnd type="none" w="med" len="med"/>
+                      <a:tailEnd type="none" w="med" len="med"/>
+                    </a:lnT>
+                    <a:lnB w="6350" cap="flat" cmpd="sng" algn="ctr">
+                      <a:solidFill>
+                        <a:schemeClr val="accent3"/>
+                      </a:solidFill>
+                      <a:prstDash val="solid"/>
+                      <a:round/>
+                      <a:headEnd type="none" w="med" len="med"/>
+                      <a:tailEnd type="none" w="med" len="med"/>
+                    </a:lnB>
+                  </a:tcPr>
+                </a:tc>
+                <a:extLst>
+                  <a:ext uri="{0D108BD9-81ED-4DB2-BD59-A6C34878D82A}">
+                    <a16:rowId xmlns:a16="http://schemas.microsoft.com/office/drawing/2014/main" val="10003"/>
+                  </a:ext>
+                </a:extLst>
+              </a:tr>
+              <a:tr h="770356">
+                <a:tc>
+                  <a:txBody>
+                    <a:bodyPr/>
+                    <a:lstStyle/>
+                    <a:p>
+                      <a:pPr marL="45720" algn="l" rtl="0">
+                        <a:lnSpc>
+                          <a:spcPct val="130000"/>
+                        </a:lnSpc>
+                      </a:pPr>
+                      <a:r>
+                        <a:rPr lang="de-DE" sz="1200" kern="1200" dirty="0"/>
+                        <a:t>20</a:t>
+                      </a:r>
+                      <a:endParaRPr lang="de-DE" sz="1200" kern="1200" dirty="0">
+                        <a:solidFill>
+                          <a:schemeClr val="dk1"/>
+                        </a:solidFill>
+                        <a:latin typeface="+mn-lt"/>
+                        <a:ea typeface="+mn-ea"/>
+                        <a:cs typeface="+mn-cs"/>
+                      </a:endParaRPr>
+                    </a:p>
+                  </a:txBody>
+                  <a:tcPr marL="91441" marR="91441">
+                    <a:lnL w="6350" cap="flat" cmpd="sng" algn="ctr">
+                      <a:solidFill>
+                        <a:schemeClr val="accent3"/>
+                      </a:solidFill>
+                      <a:prstDash val="solid"/>
+                      <a:round/>
+                      <a:headEnd type="none" w="med" len="med"/>
+                      <a:tailEnd type="none" w="med" len="med"/>
+                    </a:lnL>
+                    <a:lnR w="6350" cap="flat" cmpd="sng" algn="ctr">
+                      <a:solidFill>
+                        <a:schemeClr val="accent3"/>
+                      </a:solidFill>
+                      <a:prstDash val="solid"/>
+                      <a:round/>
+                      <a:headEnd type="none" w="med" len="med"/>
+                      <a:tailEnd type="none" w="med" len="med"/>
+                    </a:lnR>
+                    <a:lnT w="6350" cap="flat" cmpd="sng" algn="ctr">
+                      <a:solidFill>
+                        <a:schemeClr val="accent3"/>
+                      </a:solidFill>
+                      <a:prstDash val="solid"/>
+                      <a:round/>
+                      <a:headEnd type="none" w="med" len="med"/>
+                      <a:tailEnd type="none" w="med" len="med"/>
+                    </a:lnT>
+                    <a:lnB w="6350" cap="flat" cmpd="sng" algn="ctr">
+                      <a:solidFill>
+                        <a:schemeClr val="accent3"/>
+                      </a:solidFill>
+                      <a:prstDash val="solid"/>
+                      <a:round/>
+                      <a:headEnd type="none" w="med" len="med"/>
+                      <a:tailEnd type="none" w="med" len="med"/>
+                    </a:lnB>
+                  </a:tcPr>
+                </a:tc>
+                <a:tc>
+                  <a:txBody>
+                    <a:bodyPr/>
+                    <a:lstStyle/>
+                    <a:p>
+                      <a:pPr marL="45720" algn="l" rtl="0">
+                        <a:lnSpc>
+                          <a:spcPct val="130000"/>
+                        </a:lnSpc>
+                      </a:pPr>
+                      <a:r>
+                        <a:rPr lang="de-DE" sz="1200" kern="1200" dirty="0"/>
+                        <a:t>21</a:t>
+                      </a:r>
+                      <a:endParaRPr lang="de-DE" sz="1200" kern="1200" dirty="0">
+                        <a:solidFill>
+                          <a:schemeClr val="dk1"/>
+                        </a:solidFill>
+                        <a:latin typeface="+mn-lt"/>
+                        <a:ea typeface="+mn-ea"/>
+                        <a:cs typeface="+mn-cs"/>
+                      </a:endParaRPr>
+                    </a:p>
+                  </a:txBody>
+                  <a:tcPr marL="91441" marR="91441">
+                    <a:lnL w="6350" cap="flat" cmpd="sng" algn="ctr">
+                      <a:solidFill>
+                        <a:schemeClr val="accent3"/>
+                      </a:solidFill>
+                      <a:prstDash val="solid"/>
+                      <a:round/>
+                      <a:headEnd type="none" w="med" len="med"/>
+                      <a:tailEnd type="none" w="med" len="med"/>
+                    </a:lnL>
+                    <a:lnR w="6350" cap="flat" cmpd="sng" algn="ctr">
+                      <a:solidFill>
+                        <a:schemeClr val="accent3"/>
+                      </a:solidFill>
+                      <a:prstDash val="solid"/>
+                      <a:round/>
+                      <a:headEnd type="none" w="med" len="med"/>
+                      <a:tailEnd type="none" w="med" len="med"/>
+                    </a:lnR>
+                    <a:lnT w="6350" cap="flat" cmpd="sng" algn="ctr">
+                      <a:solidFill>
+                        <a:schemeClr val="accent3"/>
+                      </a:solidFill>
+                      <a:prstDash val="solid"/>
+                      <a:round/>
+                      <a:headEnd type="none" w="med" len="med"/>
+                      <a:tailEnd type="none" w="med" len="med"/>
+                    </a:lnT>
+                    <a:lnB w="6350" cap="flat" cmpd="sng" algn="ctr">
+                      <a:solidFill>
+                        <a:schemeClr val="accent3"/>
+                      </a:solidFill>
+                      <a:prstDash val="solid"/>
+                      <a:round/>
+                      <a:headEnd type="none" w="med" len="med"/>
+                      <a:tailEnd type="none" w="med" len="med"/>
+                    </a:lnB>
+                  </a:tcPr>
+                </a:tc>
+                <a:tc>
+                  <a:txBody>
+                    <a:bodyPr/>
+                    <a:lstStyle/>
+                    <a:p>
+                      <a:pPr marL="45720" algn="l" rtl="0">
+                        <a:lnSpc>
+                          <a:spcPct val="130000"/>
+                        </a:lnSpc>
+                      </a:pPr>
+                      <a:r>
+                        <a:rPr lang="de-DE" sz="1200" kern="1200" dirty="0"/>
+                        <a:t>22</a:t>
+                      </a:r>
+                      <a:endParaRPr lang="de-DE" sz="1200" kern="1200" dirty="0">
+                        <a:solidFill>
+                          <a:schemeClr val="dk1"/>
+                        </a:solidFill>
+                        <a:latin typeface="+mn-lt"/>
+                        <a:ea typeface="+mn-ea"/>
+                        <a:cs typeface="+mn-cs"/>
+                      </a:endParaRPr>
+                    </a:p>
+                  </a:txBody>
+                  <a:tcPr marL="91441" marR="91441">
+                    <a:lnL w="6350" cap="flat" cmpd="sng" algn="ctr">
+                      <a:solidFill>
+                        <a:schemeClr val="accent3"/>
+                      </a:solidFill>
+                      <a:prstDash val="solid"/>
+                      <a:round/>
+                      <a:headEnd type="none" w="med" len="med"/>
+                      <a:tailEnd type="none" w="med" len="med"/>
+                    </a:lnL>
+                    <a:lnR w="6350" cap="flat" cmpd="sng" algn="ctr">
+                      <a:solidFill>
+                        <a:schemeClr val="accent3"/>
+                      </a:solidFill>
+                      <a:prstDash val="solid"/>
+                      <a:round/>
+                      <a:headEnd type="none" w="med" len="med"/>
+                      <a:tailEnd type="none" w="med" len="med"/>
+                    </a:lnR>
+                    <a:lnT w="6350" cap="flat" cmpd="sng" algn="ctr">
+                      <a:solidFill>
+                        <a:schemeClr val="accent3"/>
+                      </a:solidFill>
+                      <a:prstDash val="solid"/>
+                      <a:round/>
+                      <a:headEnd type="none" w="med" len="med"/>
+                      <a:tailEnd type="none" w="med" len="med"/>
+                    </a:lnT>
+                    <a:lnB w="6350" cap="flat" cmpd="sng" algn="ctr">
+                      <a:solidFill>
+                        <a:schemeClr val="accent3"/>
+                      </a:solidFill>
+                      <a:prstDash val="solid"/>
+                      <a:round/>
+                      <a:headEnd type="none" w="med" len="med"/>
+                      <a:tailEnd type="none" w="med" len="med"/>
+                    </a:lnB>
+                  </a:tcPr>
+                </a:tc>
+                <a:tc>
+                  <a:txBody>
+                    <a:bodyPr/>
+                    <a:lstStyle/>
+                    <a:p>
+                      <a:pPr marL="45720" algn="l" rtl="0">
+                        <a:lnSpc>
+                          <a:spcPct val="130000"/>
+                        </a:lnSpc>
+                      </a:pPr>
+                      <a:r>
+                        <a:rPr lang="de-DE" sz="1200" kern="1200" dirty="0"/>
+                        <a:t>23</a:t>
+                      </a:r>
+                      <a:endParaRPr lang="de-DE" sz="1200" kern="1200" dirty="0">
+                        <a:solidFill>
+                          <a:schemeClr val="dk1"/>
+                        </a:solidFill>
+                        <a:latin typeface="+mn-lt"/>
+                        <a:ea typeface="+mn-ea"/>
+                        <a:cs typeface="+mn-cs"/>
+                      </a:endParaRPr>
+                    </a:p>
+                  </a:txBody>
+                  <a:tcPr marL="91441" marR="91441">
+                    <a:lnL w="6350" cap="flat" cmpd="sng" algn="ctr">
+                      <a:solidFill>
+                        <a:schemeClr val="accent3"/>
+                      </a:solidFill>
+                      <a:prstDash val="solid"/>
+                      <a:round/>
+                      <a:headEnd type="none" w="med" len="med"/>
+                      <a:tailEnd type="none" w="med" len="med"/>
+                    </a:lnL>
+                    <a:lnR w="6350" cap="flat" cmpd="sng" algn="ctr">
+                      <a:solidFill>
+                        <a:schemeClr val="accent3"/>
+                      </a:solidFill>
+                      <a:prstDash val="solid"/>
+                      <a:round/>
+                      <a:headEnd type="none" w="med" len="med"/>
+                      <a:tailEnd type="none" w="med" len="med"/>
+                    </a:lnR>
+                    <a:lnT w="6350" cap="flat" cmpd="sng" algn="ctr">
+                      <a:solidFill>
+                        <a:schemeClr val="accent3"/>
+                      </a:solidFill>
+                      <a:prstDash val="solid"/>
+                      <a:round/>
+                      <a:headEnd type="none" w="med" len="med"/>
+                      <a:tailEnd type="none" w="med" len="med"/>
+                    </a:lnT>
+                    <a:lnB w="6350" cap="flat" cmpd="sng" algn="ctr">
+                      <a:solidFill>
+                        <a:schemeClr val="accent3"/>
+                      </a:solidFill>
+                      <a:prstDash val="solid"/>
+                      <a:round/>
+                      <a:headEnd type="none" w="med" len="med"/>
+                      <a:tailEnd type="none" w="med" len="med"/>
+                    </a:lnB>
+                  </a:tcPr>
+                </a:tc>
+                <a:tc>
+                  <a:txBody>
+                    <a:bodyPr/>
+                    <a:lstStyle/>
+                    <a:p>
+                      <a:pPr marL="45720" algn="l" rtl="0">
+                        <a:lnSpc>
+                          <a:spcPct val="130000"/>
+                        </a:lnSpc>
+                      </a:pPr>
+                      <a:r>
+                        <a:rPr lang="de-DE" sz="1200" kern="1200" dirty="0"/>
+                        <a:t>24</a:t>
+                      </a:r>
+                      <a:endParaRPr lang="de-DE" sz="1200" kern="1200" dirty="0">
+                        <a:solidFill>
+                          <a:schemeClr val="dk1"/>
+                        </a:solidFill>
+                        <a:latin typeface="+mn-lt"/>
+                        <a:ea typeface="+mn-ea"/>
+                        <a:cs typeface="+mn-cs"/>
+                      </a:endParaRPr>
+                    </a:p>
+                  </a:txBody>
+                  <a:tcPr marL="91441" marR="91441">
+                    <a:lnL w="6350" cap="flat" cmpd="sng" algn="ctr">
+                      <a:solidFill>
+                        <a:schemeClr val="accent3"/>
+                      </a:solidFill>
+                      <a:prstDash val="solid"/>
+                      <a:round/>
+                      <a:headEnd type="none" w="med" len="med"/>
+                      <a:tailEnd type="none" w="med" len="med"/>
+                    </a:lnL>
+                    <a:lnR w="6350" cap="flat" cmpd="sng" algn="ctr">
+                      <a:solidFill>
+                        <a:schemeClr val="accent3"/>
+                      </a:solidFill>
+                      <a:prstDash val="solid"/>
+                      <a:round/>
+                      <a:headEnd type="none" w="med" len="med"/>
+                      <a:tailEnd type="none" w="med" len="med"/>
+                    </a:lnR>
+                    <a:lnT w="6350" cap="flat" cmpd="sng" algn="ctr">
+                      <a:solidFill>
+                        <a:schemeClr val="accent3"/>
+                      </a:solidFill>
+                      <a:prstDash val="solid"/>
+                      <a:round/>
+                      <a:headEnd type="none" w="med" len="med"/>
+                      <a:tailEnd type="none" w="med" len="med"/>
+                    </a:lnT>
+                    <a:lnB w="6350" cap="flat" cmpd="sng" algn="ctr">
+                      <a:solidFill>
+                        <a:schemeClr val="accent3"/>
+                      </a:solidFill>
+                      <a:prstDash val="solid"/>
+                      <a:round/>
+                      <a:headEnd type="none" w="med" len="med"/>
+                      <a:tailEnd type="none" w="med" len="med"/>
+                    </a:lnB>
+                  </a:tcPr>
+                </a:tc>
+                <a:tc>
+                  <a:txBody>
+                    <a:bodyPr/>
+                    <a:lstStyle/>
+                    <a:p>
+                      <a:pPr marL="45720" algn="l" rtl="0">
+                        <a:lnSpc>
+                          <a:spcPct val="130000"/>
+                        </a:lnSpc>
+                      </a:pPr>
+                      <a:r>
+                        <a:rPr lang="de-DE" sz="1200" kern="1200" dirty="0">
+                          <a:solidFill>
+                            <a:schemeClr val="dk1"/>
+                          </a:solidFill>
+                          <a:latin typeface="+mn-lt"/>
+                          <a:ea typeface="+mn-ea"/>
+                          <a:cs typeface="+mn-cs"/>
+                        </a:rPr>
+                        <a:t>25</a:t>
+                      </a:r>
+                    </a:p>
+                  </a:txBody>
+                  <a:tcPr marL="91441" marR="91441">
+                    <a:lnL w="6350" cap="flat" cmpd="sng" algn="ctr">
+                      <a:solidFill>
+                        <a:schemeClr val="accent3"/>
+                      </a:solidFill>
+                      <a:prstDash val="solid"/>
+                      <a:round/>
+                      <a:headEnd type="none" w="med" len="med"/>
+                      <a:tailEnd type="none" w="med" len="med"/>
+                    </a:lnL>
+                    <a:lnR w="6350" cap="flat" cmpd="sng" algn="ctr">
+                      <a:solidFill>
+                        <a:schemeClr val="accent3"/>
+                      </a:solidFill>
+                      <a:prstDash val="solid"/>
+                      <a:round/>
+                      <a:headEnd type="none" w="med" len="med"/>
+                      <a:tailEnd type="none" w="med" len="med"/>
+                    </a:lnR>
+                    <a:lnT w="6350" cap="flat" cmpd="sng" algn="ctr">
+                      <a:solidFill>
+                        <a:schemeClr val="accent3"/>
+                      </a:solidFill>
+                      <a:prstDash val="solid"/>
+                      <a:round/>
+                      <a:headEnd type="none" w="med" len="med"/>
+                      <a:tailEnd type="none" w="med" len="med"/>
+                    </a:lnT>
+                    <a:lnB w="6350" cap="flat" cmpd="sng" algn="ctr">
+                      <a:solidFill>
+                        <a:schemeClr val="accent3"/>
+                      </a:solidFill>
+                      <a:prstDash val="solid"/>
+                      <a:round/>
+                      <a:headEnd type="none" w="med" len="med"/>
+                      <a:tailEnd type="none" w="med" len="med"/>
+                    </a:lnB>
+                  </a:tcPr>
+                </a:tc>
+                <a:tc>
+                  <a:txBody>
+                    <a:bodyPr/>
+                    <a:lstStyle/>
+                    <a:p>
+                      <a:pPr marL="45720" algn="l" rtl="0">
+                        <a:lnSpc>
+                          <a:spcPct val="130000"/>
+                        </a:lnSpc>
+                      </a:pPr>
+                      <a:r>
+                        <a:rPr lang="de-DE" sz="1200" kern="1200" dirty="0"/>
+                        <a:t>26</a:t>
+                      </a:r>
+                      <a:endParaRPr lang="de-DE" sz="1200" kern="1200" dirty="0">
+                        <a:solidFill>
+                          <a:schemeClr val="dk1"/>
+                        </a:solidFill>
+                        <a:latin typeface="+mn-lt"/>
+                        <a:ea typeface="+mn-ea"/>
+                        <a:cs typeface="+mn-cs"/>
+                      </a:endParaRPr>
+                    </a:p>
+                  </a:txBody>
+                  <a:tcPr marL="91441" marR="91441">
+                    <a:lnL w="6350" cap="flat" cmpd="sng" algn="ctr">
+                      <a:solidFill>
+                        <a:schemeClr val="accent3"/>
+                      </a:solidFill>
+                      <a:prstDash val="solid"/>
+                      <a:round/>
+                      <a:headEnd type="none" w="med" len="med"/>
+                      <a:tailEnd type="none" w="med" len="med"/>
+                    </a:lnL>
+                    <a:lnR w="6350" cap="flat" cmpd="sng" algn="ctr">
+                      <a:solidFill>
+                        <a:schemeClr val="accent3"/>
+                      </a:solidFill>
+                      <a:prstDash val="solid"/>
+                      <a:round/>
+                      <a:headEnd type="none" w="med" len="med"/>
+                      <a:tailEnd type="none" w="med" len="med"/>
+                    </a:lnR>
+                    <a:lnT w="6350" cap="flat" cmpd="sng" algn="ctr">
+                      <a:solidFill>
+                        <a:schemeClr val="accent3"/>
+                      </a:solidFill>
+                      <a:prstDash val="solid"/>
+                      <a:round/>
+                      <a:headEnd type="none" w="med" len="med"/>
+                      <a:tailEnd type="none" w="med" len="med"/>
+                    </a:lnT>
+                    <a:lnB w="6350" cap="flat" cmpd="sng" algn="ctr">
+                      <a:solidFill>
+                        <a:schemeClr val="accent3"/>
+                      </a:solidFill>
+                      <a:prstDash val="solid"/>
+                      <a:round/>
+                      <a:headEnd type="none" w="med" len="med"/>
+                      <a:tailEnd type="none" w="med" len="med"/>
+                    </a:lnB>
+                  </a:tcPr>
+                </a:tc>
+                <a:extLst>
+                  <a:ext uri="{0D108BD9-81ED-4DB2-BD59-A6C34878D82A}">
+                    <a16:rowId xmlns:a16="http://schemas.microsoft.com/office/drawing/2014/main" val="10004"/>
+                  </a:ext>
+                </a:extLst>
+              </a:tr>
+              <a:tr h="770356">
+                <a:tc>
+                  <a:txBody>
+                    <a:bodyPr/>
+                    <a:lstStyle/>
+                    <a:p>
+                      <a:pPr marL="45720" algn="l" rtl="0">
+                        <a:lnSpc>
+                          <a:spcPct val="130000"/>
+                        </a:lnSpc>
+                      </a:pPr>
+                      <a:r>
+                        <a:rPr lang="de-DE" sz="1200" kern="1200" dirty="0"/>
+                        <a:t>27</a:t>
+                      </a:r>
+                      <a:endParaRPr lang="de-DE" sz="1200" kern="1200" dirty="0">
+                        <a:solidFill>
+                          <a:schemeClr val="dk1"/>
+                        </a:solidFill>
+                        <a:latin typeface="+mn-lt"/>
+                        <a:ea typeface="+mn-ea"/>
+                        <a:cs typeface="+mn-cs"/>
+                      </a:endParaRPr>
+                    </a:p>
+                  </a:txBody>
+                  <a:tcPr marL="91441" marR="91441">
+                    <a:lnL w="6350" cap="flat" cmpd="sng" algn="ctr">
+                      <a:solidFill>
+                        <a:schemeClr val="accent3"/>
+                      </a:solidFill>
+                      <a:prstDash val="solid"/>
+                      <a:round/>
+                      <a:headEnd type="none" w="med" len="med"/>
+                      <a:tailEnd type="none" w="med" len="med"/>
+                    </a:lnL>
+                    <a:lnR w="6350" cap="flat" cmpd="sng" algn="ctr">
+                      <a:solidFill>
+                        <a:schemeClr val="accent3"/>
+                      </a:solidFill>
+                      <a:prstDash val="solid"/>
+                      <a:round/>
+                      <a:headEnd type="none" w="med" len="med"/>
+                      <a:tailEnd type="none" w="med" len="med"/>
+                    </a:lnR>
+                    <a:lnT w="6350" cap="flat" cmpd="sng" algn="ctr">
+                      <a:solidFill>
+                        <a:schemeClr val="accent3"/>
+                      </a:solidFill>
+                      <a:prstDash val="solid"/>
+                      <a:round/>
+                      <a:headEnd type="none" w="med" len="med"/>
+                      <a:tailEnd type="none" w="med" len="med"/>
+                    </a:lnT>
+                    <a:lnB w="6350" cap="flat" cmpd="sng" algn="ctr">
+                      <a:solidFill>
+                        <a:schemeClr val="accent3"/>
+                      </a:solidFill>
+                      <a:prstDash val="solid"/>
+                      <a:round/>
+                      <a:headEnd type="none" w="med" len="med"/>
+                      <a:tailEnd type="none" w="med" len="med"/>
+                    </a:lnB>
+                  </a:tcPr>
+                </a:tc>
+                <a:tc>
+                  <a:txBody>
+                    <a:bodyPr/>
+                    <a:lstStyle/>
+                    <a:p>
+                      <a:pPr marL="45720" algn="l" rtl="0">
+                        <a:lnSpc>
+                          <a:spcPct val="130000"/>
+                        </a:lnSpc>
+                      </a:pPr>
+                      <a:r>
+                        <a:rPr lang="de-DE" sz="1200" kern="1200" dirty="0"/>
+                        <a:t>28</a:t>
+                      </a:r>
+                      <a:endParaRPr lang="de-DE" sz="1200" kern="1200" dirty="0">
+                        <a:solidFill>
+                          <a:schemeClr val="dk1"/>
+                        </a:solidFill>
+                        <a:latin typeface="+mn-lt"/>
+                        <a:ea typeface="+mn-ea"/>
+                        <a:cs typeface="+mn-cs"/>
+                      </a:endParaRPr>
+                    </a:p>
+                  </a:txBody>
+                  <a:tcPr marL="91441" marR="91441">
+                    <a:lnL w="6350" cap="flat" cmpd="sng" algn="ctr">
+                      <a:solidFill>
+                        <a:schemeClr val="accent3"/>
+                      </a:solidFill>
+                      <a:prstDash val="solid"/>
+                      <a:round/>
+                      <a:headEnd type="none" w="med" len="med"/>
+                      <a:tailEnd type="none" w="med" len="med"/>
+                    </a:lnL>
+                    <a:lnR w="6350" cap="flat" cmpd="sng" algn="ctr">
+                      <a:solidFill>
+                        <a:schemeClr val="accent3"/>
+                      </a:solidFill>
+                      <a:prstDash val="solid"/>
+                      <a:round/>
+                      <a:headEnd type="none" w="med" len="med"/>
+                      <a:tailEnd type="none" w="med" len="med"/>
+                    </a:lnR>
+                    <a:lnT w="6350" cap="flat" cmpd="sng" algn="ctr">
+                      <a:solidFill>
+                        <a:schemeClr val="accent3"/>
+                      </a:solidFill>
+                      <a:prstDash val="solid"/>
+                      <a:round/>
+                      <a:headEnd type="none" w="med" len="med"/>
+                      <a:tailEnd type="none" w="med" len="med"/>
+                    </a:lnT>
+                    <a:lnB w="6350" cap="flat" cmpd="sng" algn="ctr">
+                      <a:solidFill>
+                        <a:schemeClr val="accent3"/>
+                      </a:solidFill>
+                      <a:prstDash val="solid"/>
+                      <a:round/>
+                      <a:headEnd type="none" w="med" len="med"/>
+                      <a:tailEnd type="none" w="med" len="med"/>
+                    </a:lnB>
+                  </a:tcPr>
+                </a:tc>
+                <a:tc>
+                  <a:txBody>
+                    <a:bodyPr/>
+                    <a:lstStyle/>
+                    <a:p>
+                      <a:pPr marL="45720" algn="l" rtl="0">
+                        <a:lnSpc>
+                          <a:spcPct val="130000"/>
+                        </a:lnSpc>
+                      </a:pPr>
+                      <a:r>
+                        <a:rPr lang="de-DE" sz="1200" kern="1200" dirty="0"/>
+                        <a:t>29</a:t>
+                      </a:r>
+                      <a:endParaRPr lang="de-DE" sz="1200" kern="1200" dirty="0">
+                        <a:solidFill>
+                          <a:schemeClr val="dk1"/>
+                        </a:solidFill>
+                        <a:latin typeface="+mn-lt"/>
+                        <a:ea typeface="+mn-ea"/>
+                        <a:cs typeface="+mn-cs"/>
+                      </a:endParaRPr>
+                    </a:p>
+                  </a:txBody>
+                  <a:tcPr marL="91441" marR="91441">
+                    <a:lnL w="6350" cap="flat" cmpd="sng" algn="ctr">
+                      <a:solidFill>
+                        <a:schemeClr val="accent3"/>
+                      </a:solidFill>
+                      <a:prstDash val="solid"/>
+                      <a:round/>
+                      <a:headEnd type="none" w="med" len="med"/>
+                      <a:tailEnd type="none" w="med" len="med"/>
+                    </a:lnL>
+                    <a:lnR w="6350" cap="flat" cmpd="sng" algn="ctr">
+                      <a:solidFill>
+                        <a:schemeClr val="accent3"/>
+                      </a:solidFill>
+                      <a:prstDash val="solid"/>
+                      <a:round/>
+                      <a:headEnd type="none" w="med" len="med"/>
+                      <a:tailEnd type="none" w="med" len="med"/>
+                    </a:lnR>
+                    <a:lnT w="6350" cap="flat" cmpd="sng" algn="ctr">
+                      <a:solidFill>
+                        <a:schemeClr val="accent3"/>
+                      </a:solidFill>
+                      <a:prstDash val="solid"/>
+                      <a:round/>
+                      <a:headEnd type="none" w="med" len="med"/>
+                      <a:tailEnd type="none" w="med" len="med"/>
+                    </a:lnT>
+                    <a:lnB w="6350" cap="flat" cmpd="sng" algn="ctr">
+                      <a:solidFill>
+                        <a:schemeClr val="accent3"/>
+                      </a:solidFill>
+                      <a:prstDash val="solid"/>
+                      <a:round/>
+                      <a:headEnd type="none" w="med" len="med"/>
+                      <a:tailEnd type="none" w="med" len="med"/>
+                    </a:lnB>
+                  </a:tcPr>
+                </a:tc>
+                <a:tc>
+                  <a:txBody>
+                    <a:bodyPr/>
+                    <a:lstStyle/>
+                    <a:p>
+                      <a:pPr marL="45720" algn="l" rtl="0">
+                        <a:lnSpc>
+                          <a:spcPct val="130000"/>
+                        </a:lnSpc>
+                      </a:pPr>
+                      <a:r>
+                        <a:rPr lang="de-DE" sz="1200" kern="1200" dirty="0">
+                          <a:solidFill>
+                            <a:schemeClr val="dk1"/>
+                          </a:solidFill>
+                          <a:latin typeface="+mn-lt"/>
+                          <a:ea typeface="+mn-ea"/>
+                          <a:cs typeface="+mn-cs"/>
+                        </a:rPr>
+                        <a:t>30</a:t>
+                      </a:r>
+                    </a:p>
+                  </a:txBody>
+                  <a:tcPr marL="91441" marR="91441">
+                    <a:lnL w="6350" cap="flat" cmpd="sng" algn="ctr">
+                      <a:solidFill>
+                        <a:schemeClr val="accent3"/>
+                      </a:solidFill>
+                      <a:prstDash val="solid"/>
+                      <a:round/>
+                      <a:headEnd type="none" w="med" len="med"/>
+                      <a:tailEnd type="none" w="med" len="med"/>
+                    </a:lnL>
+                    <a:lnR w="6350" cap="flat" cmpd="sng" algn="ctr">
+                      <a:solidFill>
+                        <a:schemeClr val="accent3"/>
+                      </a:solidFill>
+                      <a:prstDash val="solid"/>
+                      <a:round/>
+                      <a:headEnd type="none" w="med" len="med"/>
+                      <a:tailEnd type="none" w="med" len="med"/>
+                    </a:lnR>
+                    <a:lnT w="6350" cap="flat" cmpd="sng" algn="ctr">
+                      <a:solidFill>
+                        <a:schemeClr val="accent3"/>
+                      </a:solidFill>
+                      <a:prstDash val="solid"/>
+                      <a:round/>
+                      <a:headEnd type="none" w="med" len="med"/>
+                      <a:tailEnd type="none" w="med" len="med"/>
+                    </a:lnT>
+                    <a:lnB w="6350" cap="flat" cmpd="sng" algn="ctr">
+                      <a:solidFill>
+                        <a:schemeClr val="accent3"/>
+                      </a:solidFill>
+                      <a:prstDash val="solid"/>
+                      <a:round/>
+                      <a:headEnd type="none" w="med" len="med"/>
+                      <a:tailEnd type="none" w="med" len="med"/>
+                    </a:lnB>
+                  </a:tcPr>
+                </a:tc>
+                <a:tc>
+                  <a:txBody>
+                    <a:bodyPr/>
+                    <a:lstStyle/>
+                    <a:p>
+                      <a:pPr marL="45720" algn="l" rtl="0">
+                        <a:lnSpc>
+                          <a:spcPct val="130000"/>
+                        </a:lnSpc>
+                      </a:pPr>
+                      <a:endParaRPr lang="de-DE" sz="1200" kern="1200" dirty="0">
+                        <a:solidFill>
+                          <a:schemeClr val="dk1"/>
+                        </a:solidFill>
+                        <a:latin typeface="+mn-lt"/>
+                        <a:ea typeface="+mn-ea"/>
+                        <a:cs typeface="+mn-cs"/>
+                      </a:endParaRPr>
+                    </a:p>
+                  </a:txBody>
+                  <a:tcPr marL="91441" marR="91441">
+                    <a:lnL w="6350" cap="flat" cmpd="sng" algn="ctr">
+                      <a:solidFill>
+                        <a:schemeClr val="accent3"/>
+                      </a:solidFill>
+                      <a:prstDash val="solid"/>
+                      <a:round/>
+                      <a:headEnd type="none" w="med" len="med"/>
+                      <a:tailEnd type="none" w="med" len="med"/>
+                    </a:lnL>
+                    <a:lnR w="6350" cap="flat" cmpd="sng" algn="ctr">
+                      <a:solidFill>
+                        <a:schemeClr val="accent3"/>
+                      </a:solidFill>
+                      <a:prstDash val="solid"/>
+                      <a:round/>
+                      <a:headEnd type="none" w="med" len="med"/>
+                      <a:tailEnd type="none" w="med" len="med"/>
+                    </a:lnR>
+                    <a:lnT w="6350" cap="flat" cmpd="sng" algn="ctr">
+                      <a:solidFill>
+                        <a:schemeClr val="accent3"/>
+                      </a:solidFill>
+                      <a:prstDash val="solid"/>
+                      <a:round/>
+                      <a:headEnd type="none" w="med" len="med"/>
+                      <a:tailEnd type="none" w="med" len="med"/>
+                    </a:lnT>
+                    <a:lnB w="6350" cap="flat" cmpd="sng" algn="ctr">
+                      <a:solidFill>
+                        <a:schemeClr val="accent3"/>
+                      </a:solidFill>
+                      <a:prstDash val="solid"/>
+                      <a:round/>
+                      <a:headEnd type="none" w="med" len="med"/>
+                      <a:tailEnd type="none" w="med" len="med"/>
+                    </a:lnB>
+                  </a:tcPr>
+                </a:tc>
+                <a:tc>
+                  <a:txBody>
+                    <a:bodyPr/>
+                    <a:lstStyle/>
+                    <a:p>
+                      <a:pPr marL="45720" algn="l" rtl="0">
+                        <a:lnSpc>
+                          <a:spcPct val="130000"/>
+                        </a:lnSpc>
+                      </a:pPr>
+                      <a:endParaRPr lang="de-DE" sz="1200" kern="1200" dirty="0">
+                        <a:solidFill>
+                          <a:schemeClr val="dk1"/>
+                        </a:solidFill>
+                        <a:latin typeface="+mn-lt"/>
+                        <a:ea typeface="+mn-ea"/>
+                        <a:cs typeface="+mn-cs"/>
+                      </a:endParaRPr>
+                    </a:p>
+                  </a:txBody>
+                  <a:tcPr marL="91441" marR="91441">
+                    <a:lnL w="6350" cap="flat" cmpd="sng" algn="ctr">
+                      <a:solidFill>
+                        <a:schemeClr val="accent3"/>
+                      </a:solidFill>
+                      <a:prstDash val="solid"/>
+                      <a:round/>
+                      <a:headEnd type="none" w="med" len="med"/>
+                      <a:tailEnd type="none" w="med" len="med"/>
+                    </a:lnL>
+                    <a:lnR w="6350" cap="flat" cmpd="sng" algn="ctr">
+                      <a:solidFill>
+                        <a:schemeClr val="accent3"/>
+                      </a:solidFill>
+                      <a:prstDash val="solid"/>
+                      <a:round/>
+                      <a:headEnd type="none" w="med" len="med"/>
+                      <a:tailEnd type="none" w="med" len="med"/>
+                    </a:lnR>
+                    <a:lnT w="6350" cap="flat" cmpd="sng" algn="ctr">
+                      <a:solidFill>
+                        <a:schemeClr val="accent3"/>
+                      </a:solidFill>
+                      <a:prstDash val="solid"/>
+                      <a:round/>
+                      <a:headEnd type="none" w="med" len="med"/>
+                      <a:tailEnd type="none" w="med" len="med"/>
+                    </a:lnT>
+                    <a:lnB w="6350" cap="flat" cmpd="sng" algn="ctr">
+                      <a:solidFill>
+                        <a:schemeClr val="accent3"/>
+                      </a:solidFill>
+                      <a:prstDash val="solid"/>
+                      <a:round/>
+                      <a:headEnd type="none" w="med" len="med"/>
+                      <a:tailEnd type="none" w="med" len="med"/>
+                    </a:lnB>
+                  </a:tcPr>
+                </a:tc>
+                <a:tc>
+                  <a:txBody>
+                    <a:bodyPr/>
+                    <a:lstStyle/>
+                    <a:p>
+                      <a:pPr marL="45720" algn="l" rtl="0">
+                        <a:lnSpc>
+                          <a:spcPct val="130000"/>
+                        </a:lnSpc>
+                      </a:pPr>
+                      <a:endParaRPr lang="de-DE" sz="1200" kern="1200" dirty="0">
+                        <a:solidFill>
+                          <a:schemeClr val="dk1"/>
+                        </a:solidFill>
+                        <a:latin typeface="+mn-lt"/>
+                        <a:ea typeface="+mn-ea"/>
+                        <a:cs typeface="+mn-cs"/>
+                      </a:endParaRPr>
+                    </a:p>
+                  </a:txBody>
+                  <a:tcPr marL="91441" marR="91441">
+                    <a:lnL w="6350" cap="flat" cmpd="sng" algn="ctr">
+                      <a:solidFill>
+                        <a:schemeClr val="accent3"/>
+                      </a:solidFill>
+                      <a:prstDash val="solid"/>
+                      <a:round/>
+                      <a:headEnd type="none" w="med" len="med"/>
+                      <a:tailEnd type="none" w="med" len="med"/>
+                    </a:lnL>
+                    <a:lnR w="6350" cap="flat" cmpd="sng" algn="ctr">
+                      <a:solidFill>
+                        <a:schemeClr val="accent3"/>
+                      </a:solidFill>
+                      <a:prstDash val="solid"/>
+                      <a:round/>
+                      <a:headEnd type="none" w="med" len="med"/>
+                      <a:tailEnd type="none" w="med" len="med"/>
+                    </a:lnR>
+                    <a:lnT w="6350" cap="flat" cmpd="sng" algn="ctr">
+                      <a:solidFill>
+                        <a:schemeClr val="accent3"/>
+                      </a:solidFill>
+                      <a:prstDash val="solid"/>
+                      <a:round/>
+                      <a:headEnd type="none" w="med" len="med"/>
+                      <a:tailEnd type="none" w="med" len="med"/>
+                    </a:lnT>
+                    <a:lnB w="6350" cap="flat" cmpd="sng" algn="ctr">
+                      <a:solidFill>
+                        <a:schemeClr val="accent3"/>
+                      </a:solidFill>
+                      <a:prstDash val="solid"/>
+                      <a:round/>
+                      <a:headEnd type="none" w="med" len="med"/>
+                      <a:tailEnd type="none" w="med" len="med"/>
+                    </a:lnB>
+                  </a:tcPr>
+                </a:tc>
+                <a:extLst>
+                  <a:ext uri="{0D108BD9-81ED-4DB2-BD59-A6C34878D82A}">
+                    <a16:rowId xmlns:a16="http://schemas.microsoft.com/office/drawing/2014/main" val="10005"/>
+                  </a:ext>
+                </a:extLst>
+              </a:tr>
+            </a:tbl>
+          </a:graphicData>
+        </a:graphic>
+      </p:graphicFrame>
+      <p:sp>
+        <p:nvSpPr>
+          <p:cNvPr id="11" name="Rechteck 10">
+            <a:extLst>
+              <a:ext uri="{FF2B5EF4-FFF2-40B4-BE49-F238E27FC236}">
+                <a16:creationId xmlns:a16="http://schemas.microsoft.com/office/drawing/2014/main" id="{D51D806E-8971-4D01-86CA-5E2A30665DEA}"/>
+              </a:ext>
+            </a:extLst>
+          </p:cNvPr>
+          <p:cNvSpPr/>
+          <p:nvPr/>
+        </p:nvSpPr>
+        <p:spPr>
+          <a:xfrm>
+            <a:off x="2137613" y="3118158"/>
+            <a:ext cx="1514199" cy="770827"/>
+          </a:xfrm>
+          <a:prstGeom prst="rect">
+            <a:avLst/>
+          </a:prstGeom>
+          <a:solidFill>
+            <a:srgbClr val="52B3EE">
+              <a:alpha val="50000"/>
+            </a:srgbClr>
+          </a:solidFill>
+          <a:ln>
+            <a:noFill/>
+          </a:ln>
+        </p:spPr>
+        <p:style>
+          <a:lnRef idx="2">
+            <a:schemeClr val="accent1">
+              <a:shade val="50000"/>
+            </a:schemeClr>
+          </a:lnRef>
+          <a:fillRef idx="1">
+            <a:schemeClr val="accent1"/>
+          </a:fillRef>
+          <a:effectRef idx="0">
+            <a:schemeClr val="accent1"/>
+          </a:effectRef>
+          <a:fontRef idx="minor">
+            <a:schemeClr val="lt1"/>
+          </a:fontRef>
+        </p:style>
+        <p:txBody>
+          <a:bodyPr rtlCol="0" anchor="ctr"/>
+          <a:lstStyle/>
+          <a:p>
+            <a:pPr algn="ctr"/>
+            <a:endParaRPr lang="en-US"/>
+          </a:p>
+        </p:txBody>
+      </p:sp>
+      <p:sp>
+        <p:nvSpPr>
+          <p:cNvPr id="15" name="Rechteck 14">
+            <a:extLst>
+              <a:ext uri="{FF2B5EF4-FFF2-40B4-BE49-F238E27FC236}">
+                <a16:creationId xmlns:a16="http://schemas.microsoft.com/office/drawing/2014/main" id="{968B9194-40D0-4AD8-9ACA-719071DA7C50}"/>
+              </a:ext>
+            </a:extLst>
+          </p:cNvPr>
+          <p:cNvSpPr/>
+          <p:nvPr/>
+        </p:nvSpPr>
+        <p:spPr>
+          <a:xfrm>
+            <a:off x="2135170" y="4656384"/>
+            <a:ext cx="1515835" cy="777185"/>
+          </a:xfrm>
+          <a:prstGeom prst="rect">
+            <a:avLst/>
+          </a:prstGeom>
+          <a:solidFill>
+            <a:srgbClr val="F32993">
+              <a:alpha val="49804"/>
+            </a:srgbClr>
+          </a:solidFill>
+          <a:ln>
+            <a:noFill/>
+          </a:ln>
+        </p:spPr>
+        <p:style>
+          <a:lnRef idx="2">
+            <a:schemeClr val="accent1">
+              <a:shade val="50000"/>
+            </a:schemeClr>
+          </a:lnRef>
+          <a:fillRef idx="1">
+            <a:schemeClr val="accent1"/>
+          </a:fillRef>
+          <a:effectRef idx="0">
+            <a:schemeClr val="accent1"/>
+          </a:effectRef>
+          <a:fontRef idx="minor">
+            <a:schemeClr val="lt1"/>
+          </a:fontRef>
+        </p:style>
+        <p:txBody>
+          <a:bodyPr rtlCol="0" anchor="ctr"/>
+          <a:lstStyle/>
+          <a:p>
+            <a:pPr algn="ctr"/>
+            <a:endParaRPr lang="en-US"/>
+          </a:p>
+        </p:txBody>
+      </p:sp>
+      <p:sp>
+        <p:nvSpPr>
+          <p:cNvPr id="17" name="Rechteck 16">
+            <a:extLst>
+              <a:ext uri="{FF2B5EF4-FFF2-40B4-BE49-F238E27FC236}">
+                <a16:creationId xmlns:a16="http://schemas.microsoft.com/office/drawing/2014/main" id="{ACAD50AA-F69A-49AB-981C-BC491E185CF7}"/>
+              </a:ext>
+            </a:extLst>
+          </p:cNvPr>
+          <p:cNvSpPr/>
+          <p:nvPr/>
+        </p:nvSpPr>
+        <p:spPr>
+          <a:xfrm>
+            <a:off x="3648365" y="4656330"/>
+            <a:ext cx="1515835" cy="778385"/>
+          </a:xfrm>
+          <a:prstGeom prst="rect">
+            <a:avLst/>
+          </a:prstGeom>
+          <a:solidFill>
+            <a:srgbClr val="002060">
+              <a:alpha val="50000"/>
+            </a:srgbClr>
+          </a:solidFill>
+          <a:ln>
+            <a:noFill/>
+          </a:ln>
+        </p:spPr>
+        <p:style>
+          <a:lnRef idx="2">
+            <a:schemeClr val="accent1">
+              <a:shade val="50000"/>
+            </a:schemeClr>
+          </a:lnRef>
+          <a:fillRef idx="1">
+            <a:schemeClr val="accent1"/>
+          </a:fillRef>
+          <a:effectRef idx="0">
+            <a:schemeClr val="accent1"/>
+          </a:effectRef>
+          <a:fontRef idx="minor">
+            <a:schemeClr val="lt1"/>
+          </a:fontRef>
+        </p:style>
+        <p:txBody>
+          <a:bodyPr rtlCol="0" anchor="ctr"/>
+          <a:lstStyle/>
+          <a:p>
+            <a:pPr algn="ctr"/>
+            <a:endParaRPr lang="en-US"/>
+          </a:p>
+        </p:txBody>
+      </p:sp>
+      <p:sp>
+        <p:nvSpPr>
+          <p:cNvPr id="28" name="Rechteck 27">
+            <a:extLst>
+              <a:ext uri="{FF2B5EF4-FFF2-40B4-BE49-F238E27FC236}">
+                <a16:creationId xmlns:a16="http://schemas.microsoft.com/office/drawing/2014/main" id="{1FB64296-CDD0-4BA3-8907-E58E1F1126C5}"/>
+              </a:ext>
+            </a:extLst>
+          </p:cNvPr>
+          <p:cNvSpPr/>
+          <p:nvPr/>
+        </p:nvSpPr>
+        <p:spPr>
+          <a:xfrm>
+            <a:off x="5162836" y="2348246"/>
+            <a:ext cx="1507304" cy="774000"/>
+          </a:xfrm>
+          <a:prstGeom prst="rect">
+            <a:avLst/>
+          </a:prstGeom>
+          <a:solidFill>
+            <a:srgbClr val="52B3EE">
+              <a:alpha val="50000"/>
+            </a:srgbClr>
+          </a:solidFill>
+          <a:ln>
+            <a:noFill/>
+          </a:ln>
+        </p:spPr>
+        <p:style>
+          <a:lnRef idx="2">
+            <a:schemeClr val="accent1">
+              <a:shade val="50000"/>
+            </a:schemeClr>
+          </a:lnRef>
+          <a:fillRef idx="1">
+            <a:schemeClr val="accent1"/>
+          </a:fillRef>
+          <a:effectRef idx="0">
+            <a:schemeClr val="accent1"/>
+          </a:effectRef>
+          <a:fontRef idx="minor">
+            <a:schemeClr val="lt1"/>
+          </a:fontRef>
+        </p:style>
+        <p:txBody>
+          <a:bodyPr rtlCol="0" anchor="ctr"/>
+          <a:lstStyle/>
+          <a:p>
+            <a:pPr algn="ctr"/>
+            <a:endParaRPr lang="en-US"/>
+          </a:p>
+        </p:txBody>
+      </p:sp>
+      <p:sp>
+        <p:nvSpPr>
+          <p:cNvPr id="29" name="Rechteck 28">
+            <a:extLst>
+              <a:ext uri="{FF2B5EF4-FFF2-40B4-BE49-F238E27FC236}">
+                <a16:creationId xmlns:a16="http://schemas.microsoft.com/office/drawing/2014/main" id="{06E14DB9-C871-4D00-9B77-FBD71B84894F}"/>
+              </a:ext>
+            </a:extLst>
+          </p:cNvPr>
+          <p:cNvSpPr/>
+          <p:nvPr/>
+        </p:nvSpPr>
+        <p:spPr>
+          <a:xfrm>
+            <a:off x="6670122" y="2354107"/>
+            <a:ext cx="1512207" cy="764859"/>
+          </a:xfrm>
+          <a:prstGeom prst="rect">
+            <a:avLst/>
+          </a:prstGeom>
+          <a:solidFill>
+            <a:srgbClr val="52B3EE">
+              <a:alpha val="50000"/>
+            </a:srgbClr>
+          </a:solidFill>
+          <a:ln>
+            <a:noFill/>
+          </a:ln>
+        </p:spPr>
+        <p:style>
+          <a:lnRef idx="2">
+            <a:schemeClr val="accent1">
+              <a:shade val="50000"/>
+            </a:schemeClr>
+          </a:lnRef>
+          <a:fillRef idx="1">
+            <a:schemeClr val="accent1"/>
+          </a:fillRef>
+          <a:effectRef idx="0">
+            <a:schemeClr val="accent1"/>
+          </a:effectRef>
+          <a:fontRef idx="minor">
+            <a:schemeClr val="lt1"/>
+          </a:fontRef>
+        </p:style>
+        <p:txBody>
+          <a:bodyPr rtlCol="0" anchor="ctr"/>
+          <a:lstStyle/>
+          <a:p>
+            <a:pPr algn="ctr"/>
+            <a:endParaRPr lang="en-US"/>
+          </a:p>
+        </p:txBody>
+      </p:sp>
+      <p:sp>
+        <p:nvSpPr>
+          <p:cNvPr id="31" name="Rechteck 30">
+            <a:extLst>
+              <a:ext uri="{FF2B5EF4-FFF2-40B4-BE49-F238E27FC236}">
+                <a16:creationId xmlns:a16="http://schemas.microsoft.com/office/drawing/2014/main" id="{0C15FAD2-47C0-421E-B2F9-169198F26219}"/>
+              </a:ext>
+            </a:extLst>
+          </p:cNvPr>
+          <p:cNvSpPr/>
+          <p:nvPr/>
+        </p:nvSpPr>
+        <p:spPr>
+          <a:xfrm>
+            <a:off x="8181304" y="2347772"/>
+            <a:ext cx="1509387" cy="767937"/>
+          </a:xfrm>
+          <a:prstGeom prst="rect">
+            <a:avLst/>
+          </a:prstGeom>
+          <a:solidFill>
+            <a:srgbClr val="52B3EE">
+              <a:alpha val="50000"/>
+            </a:srgbClr>
+          </a:solidFill>
+          <a:ln>
+            <a:noFill/>
+          </a:ln>
+        </p:spPr>
+        <p:style>
+          <a:lnRef idx="2">
+            <a:schemeClr val="accent1">
+              <a:shade val="50000"/>
+            </a:schemeClr>
+          </a:lnRef>
+          <a:fillRef idx="1">
+            <a:schemeClr val="accent1"/>
+          </a:fillRef>
+          <a:effectRef idx="0">
+            <a:schemeClr val="accent1"/>
+          </a:effectRef>
+          <a:fontRef idx="minor">
+            <a:schemeClr val="lt1"/>
+          </a:fontRef>
+        </p:style>
+        <p:txBody>
+          <a:bodyPr rtlCol="0" anchor="ctr"/>
+          <a:lstStyle/>
+          <a:p>
+            <a:pPr algn="ctr"/>
+            <a:endParaRPr lang="en-US"/>
+          </a:p>
+        </p:txBody>
+      </p:sp>
+      <p:sp>
+        <p:nvSpPr>
+          <p:cNvPr id="32" name="Rechteck 31">
+            <a:extLst>
+              <a:ext uri="{FF2B5EF4-FFF2-40B4-BE49-F238E27FC236}">
+                <a16:creationId xmlns:a16="http://schemas.microsoft.com/office/drawing/2014/main" id="{3FB16495-394F-413E-993D-5BF7112D4160}"/>
+              </a:ext>
+            </a:extLst>
+          </p:cNvPr>
+          <p:cNvSpPr/>
+          <p:nvPr/>
+        </p:nvSpPr>
+        <p:spPr>
+          <a:xfrm>
+            <a:off x="632036" y="3122292"/>
+            <a:ext cx="1504306" cy="766274"/>
+          </a:xfrm>
+          <a:prstGeom prst="rect">
+            <a:avLst/>
+          </a:prstGeom>
+          <a:solidFill>
+            <a:srgbClr val="52B3EE">
+              <a:alpha val="50000"/>
+            </a:srgbClr>
+          </a:solidFill>
+          <a:ln>
+            <a:noFill/>
+          </a:ln>
+        </p:spPr>
+        <p:style>
+          <a:lnRef idx="2">
+            <a:schemeClr val="accent1">
+              <a:shade val="50000"/>
+            </a:schemeClr>
+          </a:lnRef>
+          <a:fillRef idx="1">
+            <a:schemeClr val="accent1"/>
+          </a:fillRef>
+          <a:effectRef idx="0">
+            <a:schemeClr val="accent1"/>
+          </a:effectRef>
+          <a:fontRef idx="minor">
+            <a:schemeClr val="lt1"/>
+          </a:fontRef>
+        </p:style>
+        <p:txBody>
+          <a:bodyPr rtlCol="0" anchor="ctr"/>
+          <a:lstStyle/>
+          <a:p>
+            <a:pPr algn="ctr"/>
+            <a:endParaRPr lang="en-US"/>
+          </a:p>
+        </p:txBody>
+      </p:sp>
+      <p:sp>
+        <p:nvSpPr>
+          <p:cNvPr id="33" name="Rechteck 32">
+            <a:extLst>
+              <a:ext uri="{FF2B5EF4-FFF2-40B4-BE49-F238E27FC236}">
+                <a16:creationId xmlns:a16="http://schemas.microsoft.com/office/drawing/2014/main" id="{3863FAD9-11AD-4846-BA9D-00ADC4AFBA2D}"/>
+              </a:ext>
+            </a:extLst>
+          </p:cNvPr>
+          <p:cNvSpPr/>
+          <p:nvPr/>
+        </p:nvSpPr>
+        <p:spPr>
+          <a:xfrm>
+            <a:off x="627689" y="4660846"/>
+            <a:ext cx="1508845" cy="766800"/>
+          </a:xfrm>
+          <a:prstGeom prst="rect">
+            <a:avLst/>
+          </a:prstGeom>
+          <a:solidFill>
+            <a:srgbClr val="F32993">
+              <a:alpha val="49804"/>
+            </a:srgbClr>
+          </a:solidFill>
+          <a:ln>
+            <a:noFill/>
+          </a:ln>
+        </p:spPr>
+        <p:style>
+          <a:lnRef idx="2">
+            <a:schemeClr val="accent1">
+              <a:shade val="50000"/>
+            </a:schemeClr>
+          </a:lnRef>
+          <a:fillRef idx="1">
+            <a:schemeClr val="accent1"/>
+          </a:fillRef>
+          <a:effectRef idx="0">
+            <a:schemeClr val="accent1"/>
+          </a:effectRef>
+          <a:fontRef idx="minor">
+            <a:schemeClr val="lt1"/>
+          </a:fontRef>
+        </p:style>
+        <p:txBody>
+          <a:bodyPr rtlCol="0" anchor="ctr"/>
+          <a:lstStyle/>
+          <a:p>
+            <a:pPr algn="ctr"/>
+            <a:endParaRPr lang="en-US"/>
+          </a:p>
+        </p:txBody>
+      </p:sp>
+      <p:sp>
+        <p:nvSpPr>
+          <p:cNvPr id="41" name="Rechteck 40">
+            <a:extLst>
+              <a:ext uri="{FF2B5EF4-FFF2-40B4-BE49-F238E27FC236}">
+                <a16:creationId xmlns:a16="http://schemas.microsoft.com/office/drawing/2014/main" id="{B155471F-0D1E-49F9-86CF-3655F9AC1AE0}"/>
+              </a:ext>
+            </a:extLst>
+          </p:cNvPr>
+          <p:cNvSpPr/>
+          <p:nvPr/>
+        </p:nvSpPr>
+        <p:spPr>
+          <a:xfrm>
+            <a:off x="3647718" y="3121062"/>
+            <a:ext cx="1509387" cy="771635"/>
+          </a:xfrm>
+          <a:prstGeom prst="rect">
+            <a:avLst/>
+          </a:prstGeom>
+          <a:solidFill>
+            <a:srgbClr val="52B3EE">
+              <a:alpha val="50000"/>
+            </a:srgbClr>
+          </a:solidFill>
+          <a:ln>
+            <a:noFill/>
+          </a:ln>
+        </p:spPr>
+        <p:style>
+          <a:lnRef idx="2">
+            <a:schemeClr val="accent1">
+              <a:shade val="50000"/>
+            </a:schemeClr>
+          </a:lnRef>
+          <a:fillRef idx="1">
+            <a:schemeClr val="accent1"/>
+          </a:fillRef>
+          <a:effectRef idx="0">
+            <a:schemeClr val="accent1"/>
+          </a:effectRef>
+          <a:fontRef idx="minor">
+            <a:schemeClr val="lt1"/>
+          </a:fontRef>
+        </p:style>
+        <p:txBody>
+          <a:bodyPr rtlCol="0" anchor="ctr"/>
+          <a:lstStyle/>
+          <a:p>
+            <a:pPr algn="ctr"/>
+            <a:endParaRPr lang="en-US"/>
+          </a:p>
+        </p:txBody>
+      </p:sp>
+      <p:sp>
+        <p:nvSpPr>
+          <p:cNvPr id="47" name="Rechteck 46">
+            <a:extLst>
+              <a:ext uri="{FF2B5EF4-FFF2-40B4-BE49-F238E27FC236}">
+                <a16:creationId xmlns:a16="http://schemas.microsoft.com/office/drawing/2014/main" id="{EFF123ED-A61F-44DB-B9C5-CDDF0A9F04B1}"/>
+              </a:ext>
+            </a:extLst>
+          </p:cNvPr>
+          <p:cNvSpPr/>
+          <p:nvPr/>
+        </p:nvSpPr>
+        <p:spPr>
+          <a:xfrm>
+            <a:off x="629817" y="3892464"/>
+            <a:ext cx="1510698" cy="766800"/>
+          </a:xfrm>
+          <a:prstGeom prst="rect">
+            <a:avLst/>
+          </a:prstGeom>
+          <a:solidFill>
+            <a:srgbClr val="F32993">
+              <a:alpha val="49804"/>
+            </a:srgbClr>
+          </a:solidFill>
+          <a:ln>
+            <a:noFill/>
+          </a:ln>
+        </p:spPr>
+        <p:style>
+          <a:lnRef idx="2">
+            <a:schemeClr val="accent1">
+              <a:shade val="50000"/>
+            </a:schemeClr>
+          </a:lnRef>
+          <a:fillRef idx="1">
+            <a:schemeClr val="accent1"/>
+          </a:fillRef>
+          <a:effectRef idx="0">
+            <a:schemeClr val="accent1"/>
+          </a:effectRef>
+          <a:fontRef idx="minor">
+            <a:schemeClr val="lt1"/>
+          </a:fontRef>
+        </p:style>
+        <p:txBody>
+          <a:bodyPr rtlCol="0" anchor="ctr"/>
+          <a:lstStyle/>
+          <a:p>
+            <a:pPr algn="ctr"/>
+            <a:endParaRPr lang="en-US"/>
+          </a:p>
+        </p:txBody>
+      </p:sp>
+      <p:sp>
+        <p:nvSpPr>
+          <p:cNvPr id="48" name="Rechteck 47">
+            <a:extLst>
+              <a:ext uri="{FF2B5EF4-FFF2-40B4-BE49-F238E27FC236}">
+                <a16:creationId xmlns:a16="http://schemas.microsoft.com/office/drawing/2014/main" id="{495D991F-1259-44B0-B9CB-9A211188C9A4}"/>
+              </a:ext>
+            </a:extLst>
+          </p:cNvPr>
+          <p:cNvSpPr/>
+          <p:nvPr/>
+        </p:nvSpPr>
+        <p:spPr>
+          <a:xfrm>
+            <a:off x="5162833" y="4660114"/>
+            <a:ext cx="1509478" cy="774000"/>
+          </a:xfrm>
+          <a:prstGeom prst="rect">
+            <a:avLst/>
+          </a:prstGeom>
+          <a:solidFill>
+            <a:srgbClr val="002060">
+              <a:alpha val="50000"/>
+            </a:srgbClr>
+          </a:solidFill>
+          <a:ln>
+            <a:noFill/>
+          </a:ln>
+        </p:spPr>
+        <p:style>
+          <a:lnRef idx="2">
+            <a:schemeClr val="accent1">
+              <a:shade val="50000"/>
+            </a:schemeClr>
+          </a:lnRef>
+          <a:fillRef idx="1">
+            <a:schemeClr val="accent1"/>
+          </a:fillRef>
+          <a:effectRef idx="0">
+            <a:schemeClr val="accent1"/>
+          </a:effectRef>
+          <a:fontRef idx="minor">
+            <a:schemeClr val="lt1"/>
+          </a:fontRef>
+        </p:style>
+        <p:txBody>
+          <a:bodyPr rtlCol="0" anchor="ctr"/>
+          <a:lstStyle/>
+          <a:p>
+            <a:pPr algn="ctr"/>
+            <a:endParaRPr lang="en-US"/>
+          </a:p>
+        </p:txBody>
+      </p:sp>
+      <p:sp>
+        <p:nvSpPr>
+          <p:cNvPr id="57" name="Rechteck 56">
+            <a:extLst>
+              <a:ext uri="{FF2B5EF4-FFF2-40B4-BE49-F238E27FC236}">
+                <a16:creationId xmlns:a16="http://schemas.microsoft.com/office/drawing/2014/main" id="{5C2CECDB-25C1-4BAF-B3F4-B4B540D2EC49}"/>
+              </a:ext>
+            </a:extLst>
+          </p:cNvPr>
+          <p:cNvSpPr/>
+          <p:nvPr/>
+        </p:nvSpPr>
+        <p:spPr>
+          <a:xfrm>
+            <a:off x="9689690" y="2348914"/>
+            <a:ext cx="1509387" cy="767937"/>
+          </a:xfrm>
+          <a:prstGeom prst="rect">
+            <a:avLst/>
+          </a:prstGeom>
+          <a:solidFill>
+            <a:srgbClr val="52B3EE">
+              <a:alpha val="50000"/>
+            </a:srgbClr>
+          </a:solidFill>
+          <a:ln>
+            <a:noFill/>
+          </a:ln>
+        </p:spPr>
+        <p:style>
+          <a:lnRef idx="2">
+            <a:schemeClr val="accent1">
+              <a:shade val="50000"/>
+            </a:schemeClr>
+          </a:lnRef>
+          <a:fillRef idx="1">
+            <a:schemeClr val="accent1"/>
+          </a:fillRef>
+          <a:effectRef idx="0">
+            <a:schemeClr val="accent1"/>
+          </a:effectRef>
+          <a:fontRef idx="minor">
+            <a:schemeClr val="lt1"/>
+          </a:fontRef>
+        </p:style>
+        <p:txBody>
+          <a:bodyPr rtlCol="0" anchor="ctr"/>
+          <a:lstStyle/>
+          <a:p>
+            <a:pPr algn="ctr"/>
+            <a:endParaRPr lang="en-US"/>
+          </a:p>
+        </p:txBody>
+      </p:sp>
+      <p:sp>
+        <p:nvSpPr>
+          <p:cNvPr id="58" name="Rechteck 57">
+            <a:extLst>
+              <a:ext uri="{FF2B5EF4-FFF2-40B4-BE49-F238E27FC236}">
+                <a16:creationId xmlns:a16="http://schemas.microsoft.com/office/drawing/2014/main" id="{D775039F-E054-4025-B37D-225F369B15EA}"/>
+              </a:ext>
+            </a:extLst>
+          </p:cNvPr>
+          <p:cNvSpPr/>
+          <p:nvPr/>
+        </p:nvSpPr>
+        <p:spPr>
+          <a:xfrm>
+            <a:off x="5160735" y="3120158"/>
+            <a:ext cx="1509387" cy="768774"/>
+          </a:xfrm>
+          <a:prstGeom prst="rect">
+            <a:avLst/>
+          </a:prstGeom>
+          <a:solidFill>
+            <a:srgbClr val="52B3EE">
+              <a:alpha val="50000"/>
+            </a:srgbClr>
+          </a:solidFill>
+          <a:ln>
+            <a:noFill/>
+          </a:ln>
+        </p:spPr>
+        <p:style>
+          <a:lnRef idx="2">
+            <a:schemeClr val="accent1">
+              <a:shade val="50000"/>
+            </a:schemeClr>
+          </a:lnRef>
+          <a:fillRef idx="1">
+            <a:schemeClr val="accent1"/>
+          </a:fillRef>
+          <a:effectRef idx="0">
+            <a:schemeClr val="accent1"/>
+          </a:effectRef>
+          <a:fontRef idx="minor">
+            <a:schemeClr val="lt1"/>
+          </a:fontRef>
+        </p:style>
+        <p:txBody>
+          <a:bodyPr rtlCol="0" anchor="ctr"/>
+          <a:lstStyle/>
+          <a:p>
+            <a:pPr algn="ctr"/>
+            <a:endParaRPr lang="en-US"/>
+          </a:p>
+        </p:txBody>
+      </p:sp>
+      <p:sp>
+        <p:nvSpPr>
+          <p:cNvPr id="59" name="Rechteck 58">
+            <a:extLst>
+              <a:ext uri="{FF2B5EF4-FFF2-40B4-BE49-F238E27FC236}">
+                <a16:creationId xmlns:a16="http://schemas.microsoft.com/office/drawing/2014/main" id="{942A7C65-BBAF-4D98-A743-99134E8A116E}"/>
+              </a:ext>
+            </a:extLst>
+          </p:cNvPr>
+          <p:cNvSpPr/>
+          <p:nvPr/>
+        </p:nvSpPr>
+        <p:spPr>
+          <a:xfrm>
+            <a:off x="6671380" y="3120011"/>
+            <a:ext cx="1509387" cy="768774"/>
+          </a:xfrm>
+          <a:prstGeom prst="rect">
+            <a:avLst/>
+          </a:prstGeom>
+          <a:solidFill>
+            <a:srgbClr val="52B3EE">
+              <a:alpha val="50000"/>
+            </a:srgbClr>
+          </a:solidFill>
+          <a:ln>
+            <a:noFill/>
+          </a:ln>
+        </p:spPr>
+        <p:style>
+          <a:lnRef idx="2">
+            <a:schemeClr val="accent1">
+              <a:shade val="50000"/>
+            </a:schemeClr>
+          </a:lnRef>
+          <a:fillRef idx="1">
+            <a:schemeClr val="accent1"/>
+          </a:fillRef>
+          <a:effectRef idx="0">
+            <a:schemeClr val="accent1"/>
+          </a:effectRef>
+          <a:fontRef idx="minor">
+            <a:schemeClr val="lt1"/>
+          </a:fontRef>
+        </p:style>
+        <p:txBody>
+          <a:bodyPr rtlCol="0" anchor="ctr"/>
+          <a:lstStyle/>
+          <a:p>
+            <a:pPr algn="ctr"/>
+            <a:endParaRPr lang="en-US"/>
+          </a:p>
+        </p:txBody>
+      </p:sp>
+      <p:sp>
+        <p:nvSpPr>
+          <p:cNvPr id="60" name="Rechteck 59">
+            <a:extLst>
+              <a:ext uri="{FF2B5EF4-FFF2-40B4-BE49-F238E27FC236}">
+                <a16:creationId xmlns:a16="http://schemas.microsoft.com/office/drawing/2014/main" id="{E4F2F05D-B077-4784-912B-096A3EAAC163}"/>
+              </a:ext>
+            </a:extLst>
+          </p:cNvPr>
+          <p:cNvSpPr/>
+          <p:nvPr/>
+        </p:nvSpPr>
+        <p:spPr>
+          <a:xfrm>
+            <a:off x="8183587" y="3119938"/>
+            <a:ext cx="1509387" cy="768774"/>
+          </a:xfrm>
+          <a:prstGeom prst="rect">
+            <a:avLst/>
+          </a:prstGeom>
+          <a:solidFill>
+            <a:srgbClr val="F32993">
+              <a:alpha val="49804"/>
+            </a:srgbClr>
+          </a:solidFill>
+          <a:ln>
+            <a:noFill/>
+          </a:ln>
+        </p:spPr>
+        <p:style>
+          <a:lnRef idx="2">
+            <a:schemeClr val="accent1">
+              <a:shade val="50000"/>
+            </a:schemeClr>
+          </a:lnRef>
+          <a:fillRef idx="1">
+            <a:schemeClr val="accent1"/>
+          </a:fillRef>
+          <a:effectRef idx="0">
+            <a:schemeClr val="accent1"/>
+          </a:effectRef>
+          <a:fontRef idx="minor">
+            <a:schemeClr val="lt1"/>
+          </a:fontRef>
+        </p:style>
+        <p:txBody>
+          <a:bodyPr rtlCol="0" anchor="ctr"/>
+          <a:lstStyle/>
+          <a:p>
+            <a:pPr algn="ctr"/>
+            <a:endParaRPr lang="en-US"/>
+          </a:p>
+        </p:txBody>
+      </p:sp>
+      <p:sp>
+        <p:nvSpPr>
+          <p:cNvPr id="61" name="Rechteck 60">
+            <a:extLst>
+              <a:ext uri="{FF2B5EF4-FFF2-40B4-BE49-F238E27FC236}">
+                <a16:creationId xmlns:a16="http://schemas.microsoft.com/office/drawing/2014/main" id="{B45A86D0-6949-44D5-B29A-21582B5CF14E}"/>
+              </a:ext>
+            </a:extLst>
+          </p:cNvPr>
+          <p:cNvSpPr/>
+          <p:nvPr/>
+        </p:nvSpPr>
+        <p:spPr>
+          <a:xfrm>
+            <a:off x="9692327" y="3119791"/>
+            <a:ext cx="1509387" cy="768774"/>
+          </a:xfrm>
+          <a:prstGeom prst="rect">
+            <a:avLst/>
+          </a:prstGeom>
+          <a:solidFill>
+            <a:srgbClr val="F32993">
+              <a:alpha val="49804"/>
+            </a:srgbClr>
+          </a:solidFill>
+          <a:ln>
+            <a:noFill/>
+          </a:ln>
+        </p:spPr>
+        <p:style>
+          <a:lnRef idx="2">
+            <a:schemeClr val="accent1">
+              <a:shade val="50000"/>
+            </a:schemeClr>
+          </a:lnRef>
+          <a:fillRef idx="1">
+            <a:schemeClr val="accent1"/>
+          </a:fillRef>
+          <a:effectRef idx="0">
+            <a:schemeClr val="accent1"/>
+          </a:effectRef>
+          <a:fontRef idx="minor">
+            <a:schemeClr val="lt1"/>
+          </a:fontRef>
+        </p:style>
+        <p:txBody>
+          <a:bodyPr rtlCol="0" anchor="ctr"/>
+          <a:lstStyle/>
+          <a:p>
+            <a:pPr algn="ctr"/>
+            <a:endParaRPr lang="en-US"/>
+          </a:p>
+        </p:txBody>
+      </p:sp>
+      <p:sp>
+        <p:nvSpPr>
+          <p:cNvPr id="62" name="Rechteck 61">
+            <a:extLst>
+              <a:ext uri="{FF2B5EF4-FFF2-40B4-BE49-F238E27FC236}">
+                <a16:creationId xmlns:a16="http://schemas.microsoft.com/office/drawing/2014/main" id="{F701BC5D-67FE-4669-AD67-91052D705F04}"/>
+              </a:ext>
+            </a:extLst>
+          </p:cNvPr>
+          <p:cNvSpPr/>
+          <p:nvPr/>
+        </p:nvSpPr>
+        <p:spPr>
+          <a:xfrm>
+            <a:off x="6672221" y="3890973"/>
+            <a:ext cx="1512207" cy="764859"/>
+          </a:xfrm>
+          <a:prstGeom prst="rect">
+            <a:avLst/>
+          </a:prstGeom>
+          <a:solidFill>
+            <a:srgbClr val="F32993">
+              <a:alpha val="49804"/>
+            </a:srgbClr>
+          </a:solidFill>
+          <a:ln>
+            <a:noFill/>
+          </a:ln>
+        </p:spPr>
+        <p:style>
+          <a:lnRef idx="2">
+            <a:schemeClr val="accent1">
+              <a:shade val="50000"/>
+            </a:schemeClr>
+          </a:lnRef>
+          <a:fillRef idx="1">
+            <a:schemeClr val="accent1"/>
+          </a:fillRef>
+          <a:effectRef idx="0">
+            <a:schemeClr val="accent1"/>
+          </a:effectRef>
+          <a:fontRef idx="minor">
+            <a:schemeClr val="lt1"/>
+          </a:fontRef>
+        </p:style>
+        <p:txBody>
+          <a:bodyPr rtlCol="0" anchor="ctr"/>
+          <a:lstStyle/>
+          <a:p>
+            <a:pPr algn="ctr"/>
+            <a:endParaRPr lang="en-US"/>
+          </a:p>
+        </p:txBody>
+      </p:sp>
+      <p:sp>
+        <p:nvSpPr>
+          <p:cNvPr id="63" name="Rechteck 62">
+            <a:extLst>
+              <a:ext uri="{FF2B5EF4-FFF2-40B4-BE49-F238E27FC236}">
+                <a16:creationId xmlns:a16="http://schemas.microsoft.com/office/drawing/2014/main" id="{590E7C37-4E98-46C0-984B-8EA73FACB737}"/>
+              </a:ext>
+            </a:extLst>
+          </p:cNvPr>
+          <p:cNvSpPr/>
+          <p:nvPr/>
+        </p:nvSpPr>
+        <p:spPr>
+          <a:xfrm>
+            <a:off x="8185308" y="3888448"/>
+            <a:ext cx="1509387" cy="767937"/>
+          </a:xfrm>
+          <a:prstGeom prst="rect">
+            <a:avLst/>
+          </a:prstGeom>
+          <a:solidFill>
+            <a:srgbClr val="F32993">
+              <a:alpha val="49804"/>
+            </a:srgbClr>
+          </a:solidFill>
+          <a:ln>
+            <a:noFill/>
+          </a:ln>
+        </p:spPr>
+        <p:style>
+          <a:lnRef idx="2">
+            <a:schemeClr val="accent1">
+              <a:shade val="50000"/>
+            </a:schemeClr>
+          </a:lnRef>
+          <a:fillRef idx="1">
+            <a:schemeClr val="accent1"/>
+          </a:fillRef>
+          <a:effectRef idx="0">
+            <a:schemeClr val="accent1"/>
+          </a:effectRef>
+          <a:fontRef idx="minor">
+            <a:schemeClr val="lt1"/>
+          </a:fontRef>
+        </p:style>
+        <p:txBody>
+          <a:bodyPr rtlCol="0" anchor="ctr"/>
+          <a:lstStyle/>
+          <a:p>
+            <a:pPr algn="ctr"/>
+            <a:endParaRPr lang="en-US"/>
+          </a:p>
+        </p:txBody>
+      </p:sp>
+      <p:sp>
+        <p:nvSpPr>
+          <p:cNvPr id="64" name="Rechteck 63">
+            <a:extLst>
+              <a:ext uri="{FF2B5EF4-FFF2-40B4-BE49-F238E27FC236}">
+                <a16:creationId xmlns:a16="http://schemas.microsoft.com/office/drawing/2014/main" id="{F11608FF-F2EC-43A4-8C2D-742C1CB5211E}"/>
+              </a:ext>
+            </a:extLst>
+          </p:cNvPr>
+          <p:cNvSpPr/>
+          <p:nvPr/>
+        </p:nvSpPr>
+        <p:spPr>
+          <a:xfrm>
+            <a:off x="9693694" y="3889590"/>
+            <a:ext cx="1509387" cy="767937"/>
+          </a:xfrm>
+          <a:prstGeom prst="rect">
+            <a:avLst/>
+          </a:prstGeom>
+          <a:solidFill>
+            <a:srgbClr val="F32993">
+              <a:alpha val="49804"/>
+            </a:srgbClr>
+          </a:solidFill>
+          <a:ln>
+            <a:noFill/>
+          </a:ln>
+        </p:spPr>
+        <p:style>
+          <a:lnRef idx="2">
+            <a:schemeClr val="accent1">
+              <a:shade val="50000"/>
+            </a:schemeClr>
+          </a:lnRef>
+          <a:fillRef idx="1">
+            <a:schemeClr val="accent1"/>
+          </a:fillRef>
+          <a:effectRef idx="0">
+            <a:schemeClr val="accent1"/>
+          </a:effectRef>
+          <a:fontRef idx="minor">
+            <a:schemeClr val="lt1"/>
+          </a:fontRef>
+        </p:style>
+        <p:txBody>
+          <a:bodyPr rtlCol="0" anchor="ctr"/>
+          <a:lstStyle/>
+          <a:p>
+            <a:pPr algn="ctr"/>
+            <a:endParaRPr lang="en-US"/>
+          </a:p>
+        </p:txBody>
+      </p:sp>
+      <p:sp>
+        <p:nvSpPr>
+          <p:cNvPr id="65" name="Rechteck 64">
+            <a:extLst>
+              <a:ext uri="{FF2B5EF4-FFF2-40B4-BE49-F238E27FC236}">
+                <a16:creationId xmlns:a16="http://schemas.microsoft.com/office/drawing/2014/main" id="{18C30B99-94C1-428B-BB7B-19D8AECF14B5}"/>
+              </a:ext>
+            </a:extLst>
+          </p:cNvPr>
+          <p:cNvSpPr/>
+          <p:nvPr/>
+        </p:nvSpPr>
+        <p:spPr>
+          <a:xfrm>
+            <a:off x="5160735" y="3889919"/>
+            <a:ext cx="1512207" cy="769022"/>
+          </a:xfrm>
+          <a:prstGeom prst="rect">
+            <a:avLst/>
+          </a:prstGeom>
+          <a:solidFill>
+            <a:srgbClr val="F32993">
+              <a:alpha val="49804"/>
+            </a:srgbClr>
+          </a:solidFill>
+          <a:ln>
+            <a:noFill/>
+          </a:ln>
+        </p:spPr>
+        <p:style>
+          <a:lnRef idx="2">
+            <a:schemeClr val="accent1">
+              <a:shade val="50000"/>
+            </a:schemeClr>
+          </a:lnRef>
+          <a:fillRef idx="1">
+            <a:schemeClr val="accent1"/>
+          </a:fillRef>
+          <a:effectRef idx="0">
+            <a:schemeClr val="accent1"/>
+          </a:effectRef>
+          <a:fontRef idx="minor">
+            <a:schemeClr val="lt1"/>
+          </a:fontRef>
+        </p:style>
+        <p:txBody>
+          <a:bodyPr rtlCol="0" anchor="ctr"/>
+          <a:lstStyle/>
+          <a:p>
+            <a:pPr algn="ctr"/>
+            <a:endParaRPr lang="en-US"/>
+          </a:p>
+        </p:txBody>
+      </p:sp>
+      <p:sp>
+        <p:nvSpPr>
+          <p:cNvPr id="66" name="Rechteck 65">
+            <a:extLst>
+              <a:ext uri="{FF2B5EF4-FFF2-40B4-BE49-F238E27FC236}">
+                <a16:creationId xmlns:a16="http://schemas.microsoft.com/office/drawing/2014/main" id="{E4141CF1-97CE-4731-88CA-4B3464327691}"/>
+              </a:ext>
+            </a:extLst>
+          </p:cNvPr>
+          <p:cNvSpPr/>
+          <p:nvPr/>
+        </p:nvSpPr>
+        <p:spPr>
+          <a:xfrm>
+            <a:off x="3651885" y="3887741"/>
+            <a:ext cx="1509346" cy="774000"/>
+          </a:xfrm>
+          <a:prstGeom prst="rect">
+            <a:avLst/>
+          </a:prstGeom>
+          <a:solidFill>
+            <a:srgbClr val="F32993">
+              <a:alpha val="49804"/>
+            </a:srgbClr>
+          </a:solidFill>
+          <a:ln>
+            <a:noFill/>
+          </a:ln>
+        </p:spPr>
+        <p:style>
+          <a:lnRef idx="2">
+            <a:schemeClr val="accent1">
+              <a:shade val="50000"/>
+            </a:schemeClr>
+          </a:lnRef>
+          <a:fillRef idx="1">
+            <a:schemeClr val="accent1"/>
+          </a:fillRef>
+          <a:effectRef idx="0">
+            <a:schemeClr val="accent1"/>
+          </a:effectRef>
+          <a:fontRef idx="minor">
+            <a:schemeClr val="lt1"/>
+          </a:fontRef>
+        </p:style>
+        <p:txBody>
+          <a:bodyPr rtlCol="0" anchor="ctr"/>
+          <a:lstStyle/>
+          <a:p>
+            <a:pPr algn="ctr"/>
+            <a:endParaRPr lang="en-US"/>
+          </a:p>
+        </p:txBody>
+      </p:sp>
+      <p:grpSp>
+        <p:nvGrpSpPr>
+          <p:cNvPr id="13" name="Gruppieren 12">
+            <a:extLst>
+              <a:ext uri="{FF2B5EF4-FFF2-40B4-BE49-F238E27FC236}">
+                <a16:creationId xmlns:a16="http://schemas.microsoft.com/office/drawing/2014/main" id="{D9B293E8-B445-471A-8D0D-8F5E44397E11}"/>
+              </a:ext>
+            </a:extLst>
+          </p:cNvPr>
+          <p:cNvGrpSpPr/>
+          <p:nvPr/>
+        </p:nvGrpSpPr>
+        <p:grpSpPr>
+          <a:xfrm>
+            <a:off x="626450" y="5530285"/>
+            <a:ext cx="3225237" cy="963138"/>
+            <a:chOff x="626450" y="5530285"/>
+            <a:chExt cx="3225237" cy="963138"/>
+          </a:xfrm>
+        </p:grpSpPr>
+        <p:sp>
+          <p:nvSpPr>
+            <p:cNvPr id="69" name="Rechteck 68">
+              <a:extLst>
+                <a:ext uri="{FF2B5EF4-FFF2-40B4-BE49-F238E27FC236}">
+                  <a16:creationId xmlns:a16="http://schemas.microsoft.com/office/drawing/2014/main" id="{FF35B723-6FC4-44AE-9A73-E8BFA049BFCF}"/>
+                </a:ext>
+              </a:extLst>
+            </p:cNvPr>
+            <p:cNvSpPr/>
+            <p:nvPr/>
+          </p:nvSpPr>
+          <p:spPr>
+            <a:xfrm>
+              <a:off x="629778" y="5582518"/>
+              <a:ext cx="506410" cy="259489"/>
+            </a:xfrm>
+            <a:prstGeom prst="rect">
+              <a:avLst/>
+            </a:prstGeom>
+            <a:solidFill>
+              <a:srgbClr val="A9D9F7"/>
+            </a:solidFill>
+            <a:ln>
+              <a:noFill/>
+            </a:ln>
+          </p:spPr>
+          <p:style>
+            <a:lnRef idx="2">
+              <a:schemeClr val="accent1">
+                <a:shade val="50000"/>
+              </a:schemeClr>
+            </a:lnRef>
+            <a:fillRef idx="1">
+              <a:schemeClr val="accent1"/>
+            </a:fillRef>
+            <a:effectRef idx="0">
+              <a:schemeClr val="accent1"/>
+            </a:effectRef>
+            <a:fontRef idx="minor">
+              <a:schemeClr val="lt1"/>
+            </a:fontRef>
+          </p:style>
+          <p:txBody>
+            <a:bodyPr rtlCol="0" anchor="ctr"/>
+            <a:lstStyle/>
+            <a:p>
+              <a:pPr algn="ctr"/>
+              <a:endParaRPr lang="en-US"/>
+            </a:p>
+          </p:txBody>
+        </p:sp>
+        <p:sp>
+          <p:nvSpPr>
+            <p:cNvPr id="70" name="Rechteck 69">
+              <a:extLst>
+                <a:ext uri="{FF2B5EF4-FFF2-40B4-BE49-F238E27FC236}">
+                  <a16:creationId xmlns:a16="http://schemas.microsoft.com/office/drawing/2014/main" id="{75BE75AE-98D1-4724-9B65-82FC06089DA0}"/>
+                </a:ext>
+              </a:extLst>
+            </p:cNvPr>
+            <p:cNvSpPr/>
+            <p:nvPr/>
+          </p:nvSpPr>
+          <p:spPr>
+            <a:xfrm>
+              <a:off x="626450" y="5897383"/>
+              <a:ext cx="509738" cy="259490"/>
+            </a:xfrm>
+            <a:prstGeom prst="rect">
+              <a:avLst/>
+            </a:prstGeom>
+            <a:solidFill>
+              <a:srgbClr val="F994C9"/>
+            </a:solidFill>
+            <a:ln>
+              <a:noFill/>
+            </a:ln>
+          </p:spPr>
+          <p:style>
+            <a:lnRef idx="2">
+              <a:schemeClr val="accent1">
+                <a:shade val="50000"/>
+              </a:schemeClr>
+            </a:lnRef>
+            <a:fillRef idx="1">
+              <a:schemeClr val="accent1"/>
+            </a:fillRef>
+            <a:effectRef idx="0">
+              <a:schemeClr val="accent1"/>
+            </a:effectRef>
+            <a:fontRef idx="minor">
+              <a:schemeClr val="lt1"/>
+            </a:fontRef>
+          </p:style>
+          <p:txBody>
+            <a:bodyPr rtlCol="0" anchor="ctr"/>
+            <a:lstStyle/>
+            <a:p>
+              <a:pPr algn="ctr"/>
+              <a:endParaRPr lang="en-US"/>
+            </a:p>
+          </p:txBody>
+        </p:sp>
+        <p:sp>
+          <p:nvSpPr>
+            <p:cNvPr id="71" name="Rechteck 70">
+              <a:extLst>
+                <a:ext uri="{FF2B5EF4-FFF2-40B4-BE49-F238E27FC236}">
+                  <a16:creationId xmlns:a16="http://schemas.microsoft.com/office/drawing/2014/main" id="{EFC1A1A0-A5F7-4FC0-9C02-DB2EEDB0D9A3}"/>
+                </a:ext>
+              </a:extLst>
+            </p:cNvPr>
+            <p:cNvSpPr/>
+            <p:nvPr/>
+          </p:nvSpPr>
+          <p:spPr>
+            <a:xfrm>
+              <a:off x="626450" y="6212249"/>
+              <a:ext cx="509475" cy="259490"/>
+            </a:xfrm>
+            <a:prstGeom prst="rect">
+              <a:avLst/>
+            </a:prstGeom>
+            <a:solidFill>
+              <a:srgbClr val="7F8FAF"/>
+            </a:solidFill>
+            <a:ln>
+              <a:noFill/>
+            </a:ln>
+          </p:spPr>
+          <p:style>
+            <a:lnRef idx="2">
+              <a:schemeClr val="accent1">
+                <a:shade val="50000"/>
+              </a:schemeClr>
+            </a:lnRef>
+            <a:fillRef idx="1">
+              <a:schemeClr val="accent1"/>
+            </a:fillRef>
+            <a:effectRef idx="0">
+              <a:schemeClr val="accent1"/>
+            </a:effectRef>
+            <a:fontRef idx="minor">
+              <a:schemeClr val="lt1"/>
+            </a:fontRef>
+          </p:style>
+          <p:txBody>
+            <a:bodyPr rtlCol="0" anchor="ctr"/>
+            <a:lstStyle/>
+            <a:p>
+              <a:pPr algn="ctr"/>
+              <a:endParaRPr lang="en-US"/>
+            </a:p>
+          </p:txBody>
+        </p:sp>
+        <p:sp>
+          <p:nvSpPr>
+            <p:cNvPr id="76" name="Textfeld 75">
+              <a:extLst>
+                <a:ext uri="{FF2B5EF4-FFF2-40B4-BE49-F238E27FC236}">
+                  <a16:creationId xmlns:a16="http://schemas.microsoft.com/office/drawing/2014/main" id="{760FCDAF-D34F-46D9-A4F5-4A8EFADC40DB}"/>
+                </a:ext>
+              </a:extLst>
+            </p:cNvPr>
+            <p:cNvSpPr txBox="1"/>
+            <p:nvPr/>
+          </p:nvSpPr>
+          <p:spPr>
+            <a:xfrm>
+              <a:off x="2137075" y="5530285"/>
+              <a:ext cx="1714612" cy="338554"/>
+            </a:xfrm>
+            <a:prstGeom prst="rect">
+              <a:avLst/>
+            </a:prstGeom>
+            <a:noFill/>
+          </p:spPr>
+          <p:txBody>
+            <a:bodyPr wrap="square" rtlCol="0">
+              <a:spAutoFit/>
+            </a:bodyPr>
+            <a:lstStyle/>
+            <a:p>
+              <a:r>
+                <a:rPr lang="en-US" sz="1600" dirty="0">
+                  <a:solidFill>
+                    <a:schemeClr val="bg2">
+                      <a:lumMod val="50000"/>
+                    </a:schemeClr>
+                  </a:solidFill>
+                </a:rPr>
+                <a:t>Stage 1</a:t>
+              </a:r>
+            </a:p>
+          </p:txBody>
+        </p:sp>
+        <p:sp>
+          <p:nvSpPr>
+            <p:cNvPr id="77" name="Textfeld 76">
+              <a:extLst>
+                <a:ext uri="{FF2B5EF4-FFF2-40B4-BE49-F238E27FC236}">
+                  <a16:creationId xmlns:a16="http://schemas.microsoft.com/office/drawing/2014/main" id="{FB3791EE-F232-4C68-AA20-AD29DDEDB96D}"/>
+                </a:ext>
+              </a:extLst>
+            </p:cNvPr>
+            <p:cNvSpPr txBox="1"/>
+            <p:nvPr/>
+          </p:nvSpPr>
+          <p:spPr>
+            <a:xfrm>
+              <a:off x="2137075" y="5838308"/>
+              <a:ext cx="1714612" cy="338554"/>
+            </a:xfrm>
+            <a:prstGeom prst="rect">
+              <a:avLst/>
+            </a:prstGeom>
+            <a:noFill/>
+          </p:spPr>
+          <p:txBody>
+            <a:bodyPr wrap="square" rtlCol="0">
+              <a:spAutoFit/>
+            </a:bodyPr>
+            <a:lstStyle/>
+            <a:p>
+              <a:r>
+                <a:rPr lang="en-US" sz="1600" dirty="0">
+                  <a:solidFill>
+                    <a:schemeClr val="bg2">
+                      <a:lumMod val="50000"/>
+                    </a:schemeClr>
+                  </a:solidFill>
+                </a:rPr>
+                <a:t>Stage 2</a:t>
+              </a:r>
+            </a:p>
+          </p:txBody>
+        </p:sp>
+        <p:sp>
+          <p:nvSpPr>
+            <p:cNvPr id="78" name="Textfeld 77">
+              <a:extLst>
+                <a:ext uri="{FF2B5EF4-FFF2-40B4-BE49-F238E27FC236}">
+                  <a16:creationId xmlns:a16="http://schemas.microsoft.com/office/drawing/2014/main" id="{94CC2317-46EE-45E7-9130-20AA69A31C42}"/>
+                </a:ext>
+              </a:extLst>
+            </p:cNvPr>
+            <p:cNvSpPr txBox="1"/>
+            <p:nvPr/>
+          </p:nvSpPr>
+          <p:spPr>
+            <a:xfrm>
+              <a:off x="2135922" y="6154869"/>
+              <a:ext cx="1714612" cy="338554"/>
+            </a:xfrm>
+            <a:prstGeom prst="rect">
+              <a:avLst/>
+            </a:prstGeom>
+            <a:noFill/>
+          </p:spPr>
+          <p:txBody>
+            <a:bodyPr wrap="square" rtlCol="0">
+              <a:spAutoFit/>
+            </a:bodyPr>
+            <a:lstStyle/>
+            <a:p>
+              <a:r>
+                <a:rPr lang="en-US" sz="1600" dirty="0">
+                  <a:solidFill>
+                    <a:schemeClr val="bg2">
+                      <a:lumMod val="50000"/>
+                    </a:schemeClr>
+                  </a:solidFill>
+                </a:rPr>
+                <a:t>Stage 3</a:t>
+              </a:r>
+            </a:p>
+          </p:txBody>
+        </p:sp>
+      </p:grpSp>
+      <p:sp>
+        <p:nvSpPr>
+          <p:cNvPr id="67" name="Rechteck 66">
+            <a:extLst>
+              <a:ext uri="{FF2B5EF4-FFF2-40B4-BE49-F238E27FC236}">
+                <a16:creationId xmlns:a16="http://schemas.microsoft.com/office/drawing/2014/main" id="{AA43A15A-A9CF-4705-BD86-A7A2A7A4090B}"/>
+              </a:ext>
+            </a:extLst>
+          </p:cNvPr>
+          <p:cNvSpPr/>
+          <p:nvPr/>
+        </p:nvSpPr>
+        <p:spPr>
+          <a:xfrm>
+            <a:off x="2141518" y="3889554"/>
+            <a:ext cx="1508263" cy="769387"/>
+          </a:xfrm>
+          <a:prstGeom prst="rect">
+            <a:avLst/>
+          </a:prstGeom>
+          <a:solidFill>
+            <a:srgbClr val="F32993">
+              <a:alpha val="49804"/>
+            </a:srgbClr>
+          </a:solidFill>
+          <a:ln>
+            <a:noFill/>
+          </a:ln>
+        </p:spPr>
+        <p:style>
+          <a:lnRef idx="2">
+            <a:schemeClr val="accent1">
+              <a:shade val="50000"/>
+            </a:schemeClr>
+          </a:lnRef>
+          <a:fillRef idx="1">
+            <a:schemeClr val="accent1"/>
+          </a:fillRef>
+          <a:effectRef idx="0">
+            <a:schemeClr val="accent1"/>
+          </a:effectRef>
+          <a:fontRef idx="minor">
+            <a:schemeClr val="lt1"/>
+          </a:fontRef>
+        </p:style>
+        <p:txBody>
+          <a:bodyPr rtlCol="0" anchor="ctr"/>
+          <a:lstStyle/>
+          <a:p>
+            <a:pPr algn="ctr"/>
+            <a:endParaRPr lang="en-US"/>
+          </a:p>
+        </p:txBody>
+      </p:sp>
+    </p:spTree>
+    <p:extLst>
+      <p:ext uri="{BB962C8B-B14F-4D97-AF65-F5344CB8AC3E}">
+        <p14:creationId xmlns:p14="http://schemas.microsoft.com/office/powerpoint/2010/main" val="3629260651"/>
+      </p:ext>
+    </p:extLst>
+  </p:cSld>
+  <p:clrMapOvr>
+    <a:masterClrMapping/>
+  </p:clrMapOvr>
+</p:sld>
+</file>
+
+<file path=ppt/slides/slide5.xml><?xml version="1.0" encoding="utf-8"?>
+<p:sld xmlns:a="http://schemas.openxmlformats.org/drawingml/2006/main" xmlns:r="http://schemas.openxmlformats.org/officeDocument/2006/relationships" xmlns:p="http://schemas.openxmlformats.org/presentationml/2006/main">
+  <p:cSld>
+    <p:spTree>
+      <p:nvGrpSpPr>
+        <p:cNvPr id="1" name=""/>
+        <p:cNvGrpSpPr/>
+        <p:nvPr/>
+      </p:nvGrpSpPr>
+      <p:grpSpPr>
+        <a:xfrm>
+          <a:off x="0" y="0"/>
+          <a:ext cx="0" cy="0"/>
+          <a:chOff x="0" y="0"/>
+          <a:chExt cx="0" cy="0"/>
+        </a:xfrm>
+      </p:grpSpPr>
+      <p:sp>
+        <p:nvSpPr>
+          <p:cNvPr id="5" name="Title 3">
+            <a:extLst>
+              <a:ext uri="{FF2B5EF4-FFF2-40B4-BE49-F238E27FC236}">
+                <a16:creationId xmlns:a16="http://schemas.microsoft.com/office/drawing/2014/main" id="{C7D97E6F-8179-4C89-86C6-E6F629A09578}"/>
+              </a:ext>
+            </a:extLst>
+          </p:cNvPr>
+          <p:cNvSpPr txBox="1">
+            <a:spLocks/>
+          </p:cNvSpPr>
+          <p:nvPr/>
+        </p:nvSpPr>
+        <p:spPr>
+          <a:xfrm>
+            <a:off x="630315" y="17385"/>
+            <a:ext cx="3666477" cy="1143000"/>
+          </a:xfrm>
+          <a:prstGeom prst="rect">
+            <a:avLst/>
+          </a:prstGeom>
+        </p:spPr>
+        <p:txBody>
+          <a:bodyPr vert="horz" lIns="91440" tIns="45720" rIns="91440" bIns="45720" rtlCol="0" anchor="b">
+            <a:normAutofit/>
+          </a:bodyPr>
+          <a:lstStyle>
+            <a:lvl1pPr algn="ctr" defTabSz="914400" rtl="0" eaLnBrk="1" latinLnBrk="0" hangingPunct="1">
+              <a:lnSpc>
+                <a:spcPct val="90000"/>
+              </a:lnSpc>
+              <a:spcBef>
+                <a:spcPct val="0"/>
+              </a:spcBef>
+              <a:buNone/>
+              <a:defRPr sz="6000" kern="1200">
+                <a:solidFill>
+                  <a:schemeClr val="tx1"/>
+                </a:solidFill>
+                <a:latin typeface="+mj-lt"/>
+                <a:ea typeface="+mj-ea"/>
+                <a:cs typeface="+mj-cs"/>
+              </a:defRPr>
+            </a:lvl1pPr>
+          </a:lstStyle>
+          <a:p>
+            <a:pPr algn="l"/>
+            <a:r>
+              <a:rPr lang="de-DE" dirty="0">
+                <a:solidFill>
+                  <a:srgbClr val="0070C0"/>
+                </a:solidFill>
+              </a:rPr>
+              <a:t>May, 2020</a:t>
+            </a:r>
+          </a:p>
+        </p:txBody>
+      </p:sp>
+      <p:sp>
+        <p:nvSpPr>
+          <p:cNvPr id="7" name="Title 3">
+            <a:extLst>
+              <a:ext uri="{FF2B5EF4-FFF2-40B4-BE49-F238E27FC236}">
+                <a16:creationId xmlns:a16="http://schemas.microsoft.com/office/drawing/2014/main" id="{A4A1E477-8628-4854-9E85-BC74EA643774}"/>
+              </a:ext>
+            </a:extLst>
+          </p:cNvPr>
+          <p:cNvSpPr txBox="1">
+            <a:spLocks/>
+          </p:cNvSpPr>
+          <p:nvPr/>
+        </p:nvSpPr>
+        <p:spPr>
+          <a:xfrm>
+            <a:off x="10369118" y="588885"/>
+            <a:ext cx="834501" cy="410592"/>
+          </a:xfrm>
+          <a:prstGeom prst="rect">
+            <a:avLst/>
+          </a:prstGeom>
+        </p:spPr>
+        <p:txBody>
+          <a:bodyPr vert="horz" lIns="91440" tIns="45720" rIns="91440" bIns="45720" rtlCol="0" anchor="b">
+            <a:normAutofit lnSpcReduction="10000"/>
+          </a:bodyPr>
+          <a:lstStyle>
+            <a:lvl1pPr algn="ctr" defTabSz="914400" rtl="0" eaLnBrk="1" latinLnBrk="0" hangingPunct="1">
+              <a:lnSpc>
+                <a:spcPct val="90000"/>
+              </a:lnSpc>
+              <a:spcBef>
+                <a:spcPct val="0"/>
+              </a:spcBef>
+              <a:buNone/>
+              <a:defRPr sz="6000" kern="1200">
+                <a:solidFill>
+                  <a:schemeClr val="tx1"/>
+                </a:solidFill>
+                <a:latin typeface="+mj-lt"/>
+                <a:ea typeface="+mj-ea"/>
+                <a:cs typeface="+mj-cs"/>
+              </a:defRPr>
+            </a:lvl1pPr>
+          </a:lstStyle>
+          <a:p>
+            <a:pPr algn="r"/>
+            <a:r>
+              <a:rPr lang="de-DE" sz="2400" b="1" dirty="0">
+                <a:solidFill>
+                  <a:schemeClr val="accent5">
+                    <a:lumMod val="60000"/>
+                    <a:lumOff val="40000"/>
+                  </a:schemeClr>
+                </a:solidFill>
+              </a:rPr>
+              <a:t>2/2</a:t>
+            </a:r>
+          </a:p>
+        </p:txBody>
+      </p:sp>
+      <p:graphicFrame>
+        <p:nvGraphicFramePr>
+          <p:cNvPr id="6" name="Content Placeholder 5">
+            <a:extLst>
+              <a:ext uri="{FF2B5EF4-FFF2-40B4-BE49-F238E27FC236}">
+                <a16:creationId xmlns:a16="http://schemas.microsoft.com/office/drawing/2014/main" id="{F132BD57-5D8C-40C7-B323-911AC412E1BF}"/>
+              </a:ext>
+            </a:extLst>
+          </p:cNvPr>
+          <p:cNvGraphicFramePr>
+            <a:graphicFrameLocks/>
+          </p:cNvGraphicFramePr>
+          <p:nvPr/>
+        </p:nvGraphicFramePr>
+        <p:xfrm>
+          <a:off x="634062" y="1231200"/>
+          <a:ext cx="10573304" cy="4200400"/>
+        </p:xfrm>
+        <a:graphic>
+          <a:graphicData uri="http://schemas.openxmlformats.org/drawingml/2006/table">
+            <a:tbl>
+              <a:tblPr firstRow="1" bandRow="1">
+                <a:tableStyleId>{5940675A-B579-460E-94D1-54222C63F5DA}</a:tableStyleId>
+              </a:tblPr>
+              <a:tblGrid>
+                <a:gridCol w="1510472">
+                  <a:extLst>
+                    <a:ext uri="{9D8B030D-6E8A-4147-A177-3AD203B41FA5}">
+                      <a16:colId xmlns:a16="http://schemas.microsoft.com/office/drawing/2014/main" val="20000"/>
+                    </a:ext>
+                  </a:extLst>
+                </a:gridCol>
+                <a:gridCol w="1510472">
+                  <a:extLst>
+                    <a:ext uri="{9D8B030D-6E8A-4147-A177-3AD203B41FA5}">
+                      <a16:colId xmlns:a16="http://schemas.microsoft.com/office/drawing/2014/main" val="20001"/>
+                    </a:ext>
+                  </a:extLst>
+                </a:gridCol>
+                <a:gridCol w="1510472">
+                  <a:extLst>
+                    <a:ext uri="{9D8B030D-6E8A-4147-A177-3AD203B41FA5}">
+                      <a16:colId xmlns:a16="http://schemas.microsoft.com/office/drawing/2014/main" val="20002"/>
+                    </a:ext>
+                  </a:extLst>
+                </a:gridCol>
+                <a:gridCol w="1510472">
+                  <a:extLst>
+                    <a:ext uri="{9D8B030D-6E8A-4147-A177-3AD203B41FA5}">
+                      <a16:colId xmlns:a16="http://schemas.microsoft.com/office/drawing/2014/main" val="20003"/>
+                    </a:ext>
+                  </a:extLst>
+                </a:gridCol>
+                <a:gridCol w="1510472">
+                  <a:extLst>
+                    <a:ext uri="{9D8B030D-6E8A-4147-A177-3AD203B41FA5}">
+                      <a16:colId xmlns:a16="http://schemas.microsoft.com/office/drawing/2014/main" val="20004"/>
+                    </a:ext>
+                  </a:extLst>
+                </a:gridCol>
+                <a:gridCol w="1510472">
+                  <a:extLst>
+                    <a:ext uri="{9D8B030D-6E8A-4147-A177-3AD203B41FA5}">
+                      <a16:colId xmlns:a16="http://schemas.microsoft.com/office/drawing/2014/main" val="20005"/>
+                    </a:ext>
+                  </a:extLst>
+                </a:gridCol>
+                <a:gridCol w="1510472">
+                  <a:extLst>
+                    <a:ext uri="{9D8B030D-6E8A-4147-A177-3AD203B41FA5}">
+                      <a16:colId xmlns:a16="http://schemas.microsoft.com/office/drawing/2014/main" val="20006"/>
+                    </a:ext>
+                  </a:extLst>
+                </a:gridCol>
+              </a:tblGrid>
+              <a:tr h="348620">
+                <a:tc>
+                  <a:txBody>
+                    <a:bodyPr/>
+                    <a:lstStyle/>
+                    <a:p>
+                      <a:pPr algn="ctr"/>
+                      <a:r>
+                        <a:rPr lang="de-DE" sz="1000" dirty="0"/>
+                        <a:t>MONDAY</a:t>
+                      </a:r>
+                      <a:endParaRPr lang="de-DE" sz="1000" b="1" dirty="0"/>
+                    </a:p>
+                  </a:txBody>
+                  <a:tcPr marL="91441" marR="91441" anchor="ctr">
+                    <a:lnL w="12700" cmpd="sng">
+                      <a:noFill/>
+                    </a:lnL>
+                    <a:lnR w="12700" cmpd="sng">
+                      <a:noFill/>
+                    </a:lnR>
+                    <a:lnT w="12700" cmpd="sng">
+                      <a:noFill/>
+                    </a:lnT>
+                    <a:lnB w="6350" cap="flat" cmpd="sng" algn="ctr">
+                      <a:solidFill>
+                        <a:schemeClr val="accent3"/>
+                      </a:solidFill>
+                      <a:prstDash val="solid"/>
+                      <a:round/>
+                      <a:headEnd type="none" w="med" len="med"/>
+                      <a:tailEnd type="none" w="med" len="med"/>
+                    </a:lnB>
+                    <a:lnTlToBr w="12700" cmpd="sng">
+                      <a:noFill/>
+                      <a:prstDash val="solid"/>
+                    </a:lnTlToBr>
+                    <a:lnBlToTr w="12700" cmpd="sng">
+                      <a:noFill/>
+                      <a:prstDash val="solid"/>
+                    </a:lnBlToTr>
+                  </a:tcPr>
+                </a:tc>
+                <a:tc>
+                  <a:txBody>
+                    <a:bodyPr/>
+                    <a:lstStyle/>
+                    <a:p>
+                      <a:pPr algn="ctr"/>
+                      <a:r>
+                        <a:rPr lang="de-DE" sz="1000" dirty="0"/>
+                        <a:t>TUESDAY</a:t>
+                      </a:r>
+                      <a:endParaRPr lang="de-DE" sz="1000" b="1" dirty="0"/>
+                    </a:p>
+                  </a:txBody>
+                  <a:tcPr marL="91441" marR="91441" anchor="ctr">
+                    <a:lnL w="12700" cmpd="sng">
+                      <a:noFill/>
+                    </a:lnL>
+                    <a:lnR w="12700" cmpd="sng">
+                      <a:noFill/>
+                    </a:lnR>
+                    <a:lnT w="12700" cmpd="sng">
+                      <a:noFill/>
+                    </a:lnT>
+                    <a:lnB w="6350" cap="flat" cmpd="sng" algn="ctr">
+                      <a:solidFill>
+                        <a:schemeClr val="accent3"/>
+                      </a:solidFill>
+                      <a:prstDash val="solid"/>
+                      <a:round/>
+                      <a:headEnd type="none" w="med" len="med"/>
+                      <a:tailEnd type="none" w="med" len="med"/>
+                    </a:lnB>
+                    <a:lnTlToBr w="12700" cmpd="sng">
+                      <a:noFill/>
+                      <a:prstDash val="solid"/>
+                    </a:lnTlToBr>
+                    <a:lnBlToTr w="12700" cmpd="sng">
+                      <a:noFill/>
+                      <a:prstDash val="solid"/>
+                    </a:lnBlToTr>
+                  </a:tcPr>
+                </a:tc>
+                <a:tc>
+                  <a:txBody>
+                    <a:bodyPr/>
+                    <a:lstStyle/>
+                    <a:p>
+                      <a:pPr algn="ctr"/>
+                      <a:r>
+                        <a:rPr lang="de-DE" sz="1000" dirty="0"/>
+                        <a:t>WEDNESDAY</a:t>
+                      </a:r>
+                      <a:endParaRPr lang="de-DE" sz="1000" b="1" dirty="0"/>
+                    </a:p>
+                  </a:txBody>
+                  <a:tcPr marL="91441" marR="91441" anchor="ctr">
+                    <a:lnL w="12700" cmpd="sng">
+                      <a:noFill/>
+                    </a:lnL>
+                    <a:lnR w="12700" cmpd="sng">
+                      <a:noFill/>
+                    </a:lnR>
+                    <a:lnT w="12700" cmpd="sng">
+                      <a:noFill/>
+                    </a:lnT>
+                    <a:lnB w="6350" cap="flat" cmpd="sng" algn="ctr">
+                      <a:solidFill>
+                        <a:schemeClr val="accent3"/>
+                      </a:solidFill>
+                      <a:prstDash val="solid"/>
+                      <a:round/>
+                      <a:headEnd type="none" w="med" len="med"/>
+                      <a:tailEnd type="none" w="med" len="med"/>
+                    </a:lnB>
+                    <a:lnTlToBr w="12700" cmpd="sng">
+                      <a:noFill/>
+                      <a:prstDash val="solid"/>
+                    </a:lnTlToBr>
+                    <a:lnBlToTr w="12700" cmpd="sng">
+                      <a:noFill/>
+                      <a:prstDash val="solid"/>
+                    </a:lnBlToTr>
+                  </a:tcPr>
+                </a:tc>
+                <a:tc>
+                  <a:txBody>
+                    <a:bodyPr/>
+                    <a:lstStyle/>
+                    <a:p>
+                      <a:pPr algn="ctr"/>
+                      <a:r>
+                        <a:rPr lang="de-DE" sz="1000" dirty="0"/>
+                        <a:t>THURSDAY</a:t>
+                      </a:r>
+                      <a:endParaRPr lang="de-DE" sz="1000" b="1" dirty="0"/>
+                    </a:p>
+                  </a:txBody>
+                  <a:tcPr marL="91441" marR="91441" anchor="ctr">
+                    <a:lnL w="12700" cmpd="sng">
+                      <a:noFill/>
+                    </a:lnL>
+                    <a:lnR w="12700" cmpd="sng">
+                      <a:noFill/>
+                    </a:lnR>
+                    <a:lnT w="12700" cmpd="sng">
+                      <a:noFill/>
+                    </a:lnT>
+                    <a:lnB w="6350" cap="flat" cmpd="sng" algn="ctr">
+                      <a:solidFill>
+                        <a:schemeClr val="accent3"/>
+                      </a:solidFill>
+                      <a:prstDash val="solid"/>
+                      <a:round/>
+                      <a:headEnd type="none" w="med" len="med"/>
+                      <a:tailEnd type="none" w="med" len="med"/>
+                    </a:lnB>
+                    <a:lnTlToBr w="12700" cmpd="sng">
+                      <a:noFill/>
+                      <a:prstDash val="solid"/>
+                    </a:lnTlToBr>
+                    <a:lnBlToTr w="12700" cmpd="sng">
+                      <a:noFill/>
+                      <a:prstDash val="solid"/>
+                    </a:lnBlToTr>
+                  </a:tcPr>
+                </a:tc>
+                <a:tc>
+                  <a:txBody>
+                    <a:bodyPr/>
+                    <a:lstStyle/>
+                    <a:p>
+                      <a:pPr algn="ctr"/>
+                      <a:r>
+                        <a:rPr lang="de-DE" sz="1000" dirty="0"/>
+                        <a:t>FRIDAY</a:t>
+                      </a:r>
+                      <a:endParaRPr lang="de-DE" sz="1000" b="1" dirty="0"/>
+                    </a:p>
+                  </a:txBody>
+                  <a:tcPr marL="91441" marR="91441" anchor="ctr">
+                    <a:lnL w="12700" cmpd="sng">
+                      <a:noFill/>
+                    </a:lnL>
+                    <a:lnR w="12700" cmpd="sng">
+                      <a:noFill/>
+                    </a:lnR>
+                    <a:lnT w="12700" cmpd="sng">
+                      <a:noFill/>
+                    </a:lnT>
+                    <a:lnB w="6350" cap="flat" cmpd="sng" algn="ctr">
+                      <a:solidFill>
+                        <a:schemeClr val="accent3"/>
+                      </a:solidFill>
+                      <a:prstDash val="solid"/>
+                      <a:round/>
+                      <a:headEnd type="none" w="med" len="med"/>
+                      <a:tailEnd type="none" w="med" len="med"/>
+                    </a:lnB>
+                    <a:lnTlToBr w="12700" cmpd="sng">
+                      <a:noFill/>
+                      <a:prstDash val="solid"/>
+                    </a:lnTlToBr>
+                    <a:lnBlToTr w="12700" cmpd="sng">
+                      <a:noFill/>
+                      <a:prstDash val="solid"/>
+                    </a:lnBlToTr>
+                  </a:tcPr>
+                </a:tc>
+                <a:tc>
+                  <a:txBody>
+                    <a:bodyPr/>
+                    <a:lstStyle/>
+                    <a:p>
+                      <a:pPr algn="ctr"/>
+                      <a:r>
+                        <a:rPr lang="de-DE" sz="1000" dirty="0"/>
+                        <a:t>SATURDAY</a:t>
+                      </a:r>
+                      <a:endParaRPr lang="de-DE" sz="1000" b="1" dirty="0"/>
+                    </a:p>
+                  </a:txBody>
+                  <a:tcPr marL="91441" marR="91441" anchor="ctr">
+                    <a:lnL w="12700" cmpd="sng">
+                      <a:noFill/>
+                    </a:lnL>
+                    <a:lnR w="12700" cmpd="sng">
+                      <a:noFill/>
+                    </a:lnR>
+                    <a:lnT w="12700" cmpd="sng">
+                      <a:noFill/>
+                    </a:lnT>
+                    <a:lnB w="6350" cap="flat" cmpd="sng" algn="ctr">
+                      <a:solidFill>
+                        <a:schemeClr val="accent3"/>
+                      </a:solidFill>
+                      <a:prstDash val="solid"/>
+                      <a:round/>
+                      <a:headEnd type="none" w="med" len="med"/>
+                      <a:tailEnd type="none" w="med" len="med"/>
+                    </a:lnB>
+                    <a:lnTlToBr w="12700" cmpd="sng">
+                      <a:noFill/>
+                      <a:prstDash val="solid"/>
+                    </a:lnTlToBr>
+                    <a:lnBlToTr w="12700" cmpd="sng">
+                      <a:noFill/>
+                      <a:prstDash val="solid"/>
+                    </a:lnBlToTr>
+                  </a:tcPr>
+                </a:tc>
+                <a:tc>
+                  <a:txBody>
+                    <a:bodyPr/>
+                    <a:lstStyle/>
+                    <a:p>
+                      <a:pPr algn="ctr"/>
+                      <a:r>
+                        <a:rPr lang="de-DE" sz="1000" dirty="0"/>
+                        <a:t>SUNDAY</a:t>
+                      </a:r>
+                      <a:endParaRPr lang="de-DE" sz="1000" b="1" dirty="0"/>
+                    </a:p>
+                  </a:txBody>
+                  <a:tcPr marL="91441" marR="91441" anchor="ctr">
+                    <a:lnL w="12700" cmpd="sng">
+                      <a:noFill/>
+                    </a:lnL>
+                    <a:lnR w="12700" cmpd="sng">
+                      <a:noFill/>
+                    </a:lnR>
+                    <a:lnT w="12700" cmpd="sng">
+                      <a:noFill/>
+                    </a:lnT>
+                    <a:lnB w="6350" cap="flat" cmpd="sng" algn="ctr">
+                      <a:solidFill>
+                        <a:schemeClr val="accent3"/>
+                      </a:solidFill>
+                      <a:prstDash val="solid"/>
+                      <a:round/>
+                      <a:headEnd type="none" w="med" len="med"/>
+                      <a:tailEnd type="none" w="med" len="med"/>
+                    </a:lnB>
+                    <a:lnTlToBr w="12700" cmpd="sng">
+                      <a:noFill/>
+                      <a:prstDash val="solid"/>
+                    </a:lnTlToBr>
+                    <a:lnBlToTr w="12700" cmpd="sng">
+                      <a:noFill/>
+                      <a:prstDash val="solid"/>
+                    </a:lnBlToTr>
+                  </a:tcPr>
+                </a:tc>
+                <a:extLst>
+                  <a:ext uri="{0D108BD9-81ED-4DB2-BD59-A6C34878D82A}">
+                    <a16:rowId xmlns:a16="http://schemas.microsoft.com/office/drawing/2014/main" val="10000"/>
+                  </a:ext>
+                </a:extLst>
+              </a:tr>
+              <a:tr h="770356">
+                <a:tc>
+                  <a:txBody>
+                    <a:bodyPr/>
+                    <a:lstStyle/>
+                    <a:p>
+                      <a:pPr marL="45720" algn="l" rtl="0">
+                        <a:lnSpc>
+                          <a:spcPct val="130000"/>
+                        </a:lnSpc>
+                      </a:pPr>
+                      <a:endParaRPr lang="de-DE" sz="1200" kern="1200" dirty="0">
+                        <a:solidFill>
+                          <a:schemeClr val="dk1"/>
+                        </a:solidFill>
+                        <a:latin typeface="+mn-lt"/>
+                        <a:ea typeface="+mn-ea"/>
+                        <a:cs typeface="+mn-cs"/>
+                      </a:endParaRPr>
+                    </a:p>
+                  </a:txBody>
+                  <a:tcPr marL="91441" marR="91441">
+                    <a:lnL w="6350" cap="flat" cmpd="sng" algn="ctr">
+                      <a:solidFill>
+                        <a:schemeClr val="accent3"/>
+                      </a:solidFill>
+                      <a:prstDash val="solid"/>
+                      <a:round/>
+                      <a:headEnd type="none" w="med" len="med"/>
+                      <a:tailEnd type="none" w="med" len="med"/>
+                    </a:lnL>
+                    <a:lnR w="6350" cap="flat" cmpd="sng" algn="ctr">
+                      <a:solidFill>
+                        <a:schemeClr val="accent3"/>
+                      </a:solidFill>
+                      <a:prstDash val="solid"/>
+                      <a:round/>
+                      <a:headEnd type="none" w="med" len="med"/>
+                      <a:tailEnd type="none" w="med" len="med"/>
+                    </a:lnR>
+                    <a:lnT w="6350" cap="flat" cmpd="sng" algn="ctr">
+                      <a:solidFill>
+                        <a:schemeClr val="accent3"/>
+                      </a:solidFill>
+                      <a:prstDash val="solid"/>
+                      <a:round/>
+                      <a:headEnd type="none" w="med" len="med"/>
+                      <a:tailEnd type="none" w="med" len="med"/>
+                    </a:lnT>
+                    <a:lnB w="6350" cap="flat" cmpd="sng" algn="ctr">
+                      <a:solidFill>
+                        <a:schemeClr val="accent3"/>
+                      </a:solidFill>
+                      <a:prstDash val="solid"/>
+                      <a:round/>
+                      <a:headEnd type="none" w="med" len="med"/>
+                      <a:tailEnd type="none" w="med" len="med"/>
+                    </a:lnB>
+                  </a:tcPr>
+                </a:tc>
+                <a:tc>
+                  <a:txBody>
+                    <a:bodyPr/>
+                    <a:lstStyle/>
+                    <a:p>
+                      <a:pPr marL="45720" algn="l" rtl="0">
+                        <a:lnSpc>
+                          <a:spcPct val="130000"/>
+                        </a:lnSpc>
+                      </a:pPr>
+                      <a:endParaRPr lang="de-DE" sz="1200" kern="1200" dirty="0">
+                        <a:solidFill>
+                          <a:schemeClr val="dk1"/>
+                        </a:solidFill>
+                        <a:latin typeface="+mn-lt"/>
+                        <a:ea typeface="+mn-ea"/>
+                        <a:cs typeface="+mn-cs"/>
+                      </a:endParaRPr>
+                    </a:p>
+                  </a:txBody>
+                  <a:tcPr marL="91441" marR="91441">
+                    <a:lnL w="6350" cap="flat" cmpd="sng" algn="ctr">
+                      <a:solidFill>
+                        <a:schemeClr val="accent3"/>
+                      </a:solidFill>
+                      <a:prstDash val="solid"/>
+                      <a:round/>
+                      <a:headEnd type="none" w="med" len="med"/>
+                      <a:tailEnd type="none" w="med" len="med"/>
+                    </a:lnL>
+                    <a:lnR w="6350" cap="flat" cmpd="sng" algn="ctr">
+                      <a:solidFill>
+                        <a:schemeClr val="accent3"/>
+                      </a:solidFill>
+                      <a:prstDash val="solid"/>
+                      <a:round/>
+                      <a:headEnd type="none" w="med" len="med"/>
+                      <a:tailEnd type="none" w="med" len="med"/>
+                    </a:lnR>
+                    <a:lnT w="6350" cap="flat" cmpd="sng" algn="ctr">
+                      <a:solidFill>
+                        <a:schemeClr val="accent3"/>
+                      </a:solidFill>
+                      <a:prstDash val="solid"/>
+                      <a:round/>
+                      <a:headEnd type="none" w="med" len="med"/>
+                      <a:tailEnd type="none" w="med" len="med"/>
+                    </a:lnT>
+                    <a:lnB w="6350" cap="flat" cmpd="sng" algn="ctr">
+                      <a:solidFill>
+                        <a:schemeClr val="accent3"/>
+                      </a:solidFill>
+                      <a:prstDash val="solid"/>
+                      <a:round/>
+                      <a:headEnd type="none" w="med" len="med"/>
+                      <a:tailEnd type="none" w="med" len="med"/>
+                    </a:lnB>
+                  </a:tcPr>
+                </a:tc>
+                <a:tc>
+                  <a:txBody>
+                    <a:bodyPr/>
+                    <a:lstStyle/>
+                    <a:p>
+                      <a:pPr marL="45720" algn="l" rtl="0">
+                        <a:lnSpc>
+                          <a:spcPct val="130000"/>
+                        </a:lnSpc>
+                      </a:pPr>
+                      <a:endParaRPr lang="de-DE" sz="1200" kern="1200" dirty="0">
+                        <a:solidFill>
+                          <a:schemeClr val="dk1"/>
+                        </a:solidFill>
+                        <a:latin typeface="+mn-lt"/>
+                        <a:ea typeface="+mn-ea"/>
+                        <a:cs typeface="+mn-cs"/>
+                      </a:endParaRPr>
+                    </a:p>
+                  </a:txBody>
+                  <a:tcPr marL="91441" marR="91441">
+                    <a:lnL w="6350" cap="flat" cmpd="sng" algn="ctr">
+                      <a:solidFill>
+                        <a:schemeClr val="accent3"/>
+                      </a:solidFill>
+                      <a:prstDash val="solid"/>
+                      <a:round/>
+                      <a:headEnd type="none" w="med" len="med"/>
+                      <a:tailEnd type="none" w="med" len="med"/>
+                    </a:lnL>
+                    <a:lnR w="6350" cap="flat" cmpd="sng" algn="ctr">
+                      <a:solidFill>
+                        <a:schemeClr val="accent3"/>
+                      </a:solidFill>
+                      <a:prstDash val="solid"/>
+                      <a:round/>
+                      <a:headEnd type="none" w="med" len="med"/>
+                      <a:tailEnd type="none" w="med" len="med"/>
+                    </a:lnR>
+                    <a:lnT w="6350" cap="flat" cmpd="sng" algn="ctr">
+                      <a:solidFill>
+                        <a:schemeClr val="accent3"/>
+                      </a:solidFill>
+                      <a:prstDash val="solid"/>
+                      <a:round/>
+                      <a:headEnd type="none" w="med" len="med"/>
+                      <a:tailEnd type="none" w="med" len="med"/>
+                    </a:lnT>
+                    <a:lnB w="6350" cap="flat" cmpd="sng" algn="ctr">
+                      <a:solidFill>
+                        <a:schemeClr val="accent3"/>
+                      </a:solidFill>
+                      <a:prstDash val="solid"/>
+                      <a:round/>
+                      <a:headEnd type="none" w="med" len="med"/>
+                      <a:tailEnd type="none" w="med" len="med"/>
+                    </a:lnB>
+                  </a:tcPr>
+                </a:tc>
+                <a:tc>
+                  <a:txBody>
+                    <a:bodyPr/>
+                    <a:lstStyle/>
+                    <a:p>
+                      <a:pPr marL="45720" algn="l" rtl="0">
+                        <a:lnSpc>
+                          <a:spcPct val="130000"/>
+                        </a:lnSpc>
+                      </a:pPr>
+                      <a:endParaRPr lang="de-DE" sz="1200" kern="1200" dirty="0">
+                        <a:solidFill>
+                          <a:schemeClr val="dk1"/>
+                        </a:solidFill>
+                        <a:latin typeface="+mn-lt"/>
+                        <a:ea typeface="+mn-ea"/>
+                        <a:cs typeface="+mn-cs"/>
+                      </a:endParaRPr>
+                    </a:p>
+                  </a:txBody>
+                  <a:tcPr marL="91441" marR="91441">
+                    <a:lnL w="6350" cap="flat" cmpd="sng" algn="ctr">
+                      <a:solidFill>
+                        <a:schemeClr val="accent3"/>
+                      </a:solidFill>
+                      <a:prstDash val="solid"/>
+                      <a:round/>
+                      <a:headEnd type="none" w="med" len="med"/>
+                      <a:tailEnd type="none" w="med" len="med"/>
+                    </a:lnL>
+                    <a:lnR w="6350" cap="flat" cmpd="sng" algn="ctr">
+                      <a:solidFill>
+                        <a:schemeClr val="accent3"/>
+                      </a:solidFill>
+                      <a:prstDash val="solid"/>
+                      <a:round/>
+                      <a:headEnd type="none" w="med" len="med"/>
+                      <a:tailEnd type="none" w="med" len="med"/>
+                    </a:lnR>
+                    <a:lnT w="6350" cap="flat" cmpd="sng" algn="ctr">
+                      <a:solidFill>
+                        <a:schemeClr val="accent3"/>
+                      </a:solidFill>
+                      <a:prstDash val="solid"/>
+                      <a:round/>
+                      <a:headEnd type="none" w="med" len="med"/>
+                      <a:tailEnd type="none" w="med" len="med"/>
+                    </a:lnT>
+                    <a:lnB w="6350" cap="flat" cmpd="sng" algn="ctr">
+                      <a:solidFill>
+                        <a:schemeClr val="accent3"/>
+                      </a:solidFill>
+                      <a:prstDash val="solid"/>
+                      <a:round/>
+                      <a:headEnd type="none" w="med" len="med"/>
+                      <a:tailEnd type="none" w="med" len="med"/>
+                    </a:lnB>
+                  </a:tcPr>
+                </a:tc>
+                <a:tc>
+                  <a:txBody>
+                    <a:bodyPr/>
+                    <a:lstStyle/>
+                    <a:p>
+                      <a:pPr marL="45720" algn="l" rtl="0">
+                        <a:lnSpc>
+                          <a:spcPct val="130000"/>
+                        </a:lnSpc>
+                      </a:pPr>
+                      <a:r>
+                        <a:rPr lang="de-DE" sz="1200" kern="1200" dirty="0">
+                          <a:solidFill>
+                            <a:schemeClr val="dk1"/>
+                          </a:solidFill>
+                          <a:latin typeface="+mn-lt"/>
+                          <a:ea typeface="+mn-ea"/>
+                          <a:cs typeface="+mn-cs"/>
+                        </a:rPr>
+                        <a:t>1</a:t>
+                      </a:r>
+                    </a:p>
+                  </a:txBody>
+                  <a:tcPr marL="91441" marR="91441">
+                    <a:lnL w="6350" cap="flat" cmpd="sng" algn="ctr">
+                      <a:solidFill>
+                        <a:schemeClr val="accent3"/>
+                      </a:solidFill>
+                      <a:prstDash val="solid"/>
+                      <a:round/>
+                      <a:headEnd type="none" w="med" len="med"/>
+                      <a:tailEnd type="none" w="med" len="med"/>
+                    </a:lnL>
+                    <a:lnR w="6350" cap="flat" cmpd="sng" algn="ctr">
+                      <a:solidFill>
+                        <a:schemeClr val="accent3"/>
+                      </a:solidFill>
+                      <a:prstDash val="solid"/>
+                      <a:round/>
+                      <a:headEnd type="none" w="med" len="med"/>
+                      <a:tailEnd type="none" w="med" len="med"/>
+                    </a:lnR>
+                    <a:lnT w="6350" cap="flat" cmpd="sng" algn="ctr">
+                      <a:solidFill>
+                        <a:schemeClr val="accent3"/>
+                      </a:solidFill>
+                      <a:prstDash val="solid"/>
+                      <a:round/>
+                      <a:headEnd type="none" w="med" len="med"/>
+                      <a:tailEnd type="none" w="med" len="med"/>
+                    </a:lnT>
+                    <a:lnB w="6350" cap="flat" cmpd="sng" algn="ctr">
+                      <a:solidFill>
+                        <a:schemeClr val="accent3"/>
+                      </a:solidFill>
+                      <a:prstDash val="solid"/>
+                      <a:round/>
+                      <a:headEnd type="none" w="med" len="med"/>
+                      <a:tailEnd type="none" w="med" len="med"/>
+                    </a:lnB>
+                  </a:tcPr>
+                </a:tc>
+                <a:tc>
+                  <a:txBody>
+                    <a:bodyPr/>
+                    <a:lstStyle/>
+                    <a:p>
+                      <a:pPr marL="45720" algn="l" rtl="0">
+                        <a:lnSpc>
+                          <a:spcPct val="130000"/>
+                        </a:lnSpc>
+                      </a:pPr>
+                      <a:r>
+                        <a:rPr lang="de-DE" sz="1200" kern="1200" dirty="0">
+                          <a:solidFill>
+                            <a:schemeClr val="dk1"/>
+                          </a:solidFill>
+                          <a:latin typeface="+mn-lt"/>
+                          <a:ea typeface="+mn-ea"/>
+                          <a:cs typeface="+mn-cs"/>
+                        </a:rPr>
+                        <a:t>2</a:t>
+                      </a:r>
+                    </a:p>
+                  </a:txBody>
+                  <a:tcPr marL="91441" marR="91441">
+                    <a:lnL w="6350" cap="flat" cmpd="sng" algn="ctr">
+                      <a:solidFill>
+                        <a:schemeClr val="accent3"/>
+                      </a:solidFill>
+                      <a:prstDash val="solid"/>
+                      <a:round/>
+                      <a:headEnd type="none" w="med" len="med"/>
+                      <a:tailEnd type="none" w="med" len="med"/>
+                    </a:lnL>
+                    <a:lnR w="6350" cap="flat" cmpd="sng" algn="ctr">
+                      <a:solidFill>
+                        <a:schemeClr val="accent3"/>
+                      </a:solidFill>
+                      <a:prstDash val="solid"/>
+                      <a:round/>
+                      <a:headEnd type="none" w="med" len="med"/>
+                      <a:tailEnd type="none" w="med" len="med"/>
+                    </a:lnR>
+                    <a:lnT w="6350" cap="flat" cmpd="sng" algn="ctr">
+                      <a:solidFill>
+                        <a:schemeClr val="accent3"/>
+                      </a:solidFill>
+                      <a:prstDash val="solid"/>
+                      <a:round/>
+                      <a:headEnd type="none" w="med" len="med"/>
+                      <a:tailEnd type="none" w="med" len="med"/>
+                    </a:lnT>
+                    <a:lnB w="6350" cap="flat" cmpd="sng" algn="ctr">
+                      <a:solidFill>
+                        <a:schemeClr val="accent3"/>
+                      </a:solidFill>
+                      <a:prstDash val="solid"/>
+                      <a:round/>
+                      <a:headEnd type="none" w="med" len="med"/>
+                      <a:tailEnd type="none" w="med" len="med"/>
+                    </a:lnB>
+                  </a:tcPr>
+                </a:tc>
+                <a:tc>
+                  <a:txBody>
+                    <a:bodyPr/>
+                    <a:lstStyle/>
+                    <a:p>
+                      <a:pPr marL="45720" algn="l" rtl="0">
+                        <a:lnSpc>
+                          <a:spcPct val="130000"/>
+                        </a:lnSpc>
+                      </a:pPr>
+                      <a:r>
+                        <a:rPr lang="de-DE" sz="1200" kern="1200" dirty="0">
+                          <a:solidFill>
+                            <a:schemeClr val="dk1"/>
+                          </a:solidFill>
+                          <a:latin typeface="+mn-lt"/>
+                          <a:ea typeface="+mn-ea"/>
+                          <a:cs typeface="+mn-cs"/>
+                        </a:rPr>
+                        <a:t>3</a:t>
+                      </a:r>
+                    </a:p>
+                  </a:txBody>
+                  <a:tcPr marL="91441" marR="91441">
+                    <a:lnL w="6350" cap="flat" cmpd="sng" algn="ctr">
+                      <a:solidFill>
+                        <a:schemeClr val="accent3"/>
+                      </a:solidFill>
+                      <a:prstDash val="solid"/>
+                      <a:round/>
+                      <a:headEnd type="none" w="med" len="med"/>
+                      <a:tailEnd type="none" w="med" len="med"/>
+                    </a:lnL>
+                    <a:lnR w="6350" cap="flat" cmpd="sng" algn="ctr">
+                      <a:solidFill>
+                        <a:schemeClr val="accent3"/>
+                      </a:solidFill>
+                      <a:prstDash val="solid"/>
+                      <a:round/>
+                      <a:headEnd type="none" w="med" len="med"/>
+                      <a:tailEnd type="none" w="med" len="med"/>
+                    </a:lnR>
+                    <a:lnT w="6350" cap="flat" cmpd="sng" algn="ctr">
+                      <a:solidFill>
+                        <a:schemeClr val="accent3"/>
+                      </a:solidFill>
+                      <a:prstDash val="solid"/>
+                      <a:round/>
+                      <a:headEnd type="none" w="med" len="med"/>
+                      <a:tailEnd type="none" w="med" len="med"/>
+                    </a:lnT>
+                    <a:lnB w="6350" cap="flat" cmpd="sng" algn="ctr">
+                      <a:solidFill>
+                        <a:schemeClr val="accent3"/>
+                      </a:solidFill>
+                      <a:prstDash val="solid"/>
+                      <a:round/>
+                      <a:headEnd type="none" w="med" len="med"/>
+                      <a:tailEnd type="none" w="med" len="med"/>
+                    </a:lnB>
+                  </a:tcPr>
+                </a:tc>
+                <a:extLst>
+                  <a:ext uri="{0D108BD9-81ED-4DB2-BD59-A6C34878D82A}">
+                    <a16:rowId xmlns:a16="http://schemas.microsoft.com/office/drawing/2014/main" val="10001"/>
+                  </a:ext>
+                </a:extLst>
+              </a:tr>
+              <a:tr h="770356">
+                <a:tc>
+                  <a:txBody>
+                    <a:bodyPr/>
+                    <a:lstStyle/>
+                    <a:p>
+                      <a:pPr marL="45720" algn="l" rtl="0">
+                        <a:lnSpc>
+                          <a:spcPct val="130000"/>
+                        </a:lnSpc>
+                      </a:pPr>
+                      <a:r>
+                        <a:rPr lang="de-DE" sz="1200" kern="1200" dirty="0">
+                          <a:solidFill>
+                            <a:schemeClr val="dk1"/>
+                          </a:solidFill>
+                          <a:latin typeface="+mn-lt"/>
+                          <a:ea typeface="+mn-ea"/>
+                          <a:cs typeface="+mn-cs"/>
+                        </a:rPr>
+                        <a:t>4</a:t>
+                      </a:r>
+                    </a:p>
+                  </a:txBody>
+                  <a:tcPr marL="91441" marR="91441">
+                    <a:lnL w="6350" cap="flat" cmpd="sng" algn="ctr">
+                      <a:solidFill>
+                        <a:schemeClr val="accent3"/>
+                      </a:solidFill>
+                      <a:prstDash val="solid"/>
+                      <a:round/>
+                      <a:headEnd type="none" w="med" len="med"/>
+                      <a:tailEnd type="none" w="med" len="med"/>
+                    </a:lnL>
+                    <a:lnR w="6350" cap="flat" cmpd="sng" algn="ctr">
+                      <a:solidFill>
+                        <a:schemeClr val="accent3"/>
+                      </a:solidFill>
+                      <a:prstDash val="solid"/>
+                      <a:round/>
+                      <a:headEnd type="none" w="med" len="med"/>
+                      <a:tailEnd type="none" w="med" len="med"/>
+                    </a:lnR>
+                    <a:lnT w="6350" cap="flat" cmpd="sng" algn="ctr">
+                      <a:solidFill>
+                        <a:schemeClr val="accent3"/>
+                      </a:solidFill>
+                      <a:prstDash val="solid"/>
+                      <a:round/>
+                      <a:headEnd type="none" w="med" len="med"/>
+                      <a:tailEnd type="none" w="med" len="med"/>
+                    </a:lnT>
+                    <a:lnB w="6350" cap="flat" cmpd="sng" algn="ctr">
+                      <a:solidFill>
+                        <a:schemeClr val="accent3"/>
+                      </a:solidFill>
+                      <a:prstDash val="solid"/>
+                      <a:round/>
+                      <a:headEnd type="none" w="med" len="med"/>
+                      <a:tailEnd type="none" w="med" len="med"/>
+                    </a:lnB>
+                  </a:tcPr>
+                </a:tc>
+                <a:tc>
+                  <a:txBody>
+                    <a:bodyPr/>
+                    <a:lstStyle/>
+                    <a:p>
+                      <a:pPr marL="45720" algn="l" rtl="0">
+                        <a:lnSpc>
+                          <a:spcPct val="130000"/>
+                        </a:lnSpc>
+                      </a:pPr>
+                      <a:r>
+                        <a:rPr lang="de-DE" sz="1200" kern="1200" dirty="0">
+                          <a:solidFill>
+                            <a:schemeClr val="dk1"/>
+                          </a:solidFill>
+                          <a:latin typeface="+mn-lt"/>
+                          <a:ea typeface="+mn-ea"/>
+                          <a:cs typeface="+mn-cs"/>
+                        </a:rPr>
+                        <a:t>5</a:t>
+                      </a:r>
+                    </a:p>
+                  </a:txBody>
+                  <a:tcPr marL="91441" marR="91441">
+                    <a:lnL w="6350" cap="flat" cmpd="sng" algn="ctr">
+                      <a:solidFill>
+                        <a:schemeClr val="accent3"/>
+                      </a:solidFill>
+                      <a:prstDash val="solid"/>
+                      <a:round/>
+                      <a:headEnd type="none" w="med" len="med"/>
+                      <a:tailEnd type="none" w="med" len="med"/>
+                    </a:lnL>
+                    <a:lnR w="6350" cap="flat" cmpd="sng" algn="ctr">
+                      <a:solidFill>
+                        <a:schemeClr val="accent3"/>
+                      </a:solidFill>
+                      <a:prstDash val="solid"/>
+                      <a:round/>
+                      <a:headEnd type="none" w="med" len="med"/>
+                      <a:tailEnd type="none" w="med" len="med"/>
+                    </a:lnR>
+                    <a:lnT w="6350" cap="flat" cmpd="sng" algn="ctr">
+                      <a:solidFill>
+                        <a:schemeClr val="accent3"/>
+                      </a:solidFill>
+                      <a:prstDash val="solid"/>
+                      <a:round/>
+                      <a:headEnd type="none" w="med" len="med"/>
+                      <a:tailEnd type="none" w="med" len="med"/>
+                    </a:lnT>
+                    <a:lnB w="6350" cap="flat" cmpd="sng" algn="ctr">
+                      <a:solidFill>
+                        <a:schemeClr val="accent3"/>
+                      </a:solidFill>
+                      <a:prstDash val="solid"/>
+                      <a:round/>
+                      <a:headEnd type="none" w="med" len="med"/>
+                      <a:tailEnd type="none" w="med" len="med"/>
+                    </a:lnB>
+                  </a:tcPr>
+                </a:tc>
+                <a:tc>
+                  <a:txBody>
+                    <a:bodyPr/>
+                    <a:lstStyle/>
+                    <a:p>
+                      <a:pPr marL="45720" algn="l" rtl="0">
+                        <a:lnSpc>
+                          <a:spcPct val="130000"/>
+                        </a:lnSpc>
+                      </a:pPr>
+                      <a:r>
+                        <a:rPr lang="de-DE" sz="1200" kern="1200" dirty="0">
+                          <a:solidFill>
+                            <a:schemeClr val="dk1"/>
+                          </a:solidFill>
+                          <a:latin typeface="+mn-lt"/>
+                          <a:ea typeface="+mn-ea"/>
+                          <a:cs typeface="+mn-cs"/>
+                        </a:rPr>
+                        <a:t>6</a:t>
+                      </a:r>
+                    </a:p>
+                  </a:txBody>
+                  <a:tcPr marL="91441" marR="91441">
+                    <a:lnL w="6350" cap="flat" cmpd="sng" algn="ctr">
+                      <a:solidFill>
+                        <a:schemeClr val="accent3"/>
+                      </a:solidFill>
+                      <a:prstDash val="solid"/>
+                      <a:round/>
+                      <a:headEnd type="none" w="med" len="med"/>
+                      <a:tailEnd type="none" w="med" len="med"/>
+                    </a:lnL>
+                    <a:lnR w="6350" cap="flat" cmpd="sng" algn="ctr">
+                      <a:solidFill>
+                        <a:schemeClr val="accent3"/>
+                      </a:solidFill>
+                      <a:prstDash val="solid"/>
+                      <a:round/>
+                      <a:headEnd type="none" w="med" len="med"/>
+                      <a:tailEnd type="none" w="med" len="med"/>
+                    </a:lnR>
+                    <a:lnT w="6350" cap="flat" cmpd="sng" algn="ctr">
+                      <a:solidFill>
+                        <a:schemeClr val="accent3"/>
+                      </a:solidFill>
+                      <a:prstDash val="solid"/>
+                      <a:round/>
+                      <a:headEnd type="none" w="med" len="med"/>
+                      <a:tailEnd type="none" w="med" len="med"/>
+                    </a:lnT>
+                    <a:lnB w="6350" cap="flat" cmpd="sng" algn="ctr">
+                      <a:solidFill>
+                        <a:schemeClr val="accent3"/>
+                      </a:solidFill>
+                      <a:prstDash val="solid"/>
+                      <a:round/>
+                      <a:headEnd type="none" w="med" len="med"/>
+                      <a:tailEnd type="none" w="med" len="med"/>
+                    </a:lnB>
+                  </a:tcPr>
+                </a:tc>
+                <a:tc>
+                  <a:txBody>
+                    <a:bodyPr/>
+                    <a:lstStyle/>
+                    <a:p>
+                      <a:pPr marL="45720" algn="l" rtl="0">
+                        <a:lnSpc>
+                          <a:spcPct val="130000"/>
+                        </a:lnSpc>
+                      </a:pPr>
+                      <a:r>
+                        <a:rPr lang="de-DE" sz="1200" kern="1200" dirty="0">
+                          <a:solidFill>
+                            <a:schemeClr val="dk1"/>
+                          </a:solidFill>
+                          <a:latin typeface="+mn-lt"/>
+                          <a:ea typeface="+mn-ea"/>
+                          <a:cs typeface="+mn-cs"/>
+                        </a:rPr>
+                        <a:t>7</a:t>
+                      </a:r>
+                    </a:p>
+                  </a:txBody>
+                  <a:tcPr marL="91441" marR="91441">
+                    <a:lnL w="6350" cap="flat" cmpd="sng" algn="ctr">
+                      <a:solidFill>
+                        <a:schemeClr val="accent3"/>
+                      </a:solidFill>
+                      <a:prstDash val="solid"/>
+                      <a:round/>
+                      <a:headEnd type="none" w="med" len="med"/>
+                      <a:tailEnd type="none" w="med" len="med"/>
+                    </a:lnL>
+                    <a:lnR w="6350" cap="flat" cmpd="sng" algn="ctr">
+                      <a:solidFill>
+                        <a:schemeClr val="accent3"/>
+                      </a:solidFill>
+                      <a:prstDash val="solid"/>
+                      <a:round/>
+                      <a:headEnd type="none" w="med" len="med"/>
+                      <a:tailEnd type="none" w="med" len="med"/>
+                    </a:lnR>
+                    <a:lnT w="6350" cap="flat" cmpd="sng" algn="ctr">
+                      <a:solidFill>
+                        <a:schemeClr val="accent3"/>
+                      </a:solidFill>
+                      <a:prstDash val="solid"/>
+                      <a:round/>
+                      <a:headEnd type="none" w="med" len="med"/>
+                      <a:tailEnd type="none" w="med" len="med"/>
+                    </a:lnT>
+                    <a:lnB w="6350" cap="flat" cmpd="sng" algn="ctr">
+                      <a:solidFill>
+                        <a:schemeClr val="accent3"/>
+                      </a:solidFill>
+                      <a:prstDash val="solid"/>
+                      <a:round/>
+                      <a:headEnd type="none" w="med" len="med"/>
+                      <a:tailEnd type="none" w="med" len="med"/>
+                    </a:lnB>
+                  </a:tcPr>
+                </a:tc>
+                <a:tc>
+                  <a:txBody>
+                    <a:bodyPr/>
+                    <a:lstStyle/>
+                    <a:p>
+                      <a:pPr marL="45720" algn="l" rtl="0">
+                        <a:lnSpc>
+                          <a:spcPct val="130000"/>
+                        </a:lnSpc>
+                      </a:pPr>
+                      <a:r>
+                        <a:rPr lang="de-DE" sz="1200" kern="1200" dirty="0">
+                          <a:solidFill>
+                            <a:schemeClr val="dk1"/>
+                          </a:solidFill>
+                          <a:latin typeface="+mn-lt"/>
+                          <a:ea typeface="+mn-ea"/>
+                          <a:cs typeface="+mn-cs"/>
+                        </a:rPr>
+                        <a:t>8</a:t>
+                      </a:r>
+                    </a:p>
+                  </a:txBody>
+                  <a:tcPr marL="91441" marR="91441">
+                    <a:lnL w="6350" cap="flat" cmpd="sng" algn="ctr">
+                      <a:solidFill>
+                        <a:schemeClr val="accent3"/>
+                      </a:solidFill>
+                      <a:prstDash val="solid"/>
+                      <a:round/>
+                      <a:headEnd type="none" w="med" len="med"/>
+                      <a:tailEnd type="none" w="med" len="med"/>
+                    </a:lnL>
+                    <a:lnR w="6350" cap="flat" cmpd="sng" algn="ctr">
+                      <a:solidFill>
+                        <a:schemeClr val="accent3"/>
+                      </a:solidFill>
+                      <a:prstDash val="solid"/>
+                      <a:round/>
+                      <a:headEnd type="none" w="med" len="med"/>
+                      <a:tailEnd type="none" w="med" len="med"/>
+                    </a:lnR>
+                    <a:lnT w="6350" cap="flat" cmpd="sng" algn="ctr">
+                      <a:solidFill>
+                        <a:schemeClr val="accent3"/>
+                      </a:solidFill>
+                      <a:prstDash val="solid"/>
+                      <a:round/>
+                      <a:headEnd type="none" w="med" len="med"/>
+                      <a:tailEnd type="none" w="med" len="med"/>
+                    </a:lnT>
+                    <a:lnB w="6350" cap="flat" cmpd="sng" algn="ctr">
+                      <a:solidFill>
+                        <a:schemeClr val="accent3"/>
+                      </a:solidFill>
+                      <a:prstDash val="solid"/>
+                      <a:round/>
+                      <a:headEnd type="none" w="med" len="med"/>
+                      <a:tailEnd type="none" w="med" len="med"/>
+                    </a:lnB>
+                  </a:tcPr>
+                </a:tc>
+                <a:tc>
+                  <a:txBody>
+                    <a:bodyPr/>
+                    <a:lstStyle/>
+                    <a:p>
+                      <a:pPr marL="45720" algn="l" rtl="0">
+                        <a:lnSpc>
+                          <a:spcPct val="130000"/>
+                        </a:lnSpc>
+                      </a:pPr>
+                      <a:r>
+                        <a:rPr lang="de-DE" sz="1200" kern="1200" dirty="0">
+                          <a:solidFill>
+                            <a:schemeClr val="dk1"/>
+                          </a:solidFill>
+                          <a:latin typeface="+mn-lt"/>
+                          <a:ea typeface="+mn-ea"/>
+                          <a:cs typeface="+mn-cs"/>
+                        </a:rPr>
+                        <a:t>9</a:t>
+                      </a:r>
+                    </a:p>
+                  </a:txBody>
+                  <a:tcPr marL="91441" marR="91441">
+                    <a:lnL w="6350" cap="flat" cmpd="sng" algn="ctr">
+                      <a:solidFill>
+                        <a:schemeClr val="accent3"/>
+                      </a:solidFill>
+                      <a:prstDash val="solid"/>
+                      <a:round/>
+                      <a:headEnd type="none" w="med" len="med"/>
+                      <a:tailEnd type="none" w="med" len="med"/>
+                    </a:lnL>
+                    <a:lnR w="6350" cap="flat" cmpd="sng" algn="ctr">
+                      <a:solidFill>
+                        <a:schemeClr val="accent3"/>
+                      </a:solidFill>
+                      <a:prstDash val="solid"/>
+                      <a:round/>
+                      <a:headEnd type="none" w="med" len="med"/>
+                      <a:tailEnd type="none" w="med" len="med"/>
+                    </a:lnR>
+                    <a:lnT w="6350" cap="flat" cmpd="sng" algn="ctr">
+                      <a:solidFill>
+                        <a:schemeClr val="accent3"/>
+                      </a:solidFill>
+                      <a:prstDash val="solid"/>
+                      <a:round/>
+                      <a:headEnd type="none" w="med" len="med"/>
+                      <a:tailEnd type="none" w="med" len="med"/>
+                    </a:lnT>
+                    <a:lnB w="6350" cap="flat" cmpd="sng" algn="ctr">
+                      <a:solidFill>
+                        <a:schemeClr val="accent3"/>
+                      </a:solidFill>
+                      <a:prstDash val="solid"/>
+                      <a:round/>
+                      <a:headEnd type="none" w="med" len="med"/>
+                      <a:tailEnd type="none" w="med" len="med"/>
+                    </a:lnB>
+                  </a:tcPr>
+                </a:tc>
+                <a:tc>
+                  <a:txBody>
+                    <a:bodyPr/>
+                    <a:lstStyle/>
+                    <a:p>
+                      <a:pPr marL="45720" algn="l" rtl="0">
+                        <a:lnSpc>
+                          <a:spcPct val="130000"/>
+                        </a:lnSpc>
+                      </a:pPr>
+                      <a:r>
+                        <a:rPr lang="de-DE" sz="1200" kern="1200" dirty="0"/>
+                        <a:t>10</a:t>
+                      </a:r>
+                      <a:endParaRPr lang="de-DE" sz="1200" kern="1200" dirty="0">
+                        <a:solidFill>
+                          <a:schemeClr val="dk1"/>
+                        </a:solidFill>
+                        <a:latin typeface="+mn-lt"/>
+                        <a:ea typeface="+mn-ea"/>
+                        <a:cs typeface="+mn-cs"/>
+                      </a:endParaRPr>
+                    </a:p>
+                  </a:txBody>
+                  <a:tcPr marL="91441" marR="91441">
+                    <a:lnL w="6350" cap="flat" cmpd="sng" algn="ctr">
+                      <a:solidFill>
+                        <a:schemeClr val="accent3"/>
+                      </a:solidFill>
+                      <a:prstDash val="solid"/>
+                      <a:round/>
+                      <a:headEnd type="none" w="med" len="med"/>
+                      <a:tailEnd type="none" w="med" len="med"/>
+                    </a:lnL>
+                    <a:lnR w="6350" cap="flat" cmpd="sng" algn="ctr">
+                      <a:solidFill>
+                        <a:schemeClr val="accent3"/>
+                      </a:solidFill>
+                      <a:prstDash val="solid"/>
+                      <a:round/>
+                      <a:headEnd type="none" w="med" len="med"/>
+                      <a:tailEnd type="none" w="med" len="med"/>
+                    </a:lnR>
+                    <a:lnT w="6350" cap="flat" cmpd="sng" algn="ctr">
+                      <a:solidFill>
+                        <a:schemeClr val="accent3"/>
+                      </a:solidFill>
+                      <a:prstDash val="solid"/>
+                      <a:round/>
+                      <a:headEnd type="none" w="med" len="med"/>
+                      <a:tailEnd type="none" w="med" len="med"/>
+                    </a:lnT>
+                    <a:lnB w="6350" cap="flat" cmpd="sng" algn="ctr">
+                      <a:solidFill>
+                        <a:schemeClr val="accent3"/>
+                      </a:solidFill>
+                      <a:prstDash val="solid"/>
+                      <a:round/>
+                      <a:headEnd type="none" w="med" len="med"/>
+                      <a:tailEnd type="none" w="med" len="med"/>
+                    </a:lnB>
+                  </a:tcPr>
+                </a:tc>
+                <a:extLst>
+                  <a:ext uri="{0D108BD9-81ED-4DB2-BD59-A6C34878D82A}">
+                    <a16:rowId xmlns:a16="http://schemas.microsoft.com/office/drawing/2014/main" val="10002"/>
+                  </a:ext>
+                </a:extLst>
+              </a:tr>
+              <a:tr h="770356">
+                <a:tc>
+                  <a:txBody>
+                    <a:bodyPr/>
+                    <a:lstStyle/>
+                    <a:p>
+                      <a:pPr marL="45720" algn="l" rtl="0">
+                        <a:lnSpc>
+                          <a:spcPct val="130000"/>
+                        </a:lnSpc>
+                      </a:pPr>
+                      <a:r>
+                        <a:rPr lang="de-DE" sz="1200" kern="1200" dirty="0"/>
+                        <a:t>11</a:t>
+                      </a:r>
+                      <a:endParaRPr lang="de-DE" sz="1200" kern="1200" dirty="0">
+                        <a:solidFill>
+                          <a:schemeClr val="dk1"/>
+                        </a:solidFill>
+                        <a:latin typeface="+mn-lt"/>
+                        <a:ea typeface="+mn-ea"/>
+                        <a:cs typeface="+mn-cs"/>
+                      </a:endParaRPr>
+                    </a:p>
+                  </a:txBody>
+                  <a:tcPr marL="91441" marR="91441">
+                    <a:lnL w="6350" cap="flat" cmpd="sng" algn="ctr">
+                      <a:solidFill>
+                        <a:schemeClr val="accent3"/>
+                      </a:solidFill>
+                      <a:prstDash val="solid"/>
+                      <a:round/>
+                      <a:headEnd type="none" w="med" len="med"/>
+                      <a:tailEnd type="none" w="med" len="med"/>
+                    </a:lnL>
+                    <a:lnR w="6350" cap="flat" cmpd="sng" algn="ctr">
+                      <a:solidFill>
+                        <a:schemeClr val="accent3"/>
+                      </a:solidFill>
+                      <a:prstDash val="solid"/>
+                      <a:round/>
+                      <a:headEnd type="none" w="med" len="med"/>
+                      <a:tailEnd type="none" w="med" len="med"/>
+                    </a:lnR>
+                    <a:lnT w="6350" cap="flat" cmpd="sng" algn="ctr">
+                      <a:solidFill>
+                        <a:schemeClr val="accent3"/>
+                      </a:solidFill>
+                      <a:prstDash val="solid"/>
+                      <a:round/>
+                      <a:headEnd type="none" w="med" len="med"/>
+                      <a:tailEnd type="none" w="med" len="med"/>
+                    </a:lnT>
+                    <a:lnB w="6350" cap="flat" cmpd="sng" algn="ctr">
+                      <a:solidFill>
+                        <a:schemeClr val="accent3"/>
+                      </a:solidFill>
+                      <a:prstDash val="solid"/>
+                      <a:round/>
+                      <a:headEnd type="none" w="med" len="med"/>
+                      <a:tailEnd type="none" w="med" len="med"/>
+                    </a:lnB>
+                  </a:tcPr>
+                </a:tc>
+                <a:tc>
+                  <a:txBody>
+                    <a:bodyPr/>
+                    <a:lstStyle/>
+                    <a:p>
+                      <a:pPr marL="45720" algn="l" rtl="0">
+                        <a:lnSpc>
+                          <a:spcPct val="130000"/>
+                        </a:lnSpc>
+                      </a:pPr>
+                      <a:r>
+                        <a:rPr lang="de-DE" sz="1200" kern="1200" dirty="0"/>
+                        <a:t>12</a:t>
+                      </a:r>
+                      <a:endParaRPr lang="de-DE" sz="1200" kern="1200" dirty="0">
+                        <a:solidFill>
+                          <a:schemeClr val="dk1"/>
+                        </a:solidFill>
+                        <a:latin typeface="+mn-lt"/>
+                        <a:ea typeface="+mn-ea"/>
+                        <a:cs typeface="+mn-cs"/>
+                      </a:endParaRPr>
+                    </a:p>
+                  </a:txBody>
+                  <a:tcPr marL="91441" marR="91441">
+                    <a:lnL w="6350" cap="flat" cmpd="sng" algn="ctr">
+                      <a:solidFill>
+                        <a:schemeClr val="accent3"/>
+                      </a:solidFill>
+                      <a:prstDash val="solid"/>
+                      <a:round/>
+                      <a:headEnd type="none" w="med" len="med"/>
+                      <a:tailEnd type="none" w="med" len="med"/>
+                    </a:lnL>
+                    <a:lnR w="6350" cap="flat" cmpd="sng" algn="ctr">
+                      <a:solidFill>
+                        <a:schemeClr val="accent3"/>
+                      </a:solidFill>
+                      <a:prstDash val="solid"/>
+                      <a:round/>
+                      <a:headEnd type="none" w="med" len="med"/>
+                      <a:tailEnd type="none" w="med" len="med"/>
+                    </a:lnR>
+                    <a:lnT w="6350" cap="flat" cmpd="sng" algn="ctr">
+                      <a:solidFill>
+                        <a:schemeClr val="accent3"/>
+                      </a:solidFill>
+                      <a:prstDash val="solid"/>
+                      <a:round/>
+                      <a:headEnd type="none" w="med" len="med"/>
+                      <a:tailEnd type="none" w="med" len="med"/>
+                    </a:lnT>
+                    <a:lnB w="6350" cap="flat" cmpd="sng" algn="ctr">
+                      <a:solidFill>
+                        <a:schemeClr val="accent3"/>
+                      </a:solidFill>
+                      <a:prstDash val="solid"/>
+                      <a:round/>
+                      <a:headEnd type="none" w="med" len="med"/>
+                      <a:tailEnd type="none" w="med" len="med"/>
+                    </a:lnB>
+                  </a:tcPr>
+                </a:tc>
+                <a:tc>
+                  <a:txBody>
+                    <a:bodyPr/>
+                    <a:lstStyle/>
+                    <a:p>
+                      <a:pPr marL="45720" algn="l" rtl="0">
+                        <a:lnSpc>
+                          <a:spcPct val="130000"/>
+                        </a:lnSpc>
+                      </a:pPr>
+                      <a:r>
+                        <a:rPr lang="de-DE" sz="1200" kern="1200" dirty="0"/>
+                        <a:t>13</a:t>
+                      </a:r>
+                      <a:endParaRPr lang="de-DE" sz="1200" kern="1200" dirty="0">
+                        <a:solidFill>
+                          <a:schemeClr val="dk1"/>
+                        </a:solidFill>
+                        <a:latin typeface="+mn-lt"/>
+                        <a:ea typeface="+mn-ea"/>
+                        <a:cs typeface="+mn-cs"/>
+                      </a:endParaRPr>
+                    </a:p>
+                  </a:txBody>
+                  <a:tcPr marL="91441" marR="91441">
+                    <a:lnL w="6350" cap="flat" cmpd="sng" algn="ctr">
+                      <a:solidFill>
+                        <a:schemeClr val="accent3"/>
+                      </a:solidFill>
+                      <a:prstDash val="solid"/>
+                      <a:round/>
+                      <a:headEnd type="none" w="med" len="med"/>
+                      <a:tailEnd type="none" w="med" len="med"/>
+                    </a:lnL>
+                    <a:lnR w="6350" cap="flat" cmpd="sng" algn="ctr">
+                      <a:solidFill>
+                        <a:schemeClr val="accent3"/>
+                      </a:solidFill>
+                      <a:prstDash val="solid"/>
+                      <a:round/>
+                      <a:headEnd type="none" w="med" len="med"/>
+                      <a:tailEnd type="none" w="med" len="med"/>
+                    </a:lnR>
+                    <a:lnT w="6350" cap="flat" cmpd="sng" algn="ctr">
+                      <a:solidFill>
+                        <a:schemeClr val="accent3"/>
+                      </a:solidFill>
+                      <a:prstDash val="solid"/>
+                      <a:round/>
+                      <a:headEnd type="none" w="med" len="med"/>
+                      <a:tailEnd type="none" w="med" len="med"/>
+                    </a:lnT>
+                    <a:lnB w="6350" cap="flat" cmpd="sng" algn="ctr">
+                      <a:solidFill>
+                        <a:schemeClr val="accent3"/>
+                      </a:solidFill>
+                      <a:prstDash val="solid"/>
+                      <a:round/>
+                      <a:headEnd type="none" w="med" len="med"/>
+                      <a:tailEnd type="none" w="med" len="med"/>
+                    </a:lnB>
+                  </a:tcPr>
+                </a:tc>
+                <a:tc>
+                  <a:txBody>
+                    <a:bodyPr/>
+                    <a:lstStyle/>
+                    <a:p>
+                      <a:pPr marL="45720" algn="l" rtl="0">
+                        <a:lnSpc>
+                          <a:spcPct val="130000"/>
+                        </a:lnSpc>
+                      </a:pPr>
+                      <a:r>
+                        <a:rPr lang="de-DE" sz="1200" kern="1200" dirty="0"/>
+                        <a:t>14</a:t>
+                      </a:r>
+                      <a:endParaRPr lang="de-DE" sz="1200" kern="1200" dirty="0">
+                        <a:solidFill>
+                          <a:schemeClr val="dk1"/>
+                        </a:solidFill>
+                        <a:latin typeface="+mn-lt"/>
+                        <a:ea typeface="+mn-ea"/>
+                        <a:cs typeface="+mn-cs"/>
+                      </a:endParaRPr>
+                    </a:p>
+                  </a:txBody>
+                  <a:tcPr marL="91441" marR="91441">
+                    <a:lnL w="6350" cap="flat" cmpd="sng" algn="ctr">
+                      <a:solidFill>
+                        <a:schemeClr val="accent3"/>
+                      </a:solidFill>
+                      <a:prstDash val="solid"/>
+                      <a:round/>
+                      <a:headEnd type="none" w="med" len="med"/>
+                      <a:tailEnd type="none" w="med" len="med"/>
+                    </a:lnL>
+                    <a:lnR w="6350" cap="flat" cmpd="sng" algn="ctr">
+                      <a:solidFill>
+                        <a:schemeClr val="accent3"/>
+                      </a:solidFill>
+                      <a:prstDash val="solid"/>
+                      <a:round/>
+                      <a:headEnd type="none" w="med" len="med"/>
+                      <a:tailEnd type="none" w="med" len="med"/>
+                    </a:lnR>
+                    <a:lnT w="6350" cap="flat" cmpd="sng" algn="ctr">
+                      <a:solidFill>
+                        <a:schemeClr val="accent3"/>
+                      </a:solidFill>
+                      <a:prstDash val="solid"/>
+                      <a:round/>
+                      <a:headEnd type="none" w="med" len="med"/>
+                      <a:tailEnd type="none" w="med" len="med"/>
+                    </a:lnT>
+                    <a:lnB w="6350" cap="flat" cmpd="sng" algn="ctr">
+                      <a:solidFill>
+                        <a:schemeClr val="accent3"/>
+                      </a:solidFill>
+                      <a:prstDash val="solid"/>
+                      <a:round/>
+                      <a:headEnd type="none" w="med" len="med"/>
+                      <a:tailEnd type="none" w="med" len="med"/>
+                    </a:lnB>
+                  </a:tcPr>
+                </a:tc>
+                <a:tc>
+                  <a:txBody>
+                    <a:bodyPr/>
+                    <a:lstStyle/>
+                    <a:p>
+                      <a:pPr marL="45720" algn="l" rtl="0">
+                        <a:lnSpc>
+                          <a:spcPct val="130000"/>
+                        </a:lnSpc>
+                      </a:pPr>
+                      <a:r>
+                        <a:rPr lang="de-DE" sz="1200" kern="1200" dirty="0"/>
+                        <a:t>15</a:t>
+                      </a:r>
+                      <a:endParaRPr lang="de-DE" sz="1200" kern="1200" dirty="0">
+                        <a:solidFill>
+                          <a:schemeClr val="dk1"/>
+                        </a:solidFill>
+                        <a:latin typeface="+mn-lt"/>
+                        <a:ea typeface="+mn-ea"/>
+                        <a:cs typeface="+mn-cs"/>
+                      </a:endParaRPr>
+                    </a:p>
+                  </a:txBody>
+                  <a:tcPr marL="91441" marR="91441">
+                    <a:lnL w="6350" cap="flat" cmpd="sng" algn="ctr">
+                      <a:solidFill>
+                        <a:schemeClr val="accent3"/>
+                      </a:solidFill>
+                      <a:prstDash val="solid"/>
+                      <a:round/>
+                      <a:headEnd type="none" w="med" len="med"/>
+                      <a:tailEnd type="none" w="med" len="med"/>
+                    </a:lnL>
+                    <a:lnR w="6350" cap="flat" cmpd="sng" algn="ctr">
+                      <a:solidFill>
+                        <a:schemeClr val="accent3"/>
+                      </a:solidFill>
+                      <a:prstDash val="solid"/>
+                      <a:round/>
+                      <a:headEnd type="none" w="med" len="med"/>
+                      <a:tailEnd type="none" w="med" len="med"/>
+                    </a:lnR>
+                    <a:lnT w="6350" cap="flat" cmpd="sng" algn="ctr">
+                      <a:solidFill>
+                        <a:schemeClr val="accent3"/>
+                      </a:solidFill>
+                      <a:prstDash val="solid"/>
+                      <a:round/>
+                      <a:headEnd type="none" w="med" len="med"/>
+                      <a:tailEnd type="none" w="med" len="med"/>
+                    </a:lnT>
+                    <a:lnB w="6350" cap="flat" cmpd="sng" algn="ctr">
+                      <a:solidFill>
+                        <a:schemeClr val="accent3"/>
+                      </a:solidFill>
+                      <a:prstDash val="solid"/>
+                      <a:round/>
+                      <a:headEnd type="none" w="med" len="med"/>
+                      <a:tailEnd type="none" w="med" len="med"/>
+                    </a:lnB>
+                  </a:tcPr>
+                </a:tc>
+                <a:tc>
+                  <a:txBody>
+                    <a:bodyPr/>
+                    <a:lstStyle/>
+                    <a:p>
+                      <a:pPr marL="45720" algn="l" rtl="0">
+                        <a:lnSpc>
+                          <a:spcPct val="130000"/>
+                        </a:lnSpc>
+                      </a:pPr>
+                      <a:r>
+                        <a:rPr lang="de-DE" sz="1200" kern="1200" dirty="0"/>
+                        <a:t>16</a:t>
+                      </a:r>
+                      <a:endParaRPr lang="de-DE" sz="1200" kern="1200" dirty="0">
+                        <a:solidFill>
+                          <a:schemeClr val="dk1"/>
+                        </a:solidFill>
+                        <a:latin typeface="+mn-lt"/>
+                        <a:ea typeface="+mn-ea"/>
+                        <a:cs typeface="+mn-cs"/>
+                      </a:endParaRPr>
+                    </a:p>
+                  </a:txBody>
+                  <a:tcPr marL="91441" marR="91441">
+                    <a:lnL w="6350" cap="flat" cmpd="sng" algn="ctr">
+                      <a:solidFill>
+                        <a:schemeClr val="accent3"/>
+                      </a:solidFill>
+                      <a:prstDash val="solid"/>
+                      <a:round/>
+                      <a:headEnd type="none" w="med" len="med"/>
+                      <a:tailEnd type="none" w="med" len="med"/>
+                    </a:lnL>
+                    <a:lnR w="6350" cap="flat" cmpd="sng" algn="ctr">
+                      <a:solidFill>
+                        <a:schemeClr val="accent3"/>
+                      </a:solidFill>
+                      <a:prstDash val="solid"/>
+                      <a:round/>
+                      <a:headEnd type="none" w="med" len="med"/>
+                      <a:tailEnd type="none" w="med" len="med"/>
+                    </a:lnR>
+                    <a:lnT w="6350" cap="flat" cmpd="sng" algn="ctr">
+                      <a:solidFill>
+                        <a:schemeClr val="accent3"/>
+                      </a:solidFill>
+                      <a:prstDash val="solid"/>
+                      <a:round/>
+                      <a:headEnd type="none" w="med" len="med"/>
+                      <a:tailEnd type="none" w="med" len="med"/>
+                    </a:lnT>
+                    <a:lnB w="6350" cap="flat" cmpd="sng" algn="ctr">
+                      <a:solidFill>
+                        <a:schemeClr val="accent3"/>
+                      </a:solidFill>
+                      <a:prstDash val="solid"/>
+                      <a:round/>
+                      <a:headEnd type="none" w="med" len="med"/>
+                      <a:tailEnd type="none" w="med" len="med"/>
+                    </a:lnB>
+                  </a:tcPr>
+                </a:tc>
+                <a:tc>
+                  <a:txBody>
+                    <a:bodyPr/>
+                    <a:lstStyle/>
+                    <a:p>
+                      <a:pPr marL="45720" algn="l" rtl="0">
+                        <a:lnSpc>
+                          <a:spcPct val="130000"/>
+                        </a:lnSpc>
+                      </a:pPr>
+                      <a:r>
+                        <a:rPr lang="de-DE" sz="1200" kern="1200" dirty="0"/>
+                        <a:t>17</a:t>
+                      </a:r>
+                      <a:endParaRPr lang="de-DE" sz="1200" kern="1200" dirty="0">
+                        <a:solidFill>
+                          <a:schemeClr val="dk1"/>
+                        </a:solidFill>
+                        <a:latin typeface="+mn-lt"/>
+                        <a:ea typeface="+mn-ea"/>
+                        <a:cs typeface="+mn-cs"/>
+                      </a:endParaRPr>
+                    </a:p>
+                  </a:txBody>
+                  <a:tcPr marL="91441" marR="91441">
+                    <a:lnL w="6350" cap="flat" cmpd="sng" algn="ctr">
+                      <a:solidFill>
+                        <a:schemeClr val="accent3"/>
+                      </a:solidFill>
+                      <a:prstDash val="solid"/>
+                      <a:round/>
+                      <a:headEnd type="none" w="med" len="med"/>
+                      <a:tailEnd type="none" w="med" len="med"/>
+                    </a:lnL>
+                    <a:lnR w="6350" cap="flat" cmpd="sng" algn="ctr">
+                      <a:solidFill>
+                        <a:schemeClr val="accent3"/>
+                      </a:solidFill>
+                      <a:prstDash val="solid"/>
+                      <a:round/>
+                      <a:headEnd type="none" w="med" len="med"/>
+                      <a:tailEnd type="none" w="med" len="med"/>
+                    </a:lnR>
+                    <a:lnT w="6350" cap="flat" cmpd="sng" algn="ctr">
+                      <a:solidFill>
+                        <a:schemeClr val="accent3"/>
+                      </a:solidFill>
+                      <a:prstDash val="solid"/>
+                      <a:round/>
+                      <a:headEnd type="none" w="med" len="med"/>
+                      <a:tailEnd type="none" w="med" len="med"/>
+                    </a:lnT>
+                    <a:lnB w="6350" cap="flat" cmpd="sng" algn="ctr">
+                      <a:solidFill>
+                        <a:schemeClr val="accent3"/>
+                      </a:solidFill>
+                      <a:prstDash val="solid"/>
+                      <a:round/>
+                      <a:headEnd type="none" w="med" len="med"/>
+                      <a:tailEnd type="none" w="med" len="med"/>
+                    </a:lnB>
+                  </a:tcPr>
+                </a:tc>
+                <a:extLst>
+                  <a:ext uri="{0D108BD9-81ED-4DB2-BD59-A6C34878D82A}">
+                    <a16:rowId xmlns:a16="http://schemas.microsoft.com/office/drawing/2014/main" val="10003"/>
+                  </a:ext>
+                </a:extLst>
+              </a:tr>
+              <a:tr h="770356">
+                <a:tc>
+                  <a:txBody>
+                    <a:bodyPr/>
+                    <a:lstStyle/>
+                    <a:p>
+                      <a:pPr marL="45720" algn="l" rtl="0">
+                        <a:lnSpc>
+                          <a:spcPct val="130000"/>
+                        </a:lnSpc>
+                      </a:pPr>
+                      <a:r>
+                        <a:rPr lang="de-DE" sz="1200" kern="1200" dirty="0"/>
+                        <a:t>18</a:t>
+                      </a:r>
+                      <a:endParaRPr lang="de-DE" sz="1200" kern="1200" dirty="0">
+                        <a:solidFill>
+                          <a:schemeClr val="dk1"/>
+                        </a:solidFill>
+                        <a:latin typeface="+mn-lt"/>
+                        <a:ea typeface="+mn-ea"/>
+                        <a:cs typeface="+mn-cs"/>
+                      </a:endParaRPr>
+                    </a:p>
+                  </a:txBody>
+                  <a:tcPr marL="91441" marR="91441">
+                    <a:lnL w="6350" cap="flat" cmpd="sng" algn="ctr">
+                      <a:solidFill>
+                        <a:schemeClr val="accent3"/>
+                      </a:solidFill>
+                      <a:prstDash val="solid"/>
+                      <a:round/>
+                      <a:headEnd type="none" w="med" len="med"/>
+                      <a:tailEnd type="none" w="med" len="med"/>
+                    </a:lnL>
+                    <a:lnR w="6350" cap="flat" cmpd="sng" algn="ctr">
+                      <a:solidFill>
+                        <a:schemeClr val="accent3"/>
+                      </a:solidFill>
+                      <a:prstDash val="solid"/>
+                      <a:round/>
+                      <a:headEnd type="none" w="med" len="med"/>
+                      <a:tailEnd type="none" w="med" len="med"/>
+                    </a:lnR>
+                    <a:lnT w="6350" cap="flat" cmpd="sng" algn="ctr">
+                      <a:solidFill>
+                        <a:schemeClr val="accent3"/>
+                      </a:solidFill>
+                      <a:prstDash val="solid"/>
+                      <a:round/>
+                      <a:headEnd type="none" w="med" len="med"/>
+                      <a:tailEnd type="none" w="med" len="med"/>
+                    </a:lnT>
+                    <a:lnB w="6350" cap="flat" cmpd="sng" algn="ctr">
+                      <a:solidFill>
+                        <a:schemeClr val="accent3"/>
+                      </a:solidFill>
+                      <a:prstDash val="solid"/>
+                      <a:round/>
+                      <a:headEnd type="none" w="med" len="med"/>
+                      <a:tailEnd type="none" w="med" len="med"/>
+                    </a:lnB>
+                  </a:tcPr>
+                </a:tc>
+                <a:tc>
+                  <a:txBody>
+                    <a:bodyPr/>
+                    <a:lstStyle/>
+                    <a:p>
+                      <a:pPr marL="45720" algn="l" rtl="0">
+                        <a:lnSpc>
+                          <a:spcPct val="130000"/>
+                        </a:lnSpc>
+                      </a:pPr>
+                      <a:r>
+                        <a:rPr lang="de-DE" sz="1200" kern="1200" dirty="0"/>
+                        <a:t>19</a:t>
+                      </a:r>
+                      <a:endParaRPr lang="de-DE" sz="1200" kern="1200" dirty="0">
+                        <a:solidFill>
+                          <a:schemeClr val="dk1"/>
+                        </a:solidFill>
+                        <a:latin typeface="+mn-lt"/>
+                        <a:ea typeface="+mn-ea"/>
+                        <a:cs typeface="+mn-cs"/>
+                      </a:endParaRPr>
+                    </a:p>
+                  </a:txBody>
+                  <a:tcPr marL="91441" marR="91441">
+                    <a:lnL w="6350" cap="flat" cmpd="sng" algn="ctr">
+                      <a:solidFill>
+                        <a:schemeClr val="accent3"/>
+                      </a:solidFill>
+                      <a:prstDash val="solid"/>
+                      <a:round/>
+                      <a:headEnd type="none" w="med" len="med"/>
+                      <a:tailEnd type="none" w="med" len="med"/>
+                    </a:lnL>
+                    <a:lnR w="6350" cap="flat" cmpd="sng" algn="ctr">
+                      <a:solidFill>
+                        <a:schemeClr val="accent3"/>
+                      </a:solidFill>
+                      <a:prstDash val="solid"/>
+                      <a:round/>
+                      <a:headEnd type="none" w="med" len="med"/>
+                      <a:tailEnd type="none" w="med" len="med"/>
+                    </a:lnR>
+                    <a:lnT w="6350" cap="flat" cmpd="sng" algn="ctr">
+                      <a:solidFill>
+                        <a:schemeClr val="accent3"/>
+                      </a:solidFill>
+                      <a:prstDash val="solid"/>
+                      <a:round/>
+                      <a:headEnd type="none" w="med" len="med"/>
+                      <a:tailEnd type="none" w="med" len="med"/>
+                    </a:lnT>
+                    <a:lnB w="6350" cap="flat" cmpd="sng" algn="ctr">
+                      <a:solidFill>
+                        <a:schemeClr val="accent3"/>
+                      </a:solidFill>
+                      <a:prstDash val="solid"/>
+                      <a:round/>
+                      <a:headEnd type="none" w="med" len="med"/>
+                      <a:tailEnd type="none" w="med" len="med"/>
+                    </a:lnB>
+                  </a:tcPr>
+                </a:tc>
+                <a:tc>
+                  <a:txBody>
+                    <a:bodyPr/>
+                    <a:lstStyle/>
+                    <a:p>
+                      <a:pPr marL="45720" algn="l" rtl="0">
+                        <a:lnSpc>
+                          <a:spcPct val="130000"/>
+                        </a:lnSpc>
+                      </a:pPr>
+                      <a:r>
+                        <a:rPr lang="de-DE" sz="1200" kern="1200" dirty="0"/>
+                        <a:t>20</a:t>
+                      </a:r>
+                      <a:endParaRPr lang="de-DE" sz="1200" kern="1200" dirty="0">
+                        <a:solidFill>
+                          <a:schemeClr val="dk1"/>
+                        </a:solidFill>
+                        <a:latin typeface="+mn-lt"/>
+                        <a:ea typeface="+mn-ea"/>
+                        <a:cs typeface="+mn-cs"/>
+                      </a:endParaRPr>
+                    </a:p>
+                  </a:txBody>
+                  <a:tcPr marL="91441" marR="91441">
+                    <a:lnL w="6350" cap="flat" cmpd="sng" algn="ctr">
+                      <a:solidFill>
+                        <a:schemeClr val="accent3"/>
+                      </a:solidFill>
+                      <a:prstDash val="solid"/>
+                      <a:round/>
+                      <a:headEnd type="none" w="med" len="med"/>
+                      <a:tailEnd type="none" w="med" len="med"/>
+                    </a:lnL>
+                    <a:lnR w="6350" cap="flat" cmpd="sng" algn="ctr">
+                      <a:solidFill>
+                        <a:schemeClr val="accent3"/>
+                      </a:solidFill>
+                      <a:prstDash val="solid"/>
+                      <a:round/>
+                      <a:headEnd type="none" w="med" len="med"/>
+                      <a:tailEnd type="none" w="med" len="med"/>
+                    </a:lnR>
+                    <a:lnT w="6350" cap="flat" cmpd="sng" algn="ctr">
+                      <a:solidFill>
+                        <a:schemeClr val="accent3"/>
+                      </a:solidFill>
+                      <a:prstDash val="solid"/>
+                      <a:round/>
+                      <a:headEnd type="none" w="med" len="med"/>
+                      <a:tailEnd type="none" w="med" len="med"/>
+                    </a:lnT>
+                    <a:lnB w="6350" cap="flat" cmpd="sng" algn="ctr">
+                      <a:solidFill>
+                        <a:schemeClr val="accent3"/>
+                      </a:solidFill>
+                      <a:prstDash val="solid"/>
+                      <a:round/>
+                      <a:headEnd type="none" w="med" len="med"/>
+                      <a:tailEnd type="none" w="med" len="med"/>
+                    </a:lnB>
+                  </a:tcPr>
+                </a:tc>
+                <a:tc>
+                  <a:txBody>
+                    <a:bodyPr/>
+                    <a:lstStyle/>
+                    <a:p>
+                      <a:pPr marL="45720" algn="l" rtl="0">
+                        <a:lnSpc>
+                          <a:spcPct val="130000"/>
+                        </a:lnSpc>
+                      </a:pPr>
+                      <a:r>
+                        <a:rPr lang="de-DE" sz="1200" kern="1200" dirty="0"/>
+                        <a:t>21</a:t>
+                      </a:r>
+                      <a:endParaRPr lang="de-DE" sz="1200" kern="1200" dirty="0">
+                        <a:solidFill>
+                          <a:schemeClr val="dk1"/>
+                        </a:solidFill>
+                        <a:latin typeface="+mn-lt"/>
+                        <a:ea typeface="+mn-ea"/>
+                        <a:cs typeface="+mn-cs"/>
+                      </a:endParaRPr>
+                    </a:p>
+                  </a:txBody>
+                  <a:tcPr marL="91441" marR="91441">
+                    <a:lnL w="6350" cap="flat" cmpd="sng" algn="ctr">
+                      <a:solidFill>
+                        <a:schemeClr val="accent3"/>
+                      </a:solidFill>
+                      <a:prstDash val="solid"/>
+                      <a:round/>
+                      <a:headEnd type="none" w="med" len="med"/>
+                      <a:tailEnd type="none" w="med" len="med"/>
+                    </a:lnL>
+                    <a:lnR w="6350" cap="flat" cmpd="sng" algn="ctr">
+                      <a:solidFill>
+                        <a:schemeClr val="accent3"/>
+                      </a:solidFill>
+                      <a:prstDash val="solid"/>
+                      <a:round/>
+                      <a:headEnd type="none" w="med" len="med"/>
+                      <a:tailEnd type="none" w="med" len="med"/>
+                    </a:lnR>
+                    <a:lnT w="6350" cap="flat" cmpd="sng" algn="ctr">
+                      <a:solidFill>
+                        <a:schemeClr val="accent3"/>
+                      </a:solidFill>
+                      <a:prstDash val="solid"/>
+                      <a:round/>
+                      <a:headEnd type="none" w="med" len="med"/>
+                      <a:tailEnd type="none" w="med" len="med"/>
+                    </a:lnT>
+                    <a:lnB w="6350" cap="flat" cmpd="sng" algn="ctr">
+                      <a:solidFill>
+                        <a:schemeClr val="accent3"/>
+                      </a:solidFill>
+                      <a:prstDash val="solid"/>
+                      <a:round/>
+                      <a:headEnd type="none" w="med" len="med"/>
+                      <a:tailEnd type="none" w="med" len="med"/>
+                    </a:lnB>
+                  </a:tcPr>
+                </a:tc>
+                <a:tc>
+                  <a:txBody>
+                    <a:bodyPr/>
+                    <a:lstStyle/>
+                    <a:p>
+                      <a:pPr marL="45720" algn="l" rtl="0">
+                        <a:lnSpc>
+                          <a:spcPct val="130000"/>
+                        </a:lnSpc>
+                      </a:pPr>
+                      <a:r>
+                        <a:rPr lang="de-DE" sz="1200" kern="1200" dirty="0"/>
+                        <a:t>22</a:t>
+                      </a:r>
+                      <a:endParaRPr lang="de-DE" sz="1200" kern="1200" dirty="0">
+                        <a:solidFill>
+                          <a:schemeClr val="dk1"/>
+                        </a:solidFill>
+                        <a:latin typeface="+mn-lt"/>
+                        <a:ea typeface="+mn-ea"/>
+                        <a:cs typeface="+mn-cs"/>
+                      </a:endParaRPr>
+                    </a:p>
+                  </a:txBody>
+                  <a:tcPr marL="91441" marR="91441">
+                    <a:lnL w="6350" cap="flat" cmpd="sng" algn="ctr">
+                      <a:solidFill>
+                        <a:schemeClr val="accent3"/>
+                      </a:solidFill>
+                      <a:prstDash val="solid"/>
+                      <a:round/>
+                      <a:headEnd type="none" w="med" len="med"/>
+                      <a:tailEnd type="none" w="med" len="med"/>
+                    </a:lnL>
+                    <a:lnR w="6350" cap="flat" cmpd="sng" algn="ctr">
+                      <a:solidFill>
+                        <a:schemeClr val="accent3"/>
+                      </a:solidFill>
+                      <a:prstDash val="solid"/>
+                      <a:round/>
+                      <a:headEnd type="none" w="med" len="med"/>
+                      <a:tailEnd type="none" w="med" len="med"/>
+                    </a:lnR>
+                    <a:lnT w="6350" cap="flat" cmpd="sng" algn="ctr">
+                      <a:solidFill>
+                        <a:schemeClr val="accent3"/>
+                      </a:solidFill>
+                      <a:prstDash val="solid"/>
+                      <a:round/>
+                      <a:headEnd type="none" w="med" len="med"/>
+                      <a:tailEnd type="none" w="med" len="med"/>
+                    </a:lnT>
+                    <a:lnB w="6350" cap="flat" cmpd="sng" algn="ctr">
+                      <a:solidFill>
+                        <a:schemeClr val="accent3"/>
+                      </a:solidFill>
+                      <a:prstDash val="solid"/>
+                      <a:round/>
+                      <a:headEnd type="none" w="med" len="med"/>
+                      <a:tailEnd type="none" w="med" len="med"/>
+                    </a:lnB>
+                  </a:tcPr>
+                </a:tc>
+                <a:tc>
+                  <a:txBody>
+                    <a:bodyPr/>
+                    <a:lstStyle/>
+                    <a:p>
+                      <a:pPr marL="45720" algn="l" rtl="0">
+                        <a:lnSpc>
+                          <a:spcPct val="130000"/>
+                        </a:lnSpc>
+                      </a:pPr>
+                      <a:r>
+                        <a:rPr lang="de-DE" sz="1200" kern="1200" dirty="0">
+                          <a:solidFill>
+                            <a:schemeClr val="dk1"/>
+                          </a:solidFill>
+                          <a:latin typeface="+mn-lt"/>
+                          <a:ea typeface="+mn-ea"/>
+                          <a:cs typeface="+mn-cs"/>
+                        </a:rPr>
+                        <a:t>23</a:t>
+                      </a:r>
+                    </a:p>
+                  </a:txBody>
+                  <a:tcPr marL="91441" marR="91441">
+                    <a:lnL w="6350" cap="flat" cmpd="sng" algn="ctr">
+                      <a:solidFill>
+                        <a:schemeClr val="accent3"/>
+                      </a:solidFill>
+                      <a:prstDash val="solid"/>
+                      <a:round/>
+                      <a:headEnd type="none" w="med" len="med"/>
+                      <a:tailEnd type="none" w="med" len="med"/>
+                    </a:lnL>
+                    <a:lnR w="6350" cap="flat" cmpd="sng" algn="ctr">
+                      <a:solidFill>
+                        <a:schemeClr val="accent3"/>
+                      </a:solidFill>
+                      <a:prstDash val="solid"/>
+                      <a:round/>
+                      <a:headEnd type="none" w="med" len="med"/>
+                      <a:tailEnd type="none" w="med" len="med"/>
+                    </a:lnR>
+                    <a:lnT w="6350" cap="flat" cmpd="sng" algn="ctr">
+                      <a:solidFill>
+                        <a:schemeClr val="accent3"/>
+                      </a:solidFill>
+                      <a:prstDash val="solid"/>
+                      <a:round/>
+                      <a:headEnd type="none" w="med" len="med"/>
+                      <a:tailEnd type="none" w="med" len="med"/>
+                    </a:lnT>
+                    <a:lnB w="6350" cap="flat" cmpd="sng" algn="ctr">
+                      <a:solidFill>
+                        <a:schemeClr val="accent3"/>
+                      </a:solidFill>
+                      <a:prstDash val="solid"/>
+                      <a:round/>
+                      <a:headEnd type="none" w="med" len="med"/>
+                      <a:tailEnd type="none" w="med" len="med"/>
+                    </a:lnB>
+                  </a:tcPr>
+                </a:tc>
+                <a:tc>
+                  <a:txBody>
+                    <a:bodyPr/>
+                    <a:lstStyle/>
+                    <a:p>
+                      <a:pPr marL="45720" algn="l" rtl="0">
+                        <a:lnSpc>
+                          <a:spcPct val="130000"/>
+                        </a:lnSpc>
+                      </a:pPr>
+                      <a:r>
+                        <a:rPr lang="de-DE" sz="1200" kern="1200" dirty="0"/>
+                        <a:t>24</a:t>
+                      </a:r>
+                      <a:endParaRPr lang="de-DE" sz="1200" kern="1200" dirty="0">
+                        <a:solidFill>
+                          <a:schemeClr val="dk1"/>
+                        </a:solidFill>
+                        <a:latin typeface="+mn-lt"/>
+                        <a:ea typeface="+mn-ea"/>
+                        <a:cs typeface="+mn-cs"/>
+                      </a:endParaRPr>
+                    </a:p>
+                  </a:txBody>
+                  <a:tcPr marL="91441" marR="91441">
+                    <a:lnL w="6350" cap="flat" cmpd="sng" algn="ctr">
+                      <a:solidFill>
+                        <a:schemeClr val="accent3"/>
+                      </a:solidFill>
+                      <a:prstDash val="solid"/>
+                      <a:round/>
+                      <a:headEnd type="none" w="med" len="med"/>
+                      <a:tailEnd type="none" w="med" len="med"/>
+                    </a:lnL>
+                    <a:lnR w="6350" cap="flat" cmpd="sng" algn="ctr">
+                      <a:solidFill>
+                        <a:schemeClr val="accent3"/>
+                      </a:solidFill>
+                      <a:prstDash val="solid"/>
+                      <a:round/>
+                      <a:headEnd type="none" w="med" len="med"/>
+                      <a:tailEnd type="none" w="med" len="med"/>
+                    </a:lnR>
+                    <a:lnT w="6350" cap="flat" cmpd="sng" algn="ctr">
+                      <a:solidFill>
+                        <a:schemeClr val="accent3"/>
+                      </a:solidFill>
+                      <a:prstDash val="solid"/>
+                      <a:round/>
+                      <a:headEnd type="none" w="med" len="med"/>
+                      <a:tailEnd type="none" w="med" len="med"/>
+                    </a:lnT>
+                    <a:lnB w="6350" cap="flat" cmpd="sng" algn="ctr">
+                      <a:solidFill>
+                        <a:schemeClr val="accent3"/>
+                      </a:solidFill>
+                      <a:prstDash val="solid"/>
+                      <a:round/>
+                      <a:headEnd type="none" w="med" len="med"/>
+                      <a:tailEnd type="none" w="med" len="med"/>
+                    </a:lnB>
+                  </a:tcPr>
+                </a:tc>
+                <a:extLst>
+                  <a:ext uri="{0D108BD9-81ED-4DB2-BD59-A6C34878D82A}">
+                    <a16:rowId xmlns:a16="http://schemas.microsoft.com/office/drawing/2014/main" val="10004"/>
+                  </a:ext>
+                </a:extLst>
+              </a:tr>
+              <a:tr h="770356">
+                <a:tc>
+                  <a:txBody>
+                    <a:bodyPr/>
+                    <a:lstStyle/>
+                    <a:p>
+                      <a:pPr marL="45720" algn="l" rtl="0">
+                        <a:lnSpc>
+                          <a:spcPct val="130000"/>
+                        </a:lnSpc>
+                      </a:pPr>
+                      <a:r>
+                        <a:rPr lang="de-DE" sz="1200" kern="1200" dirty="0"/>
+                        <a:t>25</a:t>
+                      </a:r>
+                      <a:endParaRPr lang="de-DE" sz="1200" kern="1200" dirty="0">
+                        <a:solidFill>
+                          <a:schemeClr val="dk1"/>
+                        </a:solidFill>
+                        <a:latin typeface="+mn-lt"/>
+                        <a:ea typeface="+mn-ea"/>
+                        <a:cs typeface="+mn-cs"/>
+                      </a:endParaRPr>
+                    </a:p>
+                  </a:txBody>
+                  <a:tcPr marL="91441" marR="91441">
+                    <a:lnL w="6350" cap="flat" cmpd="sng" algn="ctr">
+                      <a:solidFill>
+                        <a:schemeClr val="accent3"/>
+                      </a:solidFill>
+                      <a:prstDash val="solid"/>
+                      <a:round/>
+                      <a:headEnd type="none" w="med" len="med"/>
+                      <a:tailEnd type="none" w="med" len="med"/>
+                    </a:lnL>
+                    <a:lnR w="6350" cap="flat" cmpd="sng" algn="ctr">
+                      <a:solidFill>
+                        <a:schemeClr val="accent3"/>
+                      </a:solidFill>
+                      <a:prstDash val="solid"/>
+                      <a:round/>
+                      <a:headEnd type="none" w="med" len="med"/>
+                      <a:tailEnd type="none" w="med" len="med"/>
+                    </a:lnR>
+                    <a:lnT w="6350" cap="flat" cmpd="sng" algn="ctr">
+                      <a:solidFill>
+                        <a:schemeClr val="accent3"/>
+                      </a:solidFill>
+                      <a:prstDash val="solid"/>
+                      <a:round/>
+                      <a:headEnd type="none" w="med" len="med"/>
+                      <a:tailEnd type="none" w="med" len="med"/>
+                    </a:lnT>
+                    <a:lnB w="6350" cap="flat" cmpd="sng" algn="ctr">
+                      <a:solidFill>
+                        <a:schemeClr val="accent3"/>
+                      </a:solidFill>
+                      <a:prstDash val="solid"/>
+                      <a:round/>
+                      <a:headEnd type="none" w="med" len="med"/>
+                      <a:tailEnd type="none" w="med" len="med"/>
+                    </a:lnB>
+                  </a:tcPr>
+                </a:tc>
+                <a:tc>
+                  <a:txBody>
+                    <a:bodyPr/>
+                    <a:lstStyle/>
+                    <a:p>
+                      <a:pPr marL="45720" algn="l" rtl="0">
+                        <a:lnSpc>
+                          <a:spcPct val="130000"/>
+                        </a:lnSpc>
+                      </a:pPr>
+                      <a:r>
+                        <a:rPr lang="de-DE" sz="1200" kern="1200" dirty="0"/>
+                        <a:t>26</a:t>
+                      </a:r>
+                      <a:endParaRPr lang="de-DE" sz="1200" kern="1200" dirty="0">
+                        <a:solidFill>
+                          <a:schemeClr val="dk1"/>
+                        </a:solidFill>
+                        <a:latin typeface="+mn-lt"/>
+                        <a:ea typeface="+mn-ea"/>
+                        <a:cs typeface="+mn-cs"/>
+                      </a:endParaRPr>
+                    </a:p>
+                  </a:txBody>
+                  <a:tcPr marL="91441" marR="91441">
+                    <a:lnL w="6350" cap="flat" cmpd="sng" algn="ctr">
+                      <a:solidFill>
+                        <a:schemeClr val="accent3"/>
+                      </a:solidFill>
+                      <a:prstDash val="solid"/>
+                      <a:round/>
+                      <a:headEnd type="none" w="med" len="med"/>
+                      <a:tailEnd type="none" w="med" len="med"/>
+                    </a:lnL>
+                    <a:lnR w="6350" cap="flat" cmpd="sng" algn="ctr">
+                      <a:solidFill>
+                        <a:schemeClr val="accent3"/>
+                      </a:solidFill>
+                      <a:prstDash val="solid"/>
+                      <a:round/>
+                      <a:headEnd type="none" w="med" len="med"/>
+                      <a:tailEnd type="none" w="med" len="med"/>
+                    </a:lnR>
+                    <a:lnT w="6350" cap="flat" cmpd="sng" algn="ctr">
+                      <a:solidFill>
+                        <a:schemeClr val="accent3"/>
+                      </a:solidFill>
+                      <a:prstDash val="solid"/>
+                      <a:round/>
+                      <a:headEnd type="none" w="med" len="med"/>
+                      <a:tailEnd type="none" w="med" len="med"/>
+                    </a:lnT>
+                    <a:lnB w="6350" cap="flat" cmpd="sng" algn="ctr">
+                      <a:solidFill>
+                        <a:schemeClr val="accent3"/>
+                      </a:solidFill>
+                      <a:prstDash val="solid"/>
+                      <a:round/>
+                      <a:headEnd type="none" w="med" len="med"/>
+                      <a:tailEnd type="none" w="med" len="med"/>
+                    </a:lnB>
+                  </a:tcPr>
+                </a:tc>
+                <a:tc>
+                  <a:txBody>
+                    <a:bodyPr/>
+                    <a:lstStyle/>
+                    <a:p>
+                      <a:pPr marL="45720" algn="l" rtl="0">
+                        <a:lnSpc>
+                          <a:spcPct val="130000"/>
+                        </a:lnSpc>
+                      </a:pPr>
+                      <a:r>
+                        <a:rPr lang="de-DE" sz="1200" kern="1200" dirty="0"/>
+                        <a:t>27</a:t>
+                      </a:r>
+                      <a:endParaRPr lang="de-DE" sz="1200" kern="1200" dirty="0">
+                        <a:solidFill>
+                          <a:schemeClr val="dk1"/>
+                        </a:solidFill>
+                        <a:latin typeface="+mn-lt"/>
+                        <a:ea typeface="+mn-ea"/>
+                        <a:cs typeface="+mn-cs"/>
+                      </a:endParaRPr>
+                    </a:p>
+                  </a:txBody>
+                  <a:tcPr marL="91441" marR="91441">
+                    <a:lnL w="6350" cap="flat" cmpd="sng" algn="ctr">
+                      <a:solidFill>
+                        <a:schemeClr val="accent3"/>
+                      </a:solidFill>
+                      <a:prstDash val="solid"/>
+                      <a:round/>
+                      <a:headEnd type="none" w="med" len="med"/>
+                      <a:tailEnd type="none" w="med" len="med"/>
+                    </a:lnL>
+                    <a:lnR w="6350" cap="flat" cmpd="sng" algn="ctr">
+                      <a:solidFill>
+                        <a:schemeClr val="accent3"/>
+                      </a:solidFill>
+                      <a:prstDash val="solid"/>
+                      <a:round/>
+                      <a:headEnd type="none" w="med" len="med"/>
+                      <a:tailEnd type="none" w="med" len="med"/>
+                    </a:lnR>
+                    <a:lnT w="6350" cap="flat" cmpd="sng" algn="ctr">
+                      <a:solidFill>
+                        <a:schemeClr val="accent3"/>
+                      </a:solidFill>
+                      <a:prstDash val="solid"/>
+                      <a:round/>
+                      <a:headEnd type="none" w="med" len="med"/>
+                      <a:tailEnd type="none" w="med" len="med"/>
+                    </a:lnT>
+                    <a:lnB w="6350" cap="flat" cmpd="sng" algn="ctr">
+                      <a:solidFill>
+                        <a:schemeClr val="accent3"/>
+                      </a:solidFill>
+                      <a:prstDash val="solid"/>
+                      <a:round/>
+                      <a:headEnd type="none" w="med" len="med"/>
+                      <a:tailEnd type="none" w="med" len="med"/>
+                    </a:lnB>
+                  </a:tcPr>
+                </a:tc>
+                <a:tc>
+                  <a:txBody>
+                    <a:bodyPr/>
+                    <a:lstStyle/>
+                    <a:p>
+                      <a:pPr marL="45720" algn="l" rtl="0">
+                        <a:lnSpc>
+                          <a:spcPct val="130000"/>
+                        </a:lnSpc>
+                      </a:pPr>
+                      <a:r>
+                        <a:rPr lang="de-DE" sz="1200" kern="1200" dirty="0">
+                          <a:solidFill>
+                            <a:schemeClr val="dk1"/>
+                          </a:solidFill>
+                          <a:latin typeface="+mn-lt"/>
+                          <a:ea typeface="+mn-ea"/>
+                          <a:cs typeface="+mn-cs"/>
+                        </a:rPr>
+                        <a:t>28</a:t>
+                      </a:r>
+                    </a:p>
+                  </a:txBody>
+                  <a:tcPr marL="91441" marR="91441">
+                    <a:lnL w="6350" cap="flat" cmpd="sng" algn="ctr">
+                      <a:solidFill>
+                        <a:schemeClr val="accent3"/>
+                      </a:solidFill>
+                      <a:prstDash val="solid"/>
+                      <a:round/>
+                      <a:headEnd type="none" w="med" len="med"/>
+                      <a:tailEnd type="none" w="med" len="med"/>
+                    </a:lnL>
+                    <a:lnR w="6350" cap="flat" cmpd="sng" algn="ctr">
+                      <a:solidFill>
+                        <a:schemeClr val="accent3"/>
+                      </a:solidFill>
+                      <a:prstDash val="solid"/>
+                      <a:round/>
+                      <a:headEnd type="none" w="med" len="med"/>
+                      <a:tailEnd type="none" w="med" len="med"/>
+                    </a:lnR>
+                    <a:lnT w="6350" cap="flat" cmpd="sng" algn="ctr">
+                      <a:solidFill>
+                        <a:schemeClr val="accent3"/>
+                      </a:solidFill>
+                      <a:prstDash val="solid"/>
+                      <a:round/>
+                      <a:headEnd type="none" w="med" len="med"/>
+                      <a:tailEnd type="none" w="med" len="med"/>
+                    </a:lnT>
+                    <a:lnB w="6350" cap="flat" cmpd="sng" algn="ctr">
+                      <a:solidFill>
+                        <a:schemeClr val="accent3"/>
+                      </a:solidFill>
+                      <a:prstDash val="solid"/>
+                      <a:round/>
+                      <a:headEnd type="none" w="med" len="med"/>
+                      <a:tailEnd type="none" w="med" len="med"/>
+                    </a:lnB>
+                  </a:tcPr>
+                </a:tc>
+                <a:tc>
+                  <a:txBody>
+                    <a:bodyPr/>
+                    <a:lstStyle/>
+                    <a:p>
+                      <a:pPr marL="45720" algn="l" rtl="0">
+                        <a:lnSpc>
+                          <a:spcPct val="130000"/>
+                        </a:lnSpc>
+                      </a:pPr>
+                      <a:r>
+                        <a:rPr lang="de-DE" sz="1200" kern="1200" dirty="0">
+                          <a:solidFill>
+                            <a:schemeClr val="dk1"/>
+                          </a:solidFill>
+                          <a:latin typeface="+mn-lt"/>
+                          <a:ea typeface="+mn-ea"/>
+                          <a:cs typeface="+mn-cs"/>
+                        </a:rPr>
+                        <a:t>29</a:t>
+                      </a:r>
+                    </a:p>
+                  </a:txBody>
+                  <a:tcPr marL="91441" marR="91441">
+                    <a:lnL w="6350" cap="flat" cmpd="sng" algn="ctr">
+                      <a:solidFill>
+                        <a:schemeClr val="accent3"/>
+                      </a:solidFill>
+                      <a:prstDash val="solid"/>
+                      <a:round/>
+                      <a:headEnd type="none" w="med" len="med"/>
+                      <a:tailEnd type="none" w="med" len="med"/>
+                    </a:lnL>
+                    <a:lnR w="6350" cap="flat" cmpd="sng" algn="ctr">
+                      <a:solidFill>
+                        <a:schemeClr val="accent3"/>
+                      </a:solidFill>
+                      <a:prstDash val="solid"/>
+                      <a:round/>
+                      <a:headEnd type="none" w="med" len="med"/>
+                      <a:tailEnd type="none" w="med" len="med"/>
+                    </a:lnR>
+                    <a:lnT w="6350" cap="flat" cmpd="sng" algn="ctr">
+                      <a:solidFill>
+                        <a:schemeClr val="accent3"/>
+                      </a:solidFill>
+                      <a:prstDash val="solid"/>
+                      <a:round/>
+                      <a:headEnd type="none" w="med" len="med"/>
+                      <a:tailEnd type="none" w="med" len="med"/>
+                    </a:lnT>
+                    <a:lnB w="6350" cap="flat" cmpd="sng" algn="ctr">
+                      <a:solidFill>
+                        <a:schemeClr val="accent3"/>
+                      </a:solidFill>
+                      <a:prstDash val="solid"/>
+                      <a:round/>
+                      <a:headEnd type="none" w="med" len="med"/>
+                      <a:tailEnd type="none" w="med" len="med"/>
+                    </a:lnB>
+                  </a:tcPr>
+                </a:tc>
+                <a:tc>
+                  <a:txBody>
+                    <a:bodyPr/>
+                    <a:lstStyle/>
+                    <a:p>
+                      <a:pPr marL="45720" algn="l" rtl="0">
+                        <a:lnSpc>
+                          <a:spcPct val="130000"/>
+                        </a:lnSpc>
+                      </a:pPr>
+                      <a:r>
+                        <a:rPr lang="de-DE" sz="1200" kern="1200" dirty="0">
+                          <a:solidFill>
+                            <a:schemeClr val="dk1"/>
+                          </a:solidFill>
+                          <a:latin typeface="+mn-lt"/>
+                          <a:ea typeface="+mn-ea"/>
+                          <a:cs typeface="+mn-cs"/>
+                        </a:rPr>
+                        <a:t>30</a:t>
+                      </a:r>
+                    </a:p>
+                  </a:txBody>
+                  <a:tcPr marL="91441" marR="91441">
+                    <a:lnL w="6350" cap="flat" cmpd="sng" algn="ctr">
+                      <a:solidFill>
+                        <a:schemeClr val="accent3"/>
+                      </a:solidFill>
+                      <a:prstDash val="solid"/>
+                      <a:round/>
+                      <a:headEnd type="none" w="med" len="med"/>
+                      <a:tailEnd type="none" w="med" len="med"/>
+                    </a:lnL>
+                    <a:lnR w="6350" cap="flat" cmpd="sng" algn="ctr">
+                      <a:solidFill>
+                        <a:schemeClr val="accent3"/>
+                      </a:solidFill>
+                      <a:prstDash val="solid"/>
+                      <a:round/>
+                      <a:headEnd type="none" w="med" len="med"/>
+                      <a:tailEnd type="none" w="med" len="med"/>
+                    </a:lnR>
+                    <a:lnT w="6350" cap="flat" cmpd="sng" algn="ctr">
+                      <a:solidFill>
+                        <a:schemeClr val="accent3"/>
+                      </a:solidFill>
+                      <a:prstDash val="solid"/>
+                      <a:round/>
+                      <a:headEnd type="none" w="med" len="med"/>
+                      <a:tailEnd type="none" w="med" len="med"/>
+                    </a:lnT>
+                    <a:lnB w="6350" cap="flat" cmpd="sng" algn="ctr">
+                      <a:solidFill>
+                        <a:schemeClr val="accent3"/>
+                      </a:solidFill>
+                      <a:prstDash val="solid"/>
+                      <a:round/>
+                      <a:headEnd type="none" w="med" len="med"/>
+                      <a:tailEnd type="none" w="med" len="med"/>
+                    </a:lnB>
+                  </a:tcPr>
+                </a:tc>
+                <a:tc>
+                  <a:txBody>
+                    <a:bodyPr/>
+                    <a:lstStyle/>
+                    <a:p>
+                      <a:pPr marL="45720" algn="l" rtl="0">
+                        <a:lnSpc>
+                          <a:spcPct val="130000"/>
+                        </a:lnSpc>
+                      </a:pPr>
+                      <a:r>
+                        <a:rPr lang="de-DE" sz="1200" kern="1200" dirty="0">
+                          <a:solidFill>
+                            <a:schemeClr val="dk1"/>
+                          </a:solidFill>
+                          <a:latin typeface="+mn-lt"/>
+                          <a:ea typeface="+mn-ea"/>
+                          <a:cs typeface="+mn-cs"/>
+                        </a:rPr>
+                        <a:t>31</a:t>
+                      </a:r>
+                    </a:p>
+                  </a:txBody>
+                  <a:tcPr marL="91441" marR="91441">
+                    <a:lnL w="6350" cap="flat" cmpd="sng" algn="ctr">
+                      <a:solidFill>
+                        <a:schemeClr val="accent3"/>
+                      </a:solidFill>
+                      <a:prstDash val="solid"/>
+                      <a:round/>
+                      <a:headEnd type="none" w="med" len="med"/>
+                      <a:tailEnd type="none" w="med" len="med"/>
+                    </a:lnL>
+                    <a:lnR w="6350" cap="flat" cmpd="sng" algn="ctr">
+                      <a:solidFill>
+                        <a:schemeClr val="accent3"/>
+                      </a:solidFill>
+                      <a:prstDash val="solid"/>
+                      <a:round/>
+                      <a:headEnd type="none" w="med" len="med"/>
+                      <a:tailEnd type="none" w="med" len="med"/>
+                    </a:lnR>
+                    <a:lnT w="6350" cap="flat" cmpd="sng" algn="ctr">
+                      <a:solidFill>
+                        <a:schemeClr val="accent3"/>
+                      </a:solidFill>
+                      <a:prstDash val="solid"/>
+                      <a:round/>
+                      <a:headEnd type="none" w="med" len="med"/>
+                      <a:tailEnd type="none" w="med" len="med"/>
+                    </a:lnT>
+                    <a:lnB w="6350" cap="flat" cmpd="sng" algn="ctr">
+                      <a:solidFill>
+                        <a:schemeClr val="accent3"/>
+                      </a:solidFill>
+                      <a:prstDash val="solid"/>
+                      <a:round/>
+                      <a:headEnd type="none" w="med" len="med"/>
+                      <a:tailEnd type="none" w="med" len="med"/>
+                    </a:lnB>
+                  </a:tcPr>
+                </a:tc>
+                <a:extLst>
+                  <a:ext uri="{0D108BD9-81ED-4DB2-BD59-A6C34878D82A}">
+                    <a16:rowId xmlns:a16="http://schemas.microsoft.com/office/drawing/2014/main" val="10005"/>
+                  </a:ext>
+                </a:extLst>
+              </a:tr>
+            </a:tbl>
+          </a:graphicData>
+        </a:graphic>
+      </p:graphicFrame>
+      <p:sp>
+        <p:nvSpPr>
+          <p:cNvPr id="8" name="Rechteck 7">
+            <a:extLst>
+              <a:ext uri="{FF2B5EF4-FFF2-40B4-BE49-F238E27FC236}">
+                <a16:creationId xmlns:a16="http://schemas.microsoft.com/office/drawing/2014/main" id="{36669CA7-EB87-4724-AA51-BDA219D920ED}"/>
+              </a:ext>
+            </a:extLst>
+          </p:cNvPr>
+          <p:cNvSpPr/>
+          <p:nvPr/>
+        </p:nvSpPr>
+        <p:spPr>
+          <a:xfrm>
+            <a:off x="2144503" y="2351182"/>
+            <a:ext cx="1512717" cy="768088"/>
+          </a:xfrm>
+          <a:prstGeom prst="rect">
+            <a:avLst/>
+          </a:prstGeom>
+          <a:solidFill>
+            <a:srgbClr val="002060">
+              <a:alpha val="49804"/>
+            </a:srgbClr>
+          </a:solidFill>
+          <a:ln>
+            <a:noFill/>
+          </a:ln>
+        </p:spPr>
+        <p:style>
+          <a:lnRef idx="2">
+            <a:schemeClr val="accent1">
+              <a:shade val="50000"/>
+            </a:schemeClr>
+          </a:lnRef>
+          <a:fillRef idx="1">
+            <a:schemeClr val="accent1"/>
+          </a:fillRef>
+          <a:effectRef idx="0">
+            <a:schemeClr val="accent1"/>
+          </a:effectRef>
+          <a:fontRef idx="minor">
+            <a:schemeClr val="lt1"/>
+          </a:fontRef>
+        </p:style>
+        <p:txBody>
+          <a:bodyPr rtlCol="0" anchor="ctr"/>
+          <a:lstStyle/>
+          <a:p>
+            <a:pPr algn="ctr"/>
+            <a:endParaRPr lang="en-US"/>
+          </a:p>
+        </p:txBody>
+      </p:sp>
+      <p:sp>
+        <p:nvSpPr>
+          <p:cNvPr id="10" name="Rechteck 9">
+            <a:extLst>
+              <a:ext uri="{FF2B5EF4-FFF2-40B4-BE49-F238E27FC236}">
+                <a16:creationId xmlns:a16="http://schemas.microsoft.com/office/drawing/2014/main" id="{E754FDE7-1C66-4F80-B4FB-05AE3DD6B6EA}"/>
+              </a:ext>
+            </a:extLst>
+          </p:cNvPr>
+          <p:cNvSpPr/>
+          <p:nvPr/>
+        </p:nvSpPr>
+        <p:spPr>
+          <a:xfrm>
+            <a:off x="631254" y="3887690"/>
+            <a:ext cx="1512160" cy="774000"/>
+          </a:xfrm>
+          <a:prstGeom prst="rect">
+            <a:avLst/>
+          </a:prstGeom>
+          <a:solidFill>
+            <a:srgbClr val="0BAD92">
+              <a:alpha val="49804"/>
+            </a:srgbClr>
+          </a:solidFill>
+          <a:ln>
+            <a:noFill/>
+          </a:ln>
+        </p:spPr>
+        <p:style>
+          <a:lnRef idx="2">
+            <a:schemeClr val="accent1">
+              <a:shade val="50000"/>
+            </a:schemeClr>
+          </a:lnRef>
+          <a:fillRef idx="1">
+            <a:schemeClr val="accent1"/>
+          </a:fillRef>
+          <a:effectRef idx="0">
+            <a:schemeClr val="accent1"/>
+          </a:effectRef>
+          <a:fontRef idx="minor">
+            <a:schemeClr val="lt1"/>
+          </a:fontRef>
+        </p:style>
+        <p:txBody>
+          <a:bodyPr rtlCol="0" anchor="ctr"/>
+          <a:lstStyle/>
+          <a:p>
+            <a:pPr algn="ctr"/>
+            <a:endParaRPr lang="en-US"/>
+          </a:p>
+        </p:txBody>
+      </p:sp>
+      <p:sp>
+        <p:nvSpPr>
+          <p:cNvPr id="13" name="Rechteck 12">
+            <a:extLst>
+              <a:ext uri="{FF2B5EF4-FFF2-40B4-BE49-F238E27FC236}">
+                <a16:creationId xmlns:a16="http://schemas.microsoft.com/office/drawing/2014/main" id="{53DA05CF-CBAE-46BD-9A6C-929B7B8646A5}"/>
+              </a:ext>
+            </a:extLst>
+          </p:cNvPr>
+          <p:cNvSpPr/>
+          <p:nvPr/>
+        </p:nvSpPr>
+        <p:spPr>
+          <a:xfrm>
+            <a:off x="2143414" y="3891290"/>
+            <a:ext cx="1508511" cy="768088"/>
+          </a:xfrm>
+          <a:prstGeom prst="rect">
+            <a:avLst/>
+          </a:prstGeom>
+          <a:solidFill>
+            <a:srgbClr val="0BAD92">
+              <a:alpha val="49804"/>
+            </a:srgbClr>
+          </a:solidFill>
+          <a:ln>
+            <a:noFill/>
+          </a:ln>
+        </p:spPr>
+        <p:style>
+          <a:lnRef idx="2">
+            <a:schemeClr val="accent1">
+              <a:shade val="50000"/>
+            </a:schemeClr>
+          </a:lnRef>
+          <a:fillRef idx="1">
+            <a:schemeClr val="accent1"/>
+          </a:fillRef>
+          <a:effectRef idx="0">
+            <a:schemeClr val="accent1"/>
+          </a:effectRef>
+          <a:fontRef idx="minor">
+            <a:schemeClr val="lt1"/>
+          </a:fontRef>
+        </p:style>
+        <p:txBody>
+          <a:bodyPr rtlCol="0" anchor="ctr"/>
+          <a:lstStyle/>
+          <a:p>
+            <a:pPr algn="ctr"/>
+            <a:endParaRPr lang="en-US"/>
+          </a:p>
+        </p:txBody>
+      </p:sp>
+      <p:sp>
+        <p:nvSpPr>
+          <p:cNvPr id="15" name="Rechteck 14">
+            <a:extLst>
+              <a:ext uri="{FF2B5EF4-FFF2-40B4-BE49-F238E27FC236}">
+                <a16:creationId xmlns:a16="http://schemas.microsoft.com/office/drawing/2014/main" id="{448AD079-C366-453C-9024-EE53CFF59926}"/>
+              </a:ext>
+            </a:extLst>
+          </p:cNvPr>
+          <p:cNvSpPr/>
+          <p:nvPr/>
+        </p:nvSpPr>
+        <p:spPr>
+          <a:xfrm>
+            <a:off x="6673788" y="1576850"/>
+            <a:ext cx="1509320" cy="770522"/>
+          </a:xfrm>
+          <a:prstGeom prst="rect">
+            <a:avLst/>
+          </a:prstGeom>
+          <a:solidFill>
+            <a:srgbClr val="002060">
+              <a:alpha val="49804"/>
+            </a:srgbClr>
+          </a:solidFill>
+          <a:ln>
+            <a:noFill/>
+          </a:ln>
+        </p:spPr>
+        <p:style>
+          <a:lnRef idx="2">
+            <a:schemeClr val="accent1">
+              <a:shade val="50000"/>
+            </a:schemeClr>
+          </a:lnRef>
+          <a:fillRef idx="1">
+            <a:schemeClr val="accent1"/>
+          </a:fillRef>
+          <a:effectRef idx="0">
+            <a:schemeClr val="accent1"/>
+          </a:effectRef>
+          <a:fontRef idx="minor">
+            <a:schemeClr val="lt1"/>
+          </a:fontRef>
+        </p:style>
+        <p:txBody>
+          <a:bodyPr rtlCol="0" anchor="ctr"/>
+          <a:lstStyle/>
+          <a:p>
+            <a:pPr algn="ctr"/>
+            <a:endParaRPr lang="en-US"/>
+          </a:p>
+        </p:txBody>
+      </p:sp>
+      <p:sp>
+        <p:nvSpPr>
+          <p:cNvPr id="18" name="Rechteck 17">
+            <a:extLst>
+              <a:ext uri="{FF2B5EF4-FFF2-40B4-BE49-F238E27FC236}">
+                <a16:creationId xmlns:a16="http://schemas.microsoft.com/office/drawing/2014/main" id="{BE2F5207-4157-486D-AEAE-1BF62529ADC7}"/>
+              </a:ext>
+            </a:extLst>
+          </p:cNvPr>
+          <p:cNvSpPr/>
+          <p:nvPr/>
+        </p:nvSpPr>
+        <p:spPr>
+          <a:xfrm>
+            <a:off x="634062" y="2347372"/>
+            <a:ext cx="1512160" cy="774000"/>
+          </a:xfrm>
+          <a:prstGeom prst="rect">
+            <a:avLst/>
+          </a:prstGeom>
+          <a:solidFill>
+            <a:srgbClr val="002060">
+              <a:alpha val="49804"/>
+            </a:srgbClr>
+          </a:solidFill>
+          <a:ln>
+            <a:noFill/>
+          </a:ln>
+        </p:spPr>
+        <p:style>
+          <a:lnRef idx="2">
+            <a:schemeClr val="accent1">
+              <a:shade val="50000"/>
+            </a:schemeClr>
+          </a:lnRef>
+          <a:fillRef idx="1">
+            <a:schemeClr val="accent1"/>
+          </a:fillRef>
+          <a:effectRef idx="0">
+            <a:schemeClr val="accent1"/>
+          </a:effectRef>
+          <a:fontRef idx="minor">
+            <a:schemeClr val="lt1"/>
+          </a:fontRef>
+        </p:style>
+        <p:txBody>
+          <a:bodyPr rtlCol="0" anchor="ctr"/>
+          <a:lstStyle/>
+          <a:p>
+            <a:pPr algn="ctr"/>
+            <a:endParaRPr lang="en-US"/>
+          </a:p>
+        </p:txBody>
+      </p:sp>
+      <p:sp>
+        <p:nvSpPr>
+          <p:cNvPr id="20" name="Rechteck 19">
+            <a:extLst>
+              <a:ext uri="{FF2B5EF4-FFF2-40B4-BE49-F238E27FC236}">
+                <a16:creationId xmlns:a16="http://schemas.microsoft.com/office/drawing/2014/main" id="{51E5EF04-8348-4EEB-8E55-FFEEB3CAE086}"/>
+              </a:ext>
+            </a:extLst>
+          </p:cNvPr>
+          <p:cNvSpPr/>
+          <p:nvPr/>
+        </p:nvSpPr>
+        <p:spPr>
+          <a:xfrm>
+            <a:off x="3649529" y="2348231"/>
+            <a:ext cx="1517141" cy="774000"/>
+          </a:xfrm>
+          <a:prstGeom prst="rect">
+            <a:avLst/>
+          </a:prstGeom>
+          <a:solidFill>
+            <a:srgbClr val="002060">
+              <a:alpha val="49804"/>
+            </a:srgbClr>
+          </a:solidFill>
+          <a:ln>
+            <a:noFill/>
+          </a:ln>
+        </p:spPr>
+        <p:style>
+          <a:lnRef idx="2">
+            <a:schemeClr val="accent1">
+              <a:shade val="50000"/>
+            </a:schemeClr>
+          </a:lnRef>
+          <a:fillRef idx="1">
+            <a:schemeClr val="accent1"/>
+          </a:fillRef>
+          <a:effectRef idx="0">
+            <a:schemeClr val="accent1"/>
+          </a:effectRef>
+          <a:fontRef idx="minor">
+            <a:schemeClr val="lt1"/>
+          </a:fontRef>
+        </p:style>
+        <p:txBody>
+          <a:bodyPr rtlCol="0" anchor="ctr"/>
+          <a:lstStyle/>
+          <a:p>
+            <a:pPr algn="ctr"/>
+            <a:endParaRPr lang="en-US"/>
+          </a:p>
+        </p:txBody>
+      </p:sp>
+      <p:sp>
+        <p:nvSpPr>
+          <p:cNvPr id="25" name="Rechteck 24">
+            <a:extLst>
+              <a:ext uri="{FF2B5EF4-FFF2-40B4-BE49-F238E27FC236}">
+                <a16:creationId xmlns:a16="http://schemas.microsoft.com/office/drawing/2014/main" id="{9C65293F-7C43-4362-8EC6-349BAF739C0D}"/>
+              </a:ext>
+            </a:extLst>
+          </p:cNvPr>
+          <p:cNvSpPr/>
+          <p:nvPr/>
+        </p:nvSpPr>
+        <p:spPr>
+          <a:xfrm>
+            <a:off x="634062" y="3118631"/>
+            <a:ext cx="1512937" cy="774000"/>
+          </a:xfrm>
+          <a:prstGeom prst="rect">
+            <a:avLst/>
+          </a:prstGeom>
+          <a:solidFill>
+            <a:srgbClr val="002060">
+              <a:alpha val="49804"/>
+            </a:srgbClr>
+          </a:solidFill>
+          <a:ln>
+            <a:noFill/>
+          </a:ln>
+        </p:spPr>
+        <p:style>
+          <a:lnRef idx="2">
+            <a:schemeClr val="accent1">
+              <a:shade val="50000"/>
+            </a:schemeClr>
+          </a:lnRef>
+          <a:fillRef idx="1">
+            <a:schemeClr val="accent1"/>
+          </a:fillRef>
+          <a:effectRef idx="0">
+            <a:schemeClr val="accent1"/>
+          </a:effectRef>
+          <a:fontRef idx="minor">
+            <a:schemeClr val="lt1"/>
+          </a:fontRef>
+        </p:style>
+        <p:txBody>
+          <a:bodyPr rtlCol="0" anchor="ctr"/>
+          <a:lstStyle/>
+          <a:p>
+            <a:pPr algn="ctr"/>
+            <a:endParaRPr lang="en-US"/>
+          </a:p>
+        </p:txBody>
+      </p:sp>
+      <p:sp>
+        <p:nvSpPr>
+          <p:cNvPr id="27" name="Rechteck 26">
+            <a:extLst>
+              <a:ext uri="{FF2B5EF4-FFF2-40B4-BE49-F238E27FC236}">
+                <a16:creationId xmlns:a16="http://schemas.microsoft.com/office/drawing/2014/main" id="{DD4A9F70-B0E6-430C-AE90-211AB3559628}"/>
+              </a:ext>
+            </a:extLst>
+          </p:cNvPr>
+          <p:cNvSpPr/>
+          <p:nvPr/>
+        </p:nvSpPr>
+        <p:spPr>
+          <a:xfrm>
+            <a:off x="3657220" y="3118631"/>
+            <a:ext cx="1508927" cy="774000"/>
+          </a:xfrm>
+          <a:prstGeom prst="rect">
+            <a:avLst/>
+          </a:prstGeom>
+          <a:solidFill>
+            <a:srgbClr val="0BAD92">
+              <a:alpha val="49804"/>
+            </a:srgbClr>
+          </a:solidFill>
+          <a:ln>
+            <a:noFill/>
+          </a:ln>
+        </p:spPr>
+        <p:style>
+          <a:lnRef idx="2">
+            <a:schemeClr val="accent1">
+              <a:shade val="50000"/>
+            </a:schemeClr>
+          </a:lnRef>
+          <a:fillRef idx="1">
+            <a:schemeClr val="accent1"/>
+          </a:fillRef>
+          <a:effectRef idx="0">
+            <a:schemeClr val="accent1"/>
+          </a:effectRef>
+          <a:fontRef idx="minor">
+            <a:schemeClr val="lt1"/>
+          </a:fontRef>
+        </p:style>
+        <p:txBody>
+          <a:bodyPr rtlCol="0" anchor="ctr"/>
+          <a:lstStyle/>
+          <a:p>
+            <a:pPr algn="ctr"/>
+            <a:endParaRPr lang="en-US"/>
+          </a:p>
+        </p:txBody>
+      </p:sp>
+      <p:sp>
+        <p:nvSpPr>
+          <p:cNvPr id="37" name="Rechteck 36">
+            <a:extLst>
+              <a:ext uri="{FF2B5EF4-FFF2-40B4-BE49-F238E27FC236}">
+                <a16:creationId xmlns:a16="http://schemas.microsoft.com/office/drawing/2014/main" id="{DF471E7F-C5C1-4660-ABBC-892D93A404E1}"/>
+              </a:ext>
+            </a:extLst>
+          </p:cNvPr>
+          <p:cNvSpPr/>
+          <p:nvPr/>
+        </p:nvSpPr>
+        <p:spPr>
+          <a:xfrm>
+            <a:off x="8187822" y="1577831"/>
+            <a:ext cx="1509320" cy="770522"/>
+          </a:xfrm>
+          <a:prstGeom prst="rect">
+            <a:avLst/>
+          </a:prstGeom>
+          <a:solidFill>
+            <a:srgbClr val="002060">
+              <a:alpha val="49804"/>
+            </a:srgbClr>
+          </a:solidFill>
+          <a:ln>
+            <a:noFill/>
+          </a:ln>
+        </p:spPr>
+        <p:style>
+          <a:lnRef idx="2">
+            <a:schemeClr val="accent1">
+              <a:shade val="50000"/>
+            </a:schemeClr>
+          </a:lnRef>
+          <a:fillRef idx="1">
+            <a:schemeClr val="accent1"/>
+          </a:fillRef>
+          <a:effectRef idx="0">
+            <a:schemeClr val="accent1"/>
+          </a:effectRef>
+          <a:fontRef idx="minor">
+            <a:schemeClr val="lt1"/>
+          </a:fontRef>
+        </p:style>
+        <p:txBody>
+          <a:bodyPr rtlCol="0" anchor="ctr"/>
+          <a:lstStyle/>
+          <a:p>
+            <a:pPr algn="ctr"/>
+            <a:endParaRPr lang="en-US"/>
+          </a:p>
+        </p:txBody>
+      </p:sp>
+      <p:sp>
+        <p:nvSpPr>
+          <p:cNvPr id="38" name="Rechteck 37">
+            <a:extLst>
+              <a:ext uri="{FF2B5EF4-FFF2-40B4-BE49-F238E27FC236}">
+                <a16:creationId xmlns:a16="http://schemas.microsoft.com/office/drawing/2014/main" id="{1D75EB64-DBC2-414D-A102-B4C32247FECF}"/>
+              </a:ext>
+            </a:extLst>
+          </p:cNvPr>
+          <p:cNvSpPr/>
+          <p:nvPr/>
+        </p:nvSpPr>
+        <p:spPr>
+          <a:xfrm>
+            <a:off x="9690567" y="1577831"/>
+            <a:ext cx="1509320" cy="770522"/>
+          </a:xfrm>
+          <a:prstGeom prst="rect">
+            <a:avLst/>
+          </a:prstGeom>
+          <a:solidFill>
+            <a:srgbClr val="002060">
+              <a:alpha val="49804"/>
+            </a:srgbClr>
+          </a:solidFill>
+          <a:ln>
+            <a:noFill/>
+          </a:ln>
+        </p:spPr>
+        <p:style>
+          <a:lnRef idx="2">
+            <a:schemeClr val="accent1">
+              <a:shade val="50000"/>
+            </a:schemeClr>
+          </a:lnRef>
+          <a:fillRef idx="1">
+            <a:schemeClr val="accent1"/>
+          </a:fillRef>
+          <a:effectRef idx="0">
+            <a:schemeClr val="accent1"/>
+          </a:effectRef>
+          <a:fontRef idx="minor">
+            <a:schemeClr val="lt1"/>
+          </a:fontRef>
+        </p:style>
+        <p:txBody>
+          <a:bodyPr rtlCol="0" anchor="ctr"/>
+          <a:lstStyle/>
+          <a:p>
+            <a:pPr algn="ctr"/>
+            <a:endParaRPr lang="en-US"/>
+          </a:p>
+        </p:txBody>
+      </p:sp>
+      <p:sp>
+        <p:nvSpPr>
+          <p:cNvPr id="36" name="Rechteck 35">
+            <a:extLst>
+              <a:ext uri="{FF2B5EF4-FFF2-40B4-BE49-F238E27FC236}">
+                <a16:creationId xmlns:a16="http://schemas.microsoft.com/office/drawing/2014/main" id="{E5533EE9-A2A9-49CC-9A02-D94842AA687C}"/>
+              </a:ext>
+            </a:extLst>
+          </p:cNvPr>
+          <p:cNvSpPr/>
+          <p:nvPr/>
+        </p:nvSpPr>
+        <p:spPr>
+          <a:xfrm>
+            <a:off x="6676103" y="2350224"/>
+            <a:ext cx="1509320" cy="770522"/>
+          </a:xfrm>
+          <a:prstGeom prst="rect">
+            <a:avLst/>
+          </a:prstGeom>
+          <a:solidFill>
+            <a:srgbClr val="002060">
+              <a:alpha val="49804"/>
+            </a:srgbClr>
+          </a:solidFill>
+          <a:ln>
+            <a:noFill/>
+          </a:ln>
+        </p:spPr>
+        <p:style>
+          <a:lnRef idx="2">
+            <a:schemeClr val="accent1">
+              <a:shade val="50000"/>
+            </a:schemeClr>
+          </a:lnRef>
+          <a:fillRef idx="1">
+            <a:schemeClr val="accent1"/>
+          </a:fillRef>
+          <a:effectRef idx="0">
+            <a:schemeClr val="accent1"/>
+          </a:effectRef>
+          <a:fontRef idx="minor">
+            <a:schemeClr val="lt1"/>
+          </a:fontRef>
+        </p:style>
+        <p:txBody>
+          <a:bodyPr rtlCol="0" anchor="ctr"/>
+          <a:lstStyle/>
+          <a:p>
+            <a:pPr algn="ctr"/>
+            <a:endParaRPr lang="en-US"/>
+          </a:p>
+        </p:txBody>
+      </p:sp>
+      <p:sp>
+        <p:nvSpPr>
+          <p:cNvPr id="39" name="Rechteck 38">
+            <a:extLst>
+              <a:ext uri="{FF2B5EF4-FFF2-40B4-BE49-F238E27FC236}">
+                <a16:creationId xmlns:a16="http://schemas.microsoft.com/office/drawing/2014/main" id="{407F1761-5B59-4C31-9886-8C4108360BD1}"/>
+              </a:ext>
+            </a:extLst>
+          </p:cNvPr>
+          <p:cNvSpPr/>
+          <p:nvPr/>
+        </p:nvSpPr>
+        <p:spPr>
+          <a:xfrm>
+            <a:off x="8186327" y="2351205"/>
+            <a:ext cx="1509320" cy="770522"/>
+          </a:xfrm>
+          <a:prstGeom prst="rect">
+            <a:avLst/>
+          </a:prstGeom>
+          <a:solidFill>
+            <a:srgbClr val="002060">
+              <a:alpha val="49804"/>
+            </a:srgbClr>
+          </a:solidFill>
+          <a:ln>
+            <a:noFill/>
+          </a:ln>
+        </p:spPr>
+        <p:style>
+          <a:lnRef idx="2">
+            <a:schemeClr val="accent1">
+              <a:shade val="50000"/>
+            </a:schemeClr>
+          </a:lnRef>
+          <a:fillRef idx="1">
+            <a:schemeClr val="accent1"/>
+          </a:fillRef>
+          <a:effectRef idx="0">
+            <a:schemeClr val="accent1"/>
+          </a:effectRef>
+          <a:fontRef idx="minor">
+            <a:schemeClr val="lt1"/>
+          </a:fontRef>
+        </p:style>
+        <p:txBody>
+          <a:bodyPr rtlCol="0" anchor="ctr"/>
+          <a:lstStyle/>
+          <a:p>
+            <a:pPr algn="ctr"/>
+            <a:endParaRPr lang="en-US"/>
+          </a:p>
+        </p:txBody>
+      </p:sp>
+      <p:sp>
+        <p:nvSpPr>
+          <p:cNvPr id="40" name="Rechteck 39">
+            <a:extLst>
+              <a:ext uri="{FF2B5EF4-FFF2-40B4-BE49-F238E27FC236}">
+                <a16:creationId xmlns:a16="http://schemas.microsoft.com/office/drawing/2014/main" id="{7561C593-F95D-4CC8-A4C8-631A088ED8B3}"/>
+              </a:ext>
+            </a:extLst>
+          </p:cNvPr>
+          <p:cNvSpPr/>
+          <p:nvPr/>
+        </p:nvSpPr>
+        <p:spPr>
+          <a:xfrm>
+            <a:off x="9699232" y="2351205"/>
+            <a:ext cx="1509320" cy="770522"/>
+          </a:xfrm>
+          <a:prstGeom prst="rect">
+            <a:avLst/>
+          </a:prstGeom>
+          <a:solidFill>
+            <a:srgbClr val="002060">
+              <a:alpha val="49804"/>
+            </a:srgbClr>
+          </a:solidFill>
+          <a:ln>
+            <a:noFill/>
+          </a:ln>
+        </p:spPr>
+        <p:style>
+          <a:lnRef idx="2">
+            <a:schemeClr val="accent1">
+              <a:shade val="50000"/>
+            </a:schemeClr>
+          </a:lnRef>
+          <a:fillRef idx="1">
+            <a:schemeClr val="accent1"/>
+          </a:fillRef>
+          <a:effectRef idx="0">
+            <a:schemeClr val="accent1"/>
+          </a:effectRef>
+          <a:fontRef idx="minor">
+            <a:schemeClr val="lt1"/>
+          </a:fontRef>
+        </p:style>
+        <p:txBody>
+          <a:bodyPr rtlCol="0" anchor="ctr"/>
+          <a:lstStyle/>
+          <a:p>
+            <a:pPr algn="ctr"/>
+            <a:endParaRPr lang="en-US"/>
+          </a:p>
+        </p:txBody>
+      </p:sp>
+      <p:sp>
+        <p:nvSpPr>
+          <p:cNvPr id="41" name="Rechteck 40">
+            <a:extLst>
+              <a:ext uri="{FF2B5EF4-FFF2-40B4-BE49-F238E27FC236}">
+                <a16:creationId xmlns:a16="http://schemas.microsoft.com/office/drawing/2014/main" id="{B91883D3-1AC8-4B09-BBBA-9632C1F49BE4}"/>
+              </a:ext>
+            </a:extLst>
+          </p:cNvPr>
+          <p:cNvSpPr/>
+          <p:nvPr/>
+        </p:nvSpPr>
+        <p:spPr>
+          <a:xfrm>
+            <a:off x="5166127" y="2351831"/>
+            <a:ext cx="1509320" cy="770522"/>
+          </a:xfrm>
+          <a:prstGeom prst="rect">
+            <a:avLst/>
+          </a:prstGeom>
+          <a:solidFill>
+            <a:srgbClr val="002060">
+              <a:alpha val="49804"/>
+            </a:srgbClr>
+          </a:solidFill>
+          <a:ln>
+            <a:noFill/>
+          </a:ln>
+        </p:spPr>
+        <p:style>
+          <a:lnRef idx="2">
+            <a:schemeClr val="accent1">
+              <a:shade val="50000"/>
+            </a:schemeClr>
+          </a:lnRef>
+          <a:fillRef idx="1">
+            <a:schemeClr val="accent1"/>
+          </a:fillRef>
+          <a:effectRef idx="0">
+            <a:schemeClr val="accent1"/>
+          </a:effectRef>
+          <a:fontRef idx="minor">
+            <a:schemeClr val="lt1"/>
+          </a:fontRef>
+        </p:style>
+        <p:txBody>
+          <a:bodyPr rtlCol="0" anchor="ctr"/>
+          <a:lstStyle/>
+          <a:p>
+            <a:pPr algn="ctr"/>
+            <a:endParaRPr lang="en-US"/>
+          </a:p>
+        </p:txBody>
+      </p:sp>
+      <p:sp>
+        <p:nvSpPr>
+          <p:cNvPr id="42" name="Rechteck 41">
+            <a:extLst>
+              <a:ext uri="{FF2B5EF4-FFF2-40B4-BE49-F238E27FC236}">
+                <a16:creationId xmlns:a16="http://schemas.microsoft.com/office/drawing/2014/main" id="{846DD7F7-724D-4F57-BF85-1DAC748CE93D}"/>
+              </a:ext>
+            </a:extLst>
+          </p:cNvPr>
+          <p:cNvSpPr/>
+          <p:nvPr/>
+        </p:nvSpPr>
+        <p:spPr>
+          <a:xfrm>
+            <a:off x="6675182" y="3117168"/>
+            <a:ext cx="1509320" cy="770522"/>
+          </a:xfrm>
+          <a:prstGeom prst="rect">
+            <a:avLst/>
+          </a:prstGeom>
+          <a:solidFill>
+            <a:srgbClr val="0BAD92">
+              <a:alpha val="49804"/>
+            </a:srgbClr>
+          </a:solidFill>
+          <a:ln>
+            <a:noFill/>
+          </a:ln>
+        </p:spPr>
+        <p:style>
+          <a:lnRef idx="2">
+            <a:schemeClr val="accent1">
+              <a:shade val="50000"/>
+            </a:schemeClr>
+          </a:lnRef>
+          <a:fillRef idx="1">
+            <a:schemeClr val="accent1"/>
+          </a:fillRef>
+          <a:effectRef idx="0">
+            <a:schemeClr val="accent1"/>
+          </a:effectRef>
+          <a:fontRef idx="minor">
+            <a:schemeClr val="lt1"/>
+          </a:fontRef>
+        </p:style>
+        <p:txBody>
+          <a:bodyPr rtlCol="0" anchor="ctr"/>
+          <a:lstStyle/>
+          <a:p>
+            <a:pPr algn="ctr"/>
+            <a:endParaRPr lang="en-US"/>
+          </a:p>
+        </p:txBody>
+      </p:sp>
+      <p:sp>
+        <p:nvSpPr>
+          <p:cNvPr id="43" name="Rechteck 42">
+            <a:extLst>
+              <a:ext uri="{FF2B5EF4-FFF2-40B4-BE49-F238E27FC236}">
+                <a16:creationId xmlns:a16="http://schemas.microsoft.com/office/drawing/2014/main" id="{4A69E88E-94BD-484A-A8F7-09455175B36D}"/>
+              </a:ext>
+            </a:extLst>
+          </p:cNvPr>
+          <p:cNvSpPr/>
+          <p:nvPr/>
+        </p:nvSpPr>
+        <p:spPr>
+          <a:xfrm>
+            <a:off x="8187311" y="3118149"/>
+            <a:ext cx="1509320" cy="770522"/>
+          </a:xfrm>
+          <a:prstGeom prst="rect">
+            <a:avLst/>
+          </a:prstGeom>
+          <a:solidFill>
+            <a:srgbClr val="0BAD92">
+              <a:alpha val="49804"/>
+            </a:srgbClr>
+          </a:solidFill>
+          <a:ln>
+            <a:noFill/>
+          </a:ln>
+        </p:spPr>
+        <p:style>
+          <a:lnRef idx="2">
+            <a:schemeClr val="accent1">
+              <a:shade val="50000"/>
+            </a:schemeClr>
+          </a:lnRef>
+          <a:fillRef idx="1">
+            <a:schemeClr val="accent1"/>
+          </a:fillRef>
+          <a:effectRef idx="0">
+            <a:schemeClr val="accent1"/>
+          </a:effectRef>
+          <a:fontRef idx="minor">
+            <a:schemeClr val="lt1"/>
+          </a:fontRef>
+        </p:style>
+        <p:txBody>
+          <a:bodyPr rtlCol="0" anchor="ctr"/>
+          <a:lstStyle/>
+          <a:p>
+            <a:pPr algn="ctr"/>
+            <a:endParaRPr lang="en-US"/>
+          </a:p>
+        </p:txBody>
+      </p:sp>
+      <p:sp>
+        <p:nvSpPr>
+          <p:cNvPr id="44" name="Rechteck 43">
+            <a:extLst>
+              <a:ext uri="{FF2B5EF4-FFF2-40B4-BE49-F238E27FC236}">
+                <a16:creationId xmlns:a16="http://schemas.microsoft.com/office/drawing/2014/main" id="{ED62AE5E-0FF3-43E1-8856-A3D6159B47B2}"/>
+              </a:ext>
+            </a:extLst>
+          </p:cNvPr>
+          <p:cNvSpPr/>
+          <p:nvPr/>
+        </p:nvSpPr>
+        <p:spPr>
+          <a:xfrm>
+            <a:off x="9698311" y="3121324"/>
+            <a:ext cx="1509320" cy="770522"/>
+          </a:xfrm>
+          <a:prstGeom prst="rect">
+            <a:avLst/>
+          </a:prstGeom>
+          <a:solidFill>
+            <a:srgbClr val="0BAD92">
+              <a:alpha val="49804"/>
+            </a:srgbClr>
+          </a:solidFill>
+          <a:ln>
+            <a:noFill/>
+          </a:ln>
+        </p:spPr>
+        <p:style>
+          <a:lnRef idx="2">
+            <a:schemeClr val="accent1">
+              <a:shade val="50000"/>
+            </a:schemeClr>
+          </a:lnRef>
+          <a:fillRef idx="1">
+            <a:schemeClr val="accent1"/>
+          </a:fillRef>
+          <a:effectRef idx="0">
+            <a:schemeClr val="accent1"/>
+          </a:effectRef>
+          <a:fontRef idx="minor">
+            <a:schemeClr val="lt1"/>
+          </a:fontRef>
+        </p:style>
+        <p:txBody>
+          <a:bodyPr rtlCol="0" anchor="ctr"/>
+          <a:lstStyle/>
+          <a:p>
+            <a:pPr algn="ctr"/>
+            <a:endParaRPr lang="en-US"/>
+          </a:p>
+        </p:txBody>
+      </p:sp>
+      <p:sp>
+        <p:nvSpPr>
+          <p:cNvPr id="45" name="Rechteck 44">
+            <a:extLst>
+              <a:ext uri="{FF2B5EF4-FFF2-40B4-BE49-F238E27FC236}">
+                <a16:creationId xmlns:a16="http://schemas.microsoft.com/office/drawing/2014/main" id="{F278A262-02B2-430B-9D63-11D6C2974BEE}"/>
+              </a:ext>
+            </a:extLst>
+          </p:cNvPr>
+          <p:cNvSpPr/>
+          <p:nvPr/>
+        </p:nvSpPr>
+        <p:spPr>
+          <a:xfrm>
+            <a:off x="5166202" y="3118631"/>
+            <a:ext cx="1509320" cy="770522"/>
+          </a:xfrm>
+          <a:prstGeom prst="rect">
+            <a:avLst/>
+          </a:prstGeom>
+          <a:solidFill>
+            <a:srgbClr val="0BAD92">
+              <a:alpha val="49804"/>
+            </a:srgbClr>
+          </a:solidFill>
+          <a:ln>
+            <a:noFill/>
+          </a:ln>
+        </p:spPr>
+        <p:style>
+          <a:lnRef idx="2">
+            <a:schemeClr val="accent1">
+              <a:shade val="50000"/>
+            </a:schemeClr>
+          </a:lnRef>
+          <a:fillRef idx="1">
+            <a:schemeClr val="accent1"/>
+          </a:fillRef>
+          <a:effectRef idx="0">
+            <a:schemeClr val="accent1"/>
+          </a:effectRef>
+          <a:fontRef idx="minor">
+            <a:schemeClr val="lt1"/>
+          </a:fontRef>
+        </p:style>
+        <p:txBody>
+          <a:bodyPr rtlCol="0" anchor="ctr"/>
+          <a:lstStyle/>
+          <a:p>
+            <a:pPr algn="ctr"/>
+            <a:endParaRPr lang="en-US"/>
+          </a:p>
+        </p:txBody>
+      </p:sp>
+      <p:sp>
+        <p:nvSpPr>
+          <p:cNvPr id="48" name="Rechteck 47">
+            <a:extLst>
+              <a:ext uri="{FF2B5EF4-FFF2-40B4-BE49-F238E27FC236}">
+                <a16:creationId xmlns:a16="http://schemas.microsoft.com/office/drawing/2014/main" id="{2FC47D3A-B0E9-4969-8809-C5AEAF2204B1}"/>
+              </a:ext>
+            </a:extLst>
+          </p:cNvPr>
+          <p:cNvSpPr/>
+          <p:nvPr/>
+        </p:nvSpPr>
+        <p:spPr>
+          <a:xfrm>
+            <a:off x="2140003" y="3117168"/>
+            <a:ext cx="1512315" cy="779053"/>
+          </a:xfrm>
+          <a:prstGeom prst="rect">
+            <a:avLst/>
+          </a:prstGeom>
+          <a:solidFill>
+            <a:srgbClr val="002060">
+              <a:alpha val="49804"/>
+            </a:srgbClr>
+          </a:solidFill>
+          <a:ln>
+            <a:noFill/>
+          </a:ln>
+        </p:spPr>
+        <p:style>
+          <a:lnRef idx="2">
+            <a:schemeClr val="accent1">
+              <a:shade val="50000"/>
+            </a:schemeClr>
+          </a:lnRef>
+          <a:fillRef idx="1">
+            <a:schemeClr val="accent1"/>
+          </a:fillRef>
+          <a:effectRef idx="0">
+            <a:schemeClr val="accent1"/>
+          </a:effectRef>
+          <a:fontRef idx="minor">
+            <a:schemeClr val="lt1"/>
+          </a:fontRef>
+        </p:style>
+        <p:txBody>
+          <a:bodyPr rtlCol="0" anchor="ctr"/>
+          <a:lstStyle/>
+          <a:p>
+            <a:pPr algn="ctr"/>
+            <a:endParaRPr lang="en-US"/>
+          </a:p>
+        </p:txBody>
+      </p:sp>
+      <p:grpSp>
+        <p:nvGrpSpPr>
+          <p:cNvPr id="49" name="Gruppieren 48">
+            <a:extLst>
+              <a:ext uri="{FF2B5EF4-FFF2-40B4-BE49-F238E27FC236}">
+                <a16:creationId xmlns:a16="http://schemas.microsoft.com/office/drawing/2014/main" id="{9EC89DE9-DDA6-46F1-85AD-A3E2BEC6AD69}"/>
+              </a:ext>
+            </a:extLst>
+          </p:cNvPr>
+          <p:cNvGrpSpPr/>
+          <p:nvPr/>
+        </p:nvGrpSpPr>
+        <p:grpSpPr>
+          <a:xfrm>
+            <a:off x="626450" y="5530285"/>
+            <a:ext cx="3225237" cy="646577"/>
+            <a:chOff x="626450" y="5530285"/>
+            <a:chExt cx="3225237" cy="646577"/>
+          </a:xfrm>
+        </p:grpSpPr>
+        <p:sp>
+          <p:nvSpPr>
+            <p:cNvPr id="50" name="Rechteck 49">
+              <a:extLst>
+                <a:ext uri="{FF2B5EF4-FFF2-40B4-BE49-F238E27FC236}">
+                  <a16:creationId xmlns:a16="http://schemas.microsoft.com/office/drawing/2014/main" id="{284A50DF-8DAE-44D2-8F09-E3D60F2147EA}"/>
+                </a:ext>
+              </a:extLst>
+            </p:cNvPr>
+            <p:cNvSpPr/>
+            <p:nvPr/>
+          </p:nvSpPr>
+          <p:spPr>
+            <a:xfrm>
+              <a:off x="629778" y="5582518"/>
+              <a:ext cx="506410" cy="259489"/>
+            </a:xfrm>
+            <a:prstGeom prst="rect">
+              <a:avLst/>
+            </a:prstGeom>
+            <a:solidFill>
+              <a:srgbClr val="7F8FAF"/>
+            </a:solidFill>
+            <a:ln>
+              <a:noFill/>
+            </a:ln>
+          </p:spPr>
+          <p:style>
+            <a:lnRef idx="2">
+              <a:schemeClr val="accent1">
+                <a:shade val="50000"/>
+              </a:schemeClr>
+            </a:lnRef>
+            <a:fillRef idx="1">
+              <a:schemeClr val="accent1"/>
+            </a:fillRef>
+            <a:effectRef idx="0">
+              <a:schemeClr val="accent1"/>
+            </a:effectRef>
+            <a:fontRef idx="minor">
+              <a:schemeClr val="lt1"/>
+            </a:fontRef>
+          </p:style>
+          <p:txBody>
+            <a:bodyPr rtlCol="0" anchor="ctr"/>
+            <a:lstStyle/>
+            <a:p>
+              <a:pPr algn="ctr"/>
+              <a:endParaRPr lang="en-US"/>
+            </a:p>
+          </p:txBody>
+        </p:sp>
+        <p:sp>
+          <p:nvSpPr>
+            <p:cNvPr id="51" name="Rechteck 50">
+              <a:extLst>
+                <a:ext uri="{FF2B5EF4-FFF2-40B4-BE49-F238E27FC236}">
+                  <a16:creationId xmlns:a16="http://schemas.microsoft.com/office/drawing/2014/main" id="{0B2D3915-DBE1-478E-ACD0-FBC1BBEF9181}"/>
+                </a:ext>
+              </a:extLst>
+            </p:cNvPr>
+            <p:cNvSpPr/>
+            <p:nvPr/>
+          </p:nvSpPr>
+          <p:spPr>
+            <a:xfrm>
+              <a:off x="626450" y="5897383"/>
+              <a:ext cx="509738" cy="259490"/>
+            </a:xfrm>
+            <a:prstGeom prst="rect">
+              <a:avLst/>
+            </a:prstGeom>
+            <a:solidFill>
+              <a:srgbClr val="85D6C9"/>
+            </a:solidFill>
+            <a:ln>
+              <a:noFill/>
+            </a:ln>
+          </p:spPr>
+          <p:style>
+            <a:lnRef idx="2">
+              <a:schemeClr val="accent1">
+                <a:shade val="50000"/>
+              </a:schemeClr>
+            </a:lnRef>
+            <a:fillRef idx="1">
+              <a:schemeClr val="accent1"/>
+            </a:fillRef>
+            <a:effectRef idx="0">
+              <a:schemeClr val="accent1"/>
+            </a:effectRef>
+            <a:fontRef idx="minor">
+              <a:schemeClr val="lt1"/>
+            </a:fontRef>
+          </p:style>
+          <p:txBody>
+            <a:bodyPr rtlCol="0" anchor="ctr"/>
+            <a:lstStyle/>
+            <a:p>
+              <a:pPr algn="ctr"/>
+              <a:endParaRPr lang="en-US"/>
+            </a:p>
+          </p:txBody>
+        </p:sp>
+        <p:sp>
+          <p:nvSpPr>
+            <p:cNvPr id="53" name="Textfeld 52">
+              <a:extLst>
+                <a:ext uri="{FF2B5EF4-FFF2-40B4-BE49-F238E27FC236}">
+                  <a16:creationId xmlns:a16="http://schemas.microsoft.com/office/drawing/2014/main" id="{C1D15F30-B3F0-4E5F-9853-71A0B5CD5B59}"/>
+                </a:ext>
+              </a:extLst>
+            </p:cNvPr>
+            <p:cNvSpPr txBox="1"/>
+            <p:nvPr/>
+          </p:nvSpPr>
+          <p:spPr>
+            <a:xfrm>
+              <a:off x="2137075" y="5530285"/>
+              <a:ext cx="1714612" cy="338554"/>
+            </a:xfrm>
+            <a:prstGeom prst="rect">
+              <a:avLst/>
+            </a:prstGeom>
+            <a:noFill/>
+          </p:spPr>
+          <p:txBody>
+            <a:bodyPr wrap="square" rtlCol="0">
+              <a:spAutoFit/>
+            </a:bodyPr>
+            <a:lstStyle/>
+            <a:p>
+              <a:r>
+                <a:rPr lang="en-US" sz="1600" dirty="0">
+                  <a:solidFill>
+                    <a:schemeClr val="bg2">
+                      <a:lumMod val="50000"/>
+                    </a:schemeClr>
+                  </a:solidFill>
+                </a:rPr>
+                <a:t>Stage 3</a:t>
+              </a:r>
+            </a:p>
+          </p:txBody>
+        </p:sp>
+        <p:sp>
+          <p:nvSpPr>
+            <p:cNvPr id="54" name="Textfeld 53">
+              <a:extLst>
+                <a:ext uri="{FF2B5EF4-FFF2-40B4-BE49-F238E27FC236}">
+                  <a16:creationId xmlns:a16="http://schemas.microsoft.com/office/drawing/2014/main" id="{3FB3DCFE-864A-425D-9592-10B4F4504FFF}"/>
+                </a:ext>
+              </a:extLst>
+            </p:cNvPr>
+            <p:cNvSpPr txBox="1"/>
+            <p:nvPr/>
+          </p:nvSpPr>
+          <p:spPr>
+            <a:xfrm>
+              <a:off x="2137075" y="5838308"/>
+              <a:ext cx="1714612" cy="338554"/>
+            </a:xfrm>
+            <a:prstGeom prst="rect">
+              <a:avLst/>
+            </a:prstGeom>
+            <a:noFill/>
+          </p:spPr>
+          <p:txBody>
+            <a:bodyPr wrap="square" rtlCol="0">
+              <a:spAutoFit/>
+            </a:bodyPr>
+            <a:lstStyle/>
+            <a:p>
+              <a:r>
+                <a:rPr lang="en-US" sz="1600" dirty="0">
+                  <a:solidFill>
+                    <a:schemeClr val="bg2">
+                      <a:lumMod val="50000"/>
+                    </a:schemeClr>
+                  </a:solidFill>
+                </a:rPr>
+                <a:t>Polish</a:t>
+              </a:r>
+            </a:p>
+          </p:txBody>
+        </p:sp>
+      </p:grpSp>
+    </p:spTree>
+    <p:extLst>
+      <p:ext uri="{BB962C8B-B14F-4D97-AF65-F5344CB8AC3E}">
+        <p14:creationId xmlns:p14="http://schemas.microsoft.com/office/powerpoint/2010/main" val="451271897"/>
+      </p:ext>
+    </p:extLst>
+  </p:cSld>
+  <p:clrMapOvr>
+    <a:masterClrMapping/>
+  </p:clrMapOvr>
+</p:sld>
+</file>
+
 <file path=ppt/theme/theme1.xml><?xml version="1.0" encoding="utf-8"?>
 <a:theme xmlns:a="http://schemas.openxmlformats.org/drawingml/2006/main" name="Office">
   <a:themeElements>

--- a/_OTHER FILES/Organization/Project Plan/Project Plan.pptx
+++ b/_OTHER FILES/Organization/Project Plan/Project Plan.pptx
@@ -3551,7 +3551,7 @@
             </a:pPr>
             <a:r>
               <a:rPr lang="en-US" sz="2800" dirty="0"/>
-              <a:t>4 stages + 2 polish prints</a:t>
+              <a:t>3 stages + 1 polish sprint</a:t>
             </a:r>
           </a:p>
           <a:p>

--- a/_OTHER FILES/Organization/Project Plan/Project Plan.pptx
+++ b/_OTHER FILES/Organization/Project Plan/Project Plan.pptx
@@ -265,7 +265,7 @@
           <a:p>
             <a:fld id="{FF1351A7-0CC0-49EE-969C-7FA0FB4B6599}" type="datetimeFigureOut">
               <a:rPr lang="en-US" smtClean="0"/>
-              <a:t>4/23/2020</a:t>
+              <a:t>4/24/2020</a:t>
             </a:fld>
             <a:endParaRPr lang="en-US"/>
           </a:p>
@@ -465,7 +465,7 @@
           <a:p>
             <a:fld id="{FF1351A7-0CC0-49EE-969C-7FA0FB4B6599}" type="datetimeFigureOut">
               <a:rPr lang="en-US" smtClean="0"/>
-              <a:t>4/23/2020</a:t>
+              <a:t>4/24/2020</a:t>
             </a:fld>
             <a:endParaRPr lang="en-US"/>
           </a:p>
@@ -675,7 +675,7 @@
           <a:p>
             <a:fld id="{FF1351A7-0CC0-49EE-969C-7FA0FB4B6599}" type="datetimeFigureOut">
               <a:rPr lang="en-US" smtClean="0"/>
-              <a:t>4/23/2020</a:t>
+              <a:t>4/24/2020</a:t>
             </a:fld>
             <a:endParaRPr lang="en-US"/>
           </a:p>
@@ -875,7 +875,7 @@
           <a:p>
             <a:fld id="{FF1351A7-0CC0-49EE-969C-7FA0FB4B6599}" type="datetimeFigureOut">
               <a:rPr lang="en-US" smtClean="0"/>
-              <a:t>4/23/2020</a:t>
+              <a:t>4/24/2020</a:t>
             </a:fld>
             <a:endParaRPr lang="en-US"/>
           </a:p>
@@ -1151,7 +1151,7 @@
           <a:p>
             <a:fld id="{FF1351A7-0CC0-49EE-969C-7FA0FB4B6599}" type="datetimeFigureOut">
               <a:rPr lang="en-US" smtClean="0"/>
-              <a:t>4/23/2020</a:t>
+              <a:t>4/24/2020</a:t>
             </a:fld>
             <a:endParaRPr lang="en-US"/>
           </a:p>
@@ -1419,7 +1419,7 @@
           <a:p>
             <a:fld id="{FF1351A7-0CC0-49EE-969C-7FA0FB4B6599}" type="datetimeFigureOut">
               <a:rPr lang="en-US" smtClean="0"/>
-              <a:t>4/23/2020</a:t>
+              <a:t>4/24/2020</a:t>
             </a:fld>
             <a:endParaRPr lang="en-US"/>
           </a:p>
@@ -1834,7 +1834,7 @@
           <a:p>
             <a:fld id="{FF1351A7-0CC0-49EE-969C-7FA0FB4B6599}" type="datetimeFigureOut">
               <a:rPr lang="en-US" smtClean="0"/>
-              <a:t>4/23/2020</a:t>
+              <a:t>4/24/2020</a:t>
             </a:fld>
             <a:endParaRPr lang="en-US"/>
           </a:p>
@@ -1976,7 +1976,7 @@
           <a:p>
             <a:fld id="{FF1351A7-0CC0-49EE-969C-7FA0FB4B6599}" type="datetimeFigureOut">
               <a:rPr lang="en-US" smtClean="0"/>
-              <a:t>4/23/2020</a:t>
+              <a:t>4/24/2020</a:t>
             </a:fld>
             <a:endParaRPr lang="en-US"/>
           </a:p>
@@ -2089,7 +2089,7 @@
           <a:p>
             <a:fld id="{FF1351A7-0CC0-49EE-969C-7FA0FB4B6599}" type="datetimeFigureOut">
               <a:rPr lang="en-US" smtClean="0"/>
-              <a:t>4/23/2020</a:t>
+              <a:t>4/24/2020</a:t>
             </a:fld>
             <a:endParaRPr lang="en-US"/>
           </a:p>
@@ -2402,7 +2402,7 @@
           <a:p>
             <a:fld id="{FF1351A7-0CC0-49EE-969C-7FA0FB4B6599}" type="datetimeFigureOut">
               <a:rPr lang="en-US" smtClean="0"/>
-              <a:t>4/23/2020</a:t>
+              <a:t>4/24/2020</a:t>
             </a:fld>
             <a:endParaRPr lang="en-US"/>
           </a:p>
@@ -2691,7 +2691,7 @@
           <a:p>
             <a:fld id="{FF1351A7-0CC0-49EE-969C-7FA0FB4B6599}" type="datetimeFigureOut">
               <a:rPr lang="en-US" smtClean="0"/>
-              <a:t>4/23/2020</a:t>
+              <a:t>4/24/2020</a:t>
             </a:fld>
             <a:endParaRPr lang="en-US"/>
           </a:p>
@@ -2934,7 +2934,7 @@
           <a:p>
             <a:fld id="{FF1351A7-0CC0-49EE-969C-7FA0FB4B6599}" type="datetimeFigureOut">
               <a:rPr lang="en-US" smtClean="0"/>
-              <a:t>4/23/2020</a:t>
+              <a:t>4/24/2020</a:t>
             </a:fld>
             <a:endParaRPr lang="en-US"/>
           </a:p>
@@ -7280,7 +7280,7 @@
           <p:spPr>
             <a:xfrm>
               <a:off x="629778" y="4844427"/>
-              <a:ext cx="1814400" cy="766800"/>
+              <a:ext cx="1508124" cy="766800"/>
             </a:xfrm>
             <a:prstGeom prst="rect">
               <a:avLst/>
@@ -8420,7 +8420,7 @@
           </p:nvSpPr>
           <p:spPr>
             <a:xfrm>
-              <a:off x="2100889" y="5216976"/>
+              <a:off x="3603205" y="5216976"/>
               <a:ext cx="369867" cy="369332"/>
             </a:xfrm>
             <a:prstGeom prst="rect">
@@ -9314,6 +9314,113 @@
           </p:sp>
         </p:grpSp>
       </p:grpSp>
+      <p:sp>
+        <p:nvSpPr>
+          <p:cNvPr id="67" name="Textfeld 66">
+            <a:extLst>
+              <a:ext uri="{FF2B5EF4-FFF2-40B4-BE49-F238E27FC236}">
+                <a16:creationId xmlns:a16="http://schemas.microsoft.com/office/drawing/2014/main" id="{8CA154C1-2285-4E3A-8B24-9D53E967ABDC}"/>
+              </a:ext>
+            </a:extLst>
+          </p:cNvPr>
+          <p:cNvSpPr txBox="1"/>
+          <p:nvPr/>
+        </p:nvSpPr>
+        <p:spPr>
+          <a:xfrm>
+            <a:off x="5609655" y="4873673"/>
+            <a:ext cx="615205" cy="369332"/>
+          </a:xfrm>
+          <a:prstGeom prst="rect">
+            <a:avLst/>
+          </a:prstGeom>
+          <a:noFill/>
+        </p:spPr>
+        <p:txBody>
+          <a:bodyPr wrap="square" rtlCol="0">
+            <a:spAutoFit/>
+          </a:bodyPr>
+          <a:lstStyle/>
+          <a:p>
+            <a:pPr algn="ctr"/>
+            <a:r>
+              <a:rPr lang="en-US" dirty="0">
+                <a:solidFill>
+                  <a:schemeClr val="bg1"/>
+                </a:solidFill>
+                <a:effectLst>
+                  <a:outerShdw blurRad="50800" dist="38100" dir="2700000" algn="tl" rotWithShape="0">
+                    <a:prstClr val="black">
+                      <a:alpha val="40000"/>
+                    </a:prstClr>
+                  </a:outerShdw>
+                </a:effectLst>
+                <a:latin typeface="Arial Black" panose="020B0A04020102020204" pitchFamily="34" charset="0"/>
+              </a:rPr>
+              <a:t>QA</a:t>
+            </a:r>
+          </a:p>
+        </p:txBody>
+      </p:sp>
+      <p:sp>
+        <p:nvSpPr>
+          <p:cNvPr id="68" name="Rechteck: abgerundete Ecken 67">
+            <a:extLst>
+              <a:ext uri="{FF2B5EF4-FFF2-40B4-BE49-F238E27FC236}">
+                <a16:creationId xmlns:a16="http://schemas.microsoft.com/office/drawing/2014/main" id="{A65BAD1F-1082-43C2-B5DB-48C6F4A7DBC2}"/>
+              </a:ext>
+            </a:extLst>
+          </p:cNvPr>
+          <p:cNvSpPr/>
+          <p:nvPr/>
+        </p:nvSpPr>
+        <p:spPr>
+          <a:xfrm>
+            <a:off x="5627939" y="4839658"/>
+            <a:ext cx="589302" cy="412775"/>
+          </a:xfrm>
+          <a:prstGeom prst="roundRect">
+            <a:avLst/>
+          </a:prstGeom>
+          <a:noFill/>
+          <a:ln w="28575">
+            <a:solidFill>
+              <a:schemeClr val="bg1"/>
+            </a:solidFill>
+          </a:ln>
+          <a:effectLst>
+            <a:outerShdw blurRad="50800" dist="38100" dir="2700000" algn="tl" rotWithShape="0">
+              <a:prstClr val="black">
+                <a:alpha val="40000"/>
+              </a:prstClr>
+            </a:outerShdw>
+          </a:effectLst>
+        </p:spPr>
+        <p:style>
+          <a:lnRef idx="2">
+            <a:schemeClr val="accent1">
+              <a:shade val="50000"/>
+            </a:schemeClr>
+          </a:lnRef>
+          <a:fillRef idx="1">
+            <a:schemeClr val="accent1"/>
+          </a:fillRef>
+          <a:effectRef idx="0">
+            <a:schemeClr val="accent1"/>
+          </a:effectRef>
+          <a:fontRef idx="minor">
+            <a:schemeClr val="lt1"/>
+          </a:fontRef>
+        </p:style>
+        <p:txBody>
+          <a:bodyPr rtlCol="0" anchor="ctr"/>
+          <a:lstStyle/>
+          <a:p>
+            <a:pPr algn="ctr"/>
+            <a:endParaRPr lang="en-US"/>
+          </a:p>
+        </p:txBody>
+      </p:sp>
     </p:spTree>
     <p:extLst>
       <p:ext uri="{BB962C8B-B14F-4D97-AF65-F5344CB8AC3E}">

--- a/_OTHER FILES/Organization/Project Plan/Project Plan.pptx
+++ b/_OTHER FILES/Organization/Project Plan/Project Plan.pptx
@@ -265,7 +265,7 @@
           <a:p>
             <a:fld id="{FF1351A7-0CC0-49EE-969C-7FA0FB4B6599}" type="datetimeFigureOut">
               <a:rPr lang="en-US" smtClean="0"/>
-              <a:t>4/24/2020</a:t>
+              <a:t>5/1/2020</a:t>
             </a:fld>
             <a:endParaRPr lang="en-US"/>
           </a:p>
@@ -465,7 +465,7 @@
           <a:p>
             <a:fld id="{FF1351A7-0CC0-49EE-969C-7FA0FB4B6599}" type="datetimeFigureOut">
               <a:rPr lang="en-US" smtClean="0"/>
-              <a:t>4/24/2020</a:t>
+              <a:t>5/1/2020</a:t>
             </a:fld>
             <a:endParaRPr lang="en-US"/>
           </a:p>
@@ -675,7 +675,7 @@
           <a:p>
             <a:fld id="{FF1351A7-0CC0-49EE-969C-7FA0FB4B6599}" type="datetimeFigureOut">
               <a:rPr lang="en-US" smtClean="0"/>
-              <a:t>4/24/2020</a:t>
+              <a:t>5/1/2020</a:t>
             </a:fld>
             <a:endParaRPr lang="en-US"/>
           </a:p>
@@ -875,7 +875,7 @@
           <a:p>
             <a:fld id="{FF1351A7-0CC0-49EE-969C-7FA0FB4B6599}" type="datetimeFigureOut">
               <a:rPr lang="en-US" smtClean="0"/>
-              <a:t>4/24/2020</a:t>
+              <a:t>5/1/2020</a:t>
             </a:fld>
             <a:endParaRPr lang="en-US"/>
           </a:p>
@@ -1151,7 +1151,7 @@
           <a:p>
             <a:fld id="{FF1351A7-0CC0-49EE-969C-7FA0FB4B6599}" type="datetimeFigureOut">
               <a:rPr lang="en-US" smtClean="0"/>
-              <a:t>4/24/2020</a:t>
+              <a:t>5/1/2020</a:t>
             </a:fld>
             <a:endParaRPr lang="en-US"/>
           </a:p>
@@ -1419,7 +1419,7 @@
           <a:p>
             <a:fld id="{FF1351A7-0CC0-49EE-969C-7FA0FB4B6599}" type="datetimeFigureOut">
               <a:rPr lang="en-US" smtClean="0"/>
-              <a:t>4/24/2020</a:t>
+              <a:t>5/1/2020</a:t>
             </a:fld>
             <a:endParaRPr lang="en-US"/>
           </a:p>
@@ -1834,7 +1834,7 @@
           <a:p>
             <a:fld id="{FF1351A7-0CC0-49EE-969C-7FA0FB4B6599}" type="datetimeFigureOut">
               <a:rPr lang="en-US" smtClean="0"/>
-              <a:t>4/24/2020</a:t>
+              <a:t>5/1/2020</a:t>
             </a:fld>
             <a:endParaRPr lang="en-US"/>
           </a:p>
@@ -1976,7 +1976,7 @@
           <a:p>
             <a:fld id="{FF1351A7-0CC0-49EE-969C-7FA0FB4B6599}" type="datetimeFigureOut">
               <a:rPr lang="en-US" smtClean="0"/>
-              <a:t>4/24/2020</a:t>
+              <a:t>5/1/2020</a:t>
             </a:fld>
             <a:endParaRPr lang="en-US"/>
           </a:p>
@@ -2089,7 +2089,7 @@
           <a:p>
             <a:fld id="{FF1351A7-0CC0-49EE-969C-7FA0FB4B6599}" type="datetimeFigureOut">
               <a:rPr lang="en-US" smtClean="0"/>
-              <a:t>4/24/2020</a:t>
+              <a:t>5/1/2020</a:t>
             </a:fld>
             <a:endParaRPr lang="en-US"/>
           </a:p>
@@ -2402,7 +2402,7 @@
           <a:p>
             <a:fld id="{FF1351A7-0CC0-49EE-969C-7FA0FB4B6599}" type="datetimeFigureOut">
               <a:rPr lang="en-US" smtClean="0"/>
-              <a:t>4/24/2020</a:t>
+              <a:t>5/1/2020</a:t>
             </a:fld>
             <a:endParaRPr lang="en-US"/>
           </a:p>
@@ -2691,7 +2691,7 @@
           <a:p>
             <a:fld id="{FF1351A7-0CC0-49EE-969C-7FA0FB4B6599}" type="datetimeFigureOut">
               <a:rPr lang="en-US" smtClean="0"/>
-              <a:t>4/24/2020</a:t>
+              <a:t>5/1/2020</a:t>
             </a:fld>
             <a:endParaRPr lang="en-US"/>
           </a:p>
@@ -2934,7 +2934,7 @@
           <a:p>
             <a:fld id="{FF1351A7-0CC0-49EE-969C-7FA0FB4B6599}" type="datetimeFigureOut">
               <a:rPr lang="en-US" smtClean="0"/>
-              <a:t>4/24/2020</a:t>
+              <a:t>5/1/2020</a:t>
             </a:fld>
             <a:endParaRPr lang="en-US"/>
           </a:p>
@@ -3467,7 +3467,7 @@
                   </a:schemeClr>
                 </a:solidFill>
               </a:rPr>
-              <a:t>1/3</a:t>
+              <a:t>1/5</a:t>
             </a:r>
           </a:p>
         </p:txBody>
@@ -3551,7 +3551,7 @@
             </a:pPr>
             <a:r>
               <a:rPr lang="en-US" sz="2800" dirty="0"/>
-              <a:t>3 stages + 1 polish sprint</a:t>
+              <a:t>3 development stages</a:t>
             </a:r>
           </a:p>
           <a:p>
@@ -3818,7 +3818,7 @@
                   </a:schemeClr>
                 </a:solidFill>
               </a:rPr>
-              <a:t>2/3</a:t>
+              <a:t>2/5</a:t>
             </a:r>
           </a:p>
         </p:txBody>
@@ -9314,113 +9314,6 @@
           </p:sp>
         </p:grpSp>
       </p:grpSp>
-      <p:sp>
-        <p:nvSpPr>
-          <p:cNvPr id="67" name="Textfeld 66">
-            <a:extLst>
-              <a:ext uri="{FF2B5EF4-FFF2-40B4-BE49-F238E27FC236}">
-                <a16:creationId xmlns:a16="http://schemas.microsoft.com/office/drawing/2014/main" id="{8CA154C1-2285-4E3A-8B24-9D53E967ABDC}"/>
-              </a:ext>
-            </a:extLst>
-          </p:cNvPr>
-          <p:cNvSpPr txBox="1"/>
-          <p:nvPr/>
-        </p:nvSpPr>
-        <p:spPr>
-          <a:xfrm>
-            <a:off x="5609655" y="4873673"/>
-            <a:ext cx="615205" cy="369332"/>
-          </a:xfrm>
-          <a:prstGeom prst="rect">
-            <a:avLst/>
-          </a:prstGeom>
-          <a:noFill/>
-        </p:spPr>
-        <p:txBody>
-          <a:bodyPr wrap="square" rtlCol="0">
-            <a:spAutoFit/>
-          </a:bodyPr>
-          <a:lstStyle/>
-          <a:p>
-            <a:pPr algn="ctr"/>
-            <a:r>
-              <a:rPr lang="en-US" dirty="0">
-                <a:solidFill>
-                  <a:schemeClr val="bg1"/>
-                </a:solidFill>
-                <a:effectLst>
-                  <a:outerShdw blurRad="50800" dist="38100" dir="2700000" algn="tl" rotWithShape="0">
-                    <a:prstClr val="black">
-                      <a:alpha val="40000"/>
-                    </a:prstClr>
-                  </a:outerShdw>
-                </a:effectLst>
-                <a:latin typeface="Arial Black" panose="020B0A04020102020204" pitchFamily="34" charset="0"/>
-              </a:rPr>
-              <a:t>QA</a:t>
-            </a:r>
-          </a:p>
-        </p:txBody>
-      </p:sp>
-      <p:sp>
-        <p:nvSpPr>
-          <p:cNvPr id="68" name="Rechteck: abgerundete Ecken 67">
-            <a:extLst>
-              <a:ext uri="{FF2B5EF4-FFF2-40B4-BE49-F238E27FC236}">
-                <a16:creationId xmlns:a16="http://schemas.microsoft.com/office/drawing/2014/main" id="{A65BAD1F-1082-43C2-B5DB-48C6F4A7DBC2}"/>
-              </a:ext>
-            </a:extLst>
-          </p:cNvPr>
-          <p:cNvSpPr/>
-          <p:nvPr/>
-        </p:nvSpPr>
-        <p:spPr>
-          <a:xfrm>
-            <a:off x="5627939" y="4839658"/>
-            <a:ext cx="589302" cy="412775"/>
-          </a:xfrm>
-          <a:prstGeom prst="roundRect">
-            <a:avLst/>
-          </a:prstGeom>
-          <a:noFill/>
-          <a:ln w="28575">
-            <a:solidFill>
-              <a:schemeClr val="bg1"/>
-            </a:solidFill>
-          </a:ln>
-          <a:effectLst>
-            <a:outerShdw blurRad="50800" dist="38100" dir="2700000" algn="tl" rotWithShape="0">
-              <a:prstClr val="black">
-                <a:alpha val="40000"/>
-              </a:prstClr>
-            </a:outerShdw>
-          </a:effectLst>
-        </p:spPr>
-        <p:style>
-          <a:lnRef idx="2">
-            <a:schemeClr val="accent1">
-              <a:shade val="50000"/>
-            </a:schemeClr>
-          </a:lnRef>
-          <a:fillRef idx="1">
-            <a:schemeClr val="accent1"/>
-          </a:fillRef>
-          <a:effectRef idx="0">
-            <a:schemeClr val="accent1"/>
-          </a:effectRef>
-          <a:fontRef idx="minor">
-            <a:schemeClr val="lt1"/>
-          </a:fontRef>
-        </p:style>
-        <p:txBody>
-          <a:bodyPr rtlCol="0" anchor="ctr"/>
-          <a:lstStyle/>
-          <a:p>
-            <a:pPr algn="ctr"/>
-            <a:endParaRPr lang="en-US"/>
-          </a:p>
-        </p:txBody>
-      </p:sp>
     </p:spTree>
     <p:extLst>
       <p:ext uri="{BB962C8B-B14F-4D97-AF65-F5344CB8AC3E}">
@@ -9567,7 +9460,7 @@
                   </a:schemeClr>
                 </a:solidFill>
               </a:rPr>
-              <a:t>3/3</a:t>
+              <a:t>3/5</a:t>
             </a:r>
           </a:p>
         </p:txBody>
@@ -9586,10 +9479,10 @@
         </p:nvGrpSpPr>
         <p:grpSpPr>
           <a:xfrm>
-            <a:off x="585760" y="1231200"/>
-            <a:ext cx="10624287" cy="4200400"/>
-            <a:chOff x="582013" y="1413769"/>
-            <a:chExt cx="10624287" cy="4200400"/>
+            <a:off x="631254" y="1231200"/>
+            <a:ext cx="10578793" cy="4200400"/>
+            <a:chOff x="627507" y="1413769"/>
+            <a:chExt cx="10578793" cy="4200400"/>
           </a:xfrm>
         </p:grpSpPr>
         <p:graphicFrame>
@@ -12772,61 +12665,6 @@
         </p:sp>
         <p:sp>
           <p:nvSpPr>
-            <p:cNvPr id="32" name="Rechteck 31">
-              <a:extLst>
-                <a:ext uri="{FF2B5EF4-FFF2-40B4-BE49-F238E27FC236}">
-                  <a16:creationId xmlns:a16="http://schemas.microsoft.com/office/drawing/2014/main" id="{E9022A7D-1528-4816-ADF3-56B407F778A9}"/>
-                </a:ext>
-              </a:extLst>
-            </p:cNvPr>
-            <p:cNvSpPr/>
-            <p:nvPr/>
-          </p:nvSpPr>
-          <p:spPr>
-            <a:xfrm>
-              <a:off x="633376" y="4075200"/>
-              <a:ext cx="309039" cy="767027"/>
-            </a:xfrm>
-            <a:prstGeom prst="rect">
-              <a:avLst/>
-            </a:prstGeom>
-            <a:solidFill>
-              <a:schemeClr val="accent1">
-                <a:lumMod val="75000"/>
-                <a:alpha val="50000"/>
-              </a:schemeClr>
-            </a:solidFill>
-            <a:ln>
-              <a:noFill/>
-            </a:ln>
-          </p:spPr>
-          <p:style>
-            <a:lnRef idx="2">
-              <a:schemeClr val="accent1">
-                <a:shade val="50000"/>
-              </a:schemeClr>
-            </a:lnRef>
-            <a:fillRef idx="1">
-              <a:schemeClr val="accent1"/>
-            </a:fillRef>
-            <a:effectRef idx="0">
-              <a:schemeClr val="accent1"/>
-            </a:effectRef>
-            <a:fontRef idx="minor">
-              <a:schemeClr val="lt1"/>
-            </a:fontRef>
-          </p:style>
-          <p:txBody>
-            <a:bodyPr rtlCol="0" anchor="ctr"/>
-            <a:lstStyle/>
-            <a:p>
-              <a:pPr algn="ctr"/>
-              <a:endParaRPr lang="en-US" dirty="0"/>
-            </a:p>
-          </p:txBody>
-        </p:sp>
-        <p:sp>
-          <p:nvSpPr>
             <p:cNvPr id="33" name="Textfeld 32">
               <a:extLst>
                 <a:ext uri="{FF2B5EF4-FFF2-40B4-BE49-F238E27FC236}">
@@ -12935,7 +12773,7 @@
           </p:nvSpPr>
           <p:spPr>
             <a:xfrm>
-              <a:off x="582013" y="4471166"/>
+              <a:off x="2107655" y="4471166"/>
               <a:ext cx="369867" cy="369332"/>
             </a:xfrm>
             <a:prstGeom prst="rect">
@@ -14276,6 +14114,220 @@
           </p:sp>
         </p:grpSp>
       </p:grpSp>
+      <p:sp>
+        <p:nvSpPr>
+          <p:cNvPr id="48" name="Textfeld 47">
+            <a:extLst>
+              <a:ext uri="{FF2B5EF4-FFF2-40B4-BE49-F238E27FC236}">
+                <a16:creationId xmlns:a16="http://schemas.microsoft.com/office/drawing/2014/main" id="{5A65FFA3-6614-41A1-B9ED-E6F0C8CBB445}"/>
+              </a:ext>
+            </a:extLst>
+          </p:cNvPr>
+          <p:cNvSpPr txBox="1"/>
+          <p:nvPr/>
+        </p:nvSpPr>
+        <p:spPr>
+          <a:xfrm>
+            <a:off x="7121410" y="1783131"/>
+            <a:ext cx="615205" cy="369332"/>
+          </a:xfrm>
+          <a:prstGeom prst="rect">
+            <a:avLst/>
+          </a:prstGeom>
+          <a:noFill/>
+        </p:spPr>
+        <p:txBody>
+          <a:bodyPr wrap="square" rtlCol="0">
+            <a:spAutoFit/>
+          </a:bodyPr>
+          <a:lstStyle/>
+          <a:p>
+            <a:pPr algn="ctr"/>
+            <a:r>
+              <a:rPr lang="en-US" dirty="0">
+                <a:solidFill>
+                  <a:schemeClr val="bg1"/>
+                </a:solidFill>
+                <a:effectLst>
+                  <a:outerShdw blurRad="50800" dist="38100" dir="2700000" algn="tl" rotWithShape="0">
+                    <a:prstClr val="black">
+                      <a:alpha val="40000"/>
+                    </a:prstClr>
+                  </a:outerShdw>
+                </a:effectLst>
+                <a:latin typeface="Arial Black" panose="020B0A04020102020204" pitchFamily="34" charset="0"/>
+              </a:rPr>
+              <a:t>QA</a:t>
+            </a:r>
+          </a:p>
+        </p:txBody>
+      </p:sp>
+      <p:sp>
+        <p:nvSpPr>
+          <p:cNvPr id="49" name="Rechteck: abgerundete Ecken 48">
+            <a:extLst>
+              <a:ext uri="{FF2B5EF4-FFF2-40B4-BE49-F238E27FC236}">
+                <a16:creationId xmlns:a16="http://schemas.microsoft.com/office/drawing/2014/main" id="{F486273B-B98A-4A9A-901B-FBA4CCDCDC3E}"/>
+              </a:ext>
+            </a:extLst>
+          </p:cNvPr>
+          <p:cNvSpPr/>
+          <p:nvPr/>
+        </p:nvSpPr>
+        <p:spPr>
+          <a:xfrm>
+            <a:off x="7139694" y="1749116"/>
+            <a:ext cx="589302" cy="412775"/>
+          </a:xfrm>
+          <a:prstGeom prst="roundRect">
+            <a:avLst/>
+          </a:prstGeom>
+          <a:noFill/>
+          <a:ln w="28575">
+            <a:solidFill>
+              <a:schemeClr val="bg1"/>
+            </a:solidFill>
+          </a:ln>
+          <a:effectLst>
+            <a:outerShdw blurRad="50800" dist="38100" dir="2700000" algn="tl" rotWithShape="0">
+              <a:prstClr val="black">
+                <a:alpha val="40000"/>
+              </a:prstClr>
+            </a:outerShdw>
+          </a:effectLst>
+        </p:spPr>
+        <p:style>
+          <a:lnRef idx="2">
+            <a:schemeClr val="accent1">
+              <a:shade val="50000"/>
+            </a:schemeClr>
+          </a:lnRef>
+          <a:fillRef idx="1">
+            <a:schemeClr val="accent1"/>
+          </a:fillRef>
+          <a:effectRef idx="0">
+            <a:schemeClr val="accent1"/>
+          </a:effectRef>
+          <a:fontRef idx="minor">
+            <a:schemeClr val="lt1"/>
+          </a:fontRef>
+        </p:style>
+        <p:txBody>
+          <a:bodyPr rtlCol="0" anchor="ctr"/>
+          <a:lstStyle/>
+          <a:p>
+            <a:pPr algn="ctr"/>
+            <a:endParaRPr lang="en-US"/>
+          </a:p>
+        </p:txBody>
+      </p:sp>
+      <p:sp>
+        <p:nvSpPr>
+          <p:cNvPr id="50" name="Textfeld 49">
+            <a:extLst>
+              <a:ext uri="{FF2B5EF4-FFF2-40B4-BE49-F238E27FC236}">
+                <a16:creationId xmlns:a16="http://schemas.microsoft.com/office/drawing/2014/main" id="{22330A9D-6409-40AA-BB1A-0560BC52A219}"/>
+              </a:ext>
+            </a:extLst>
+          </p:cNvPr>
+          <p:cNvSpPr txBox="1"/>
+          <p:nvPr/>
+        </p:nvSpPr>
+        <p:spPr>
+          <a:xfrm>
+            <a:off x="4082179" y="2553786"/>
+            <a:ext cx="615205" cy="369332"/>
+          </a:xfrm>
+          <a:prstGeom prst="rect">
+            <a:avLst/>
+          </a:prstGeom>
+          <a:noFill/>
+        </p:spPr>
+        <p:txBody>
+          <a:bodyPr wrap="square" rtlCol="0">
+            <a:spAutoFit/>
+          </a:bodyPr>
+          <a:lstStyle/>
+          <a:p>
+            <a:pPr algn="ctr"/>
+            <a:r>
+              <a:rPr lang="en-US" dirty="0">
+                <a:solidFill>
+                  <a:schemeClr val="bg1"/>
+                </a:solidFill>
+                <a:effectLst>
+                  <a:outerShdw blurRad="50800" dist="38100" dir="2700000" algn="tl" rotWithShape="0">
+                    <a:prstClr val="black">
+                      <a:alpha val="40000"/>
+                    </a:prstClr>
+                  </a:outerShdw>
+                </a:effectLst>
+                <a:latin typeface="Arial Black" panose="020B0A04020102020204" pitchFamily="34" charset="0"/>
+              </a:rPr>
+              <a:t>QA</a:t>
+            </a:r>
+          </a:p>
+        </p:txBody>
+      </p:sp>
+      <p:sp>
+        <p:nvSpPr>
+          <p:cNvPr id="51" name="Rechteck: abgerundete Ecken 50">
+            <a:extLst>
+              <a:ext uri="{FF2B5EF4-FFF2-40B4-BE49-F238E27FC236}">
+                <a16:creationId xmlns:a16="http://schemas.microsoft.com/office/drawing/2014/main" id="{FE90C91C-AF9E-4349-B45B-B654B5BA3E4C}"/>
+              </a:ext>
+            </a:extLst>
+          </p:cNvPr>
+          <p:cNvSpPr/>
+          <p:nvPr/>
+        </p:nvSpPr>
+        <p:spPr>
+          <a:xfrm>
+            <a:off x="4100463" y="2519771"/>
+            <a:ext cx="589302" cy="412775"/>
+          </a:xfrm>
+          <a:prstGeom prst="roundRect">
+            <a:avLst/>
+          </a:prstGeom>
+          <a:noFill/>
+          <a:ln w="28575">
+            <a:solidFill>
+              <a:schemeClr val="bg1"/>
+            </a:solidFill>
+          </a:ln>
+          <a:effectLst>
+            <a:outerShdw blurRad="50800" dist="38100" dir="2700000" algn="tl" rotWithShape="0">
+              <a:prstClr val="black">
+                <a:alpha val="40000"/>
+              </a:prstClr>
+            </a:outerShdw>
+          </a:effectLst>
+        </p:spPr>
+        <p:style>
+          <a:lnRef idx="2">
+            <a:schemeClr val="accent1">
+              <a:shade val="50000"/>
+            </a:schemeClr>
+          </a:lnRef>
+          <a:fillRef idx="1">
+            <a:schemeClr val="accent1"/>
+          </a:fillRef>
+          <a:effectRef idx="0">
+            <a:schemeClr val="accent1"/>
+          </a:effectRef>
+          <a:fontRef idx="minor">
+            <a:schemeClr val="lt1"/>
+          </a:fontRef>
+        </p:style>
+        <p:txBody>
+          <a:bodyPr rtlCol="0" anchor="ctr"/>
+          <a:lstStyle/>
+          <a:p>
+            <a:pPr algn="ctr"/>
+            <a:endParaRPr lang="en-US"/>
+          </a:p>
+        </p:txBody>
+      </p:sp>
     </p:spTree>
     <p:extLst>
       <p:ext uri="{BB962C8B-B14F-4D97-AF65-F5344CB8AC3E}">
@@ -14422,7 +14474,7 @@
                   </a:schemeClr>
                 </a:solidFill>
               </a:rPr>
-              <a:t>1/2</a:t>
+              <a:t>4/5</a:t>
             </a:r>
           </a:p>
         </p:txBody>
@@ -17153,7 +17205,7 @@
             <a:avLst/>
           </a:prstGeom>
           <a:solidFill>
-            <a:srgbClr val="002060">
+            <a:srgbClr val="F32993">
               <a:alpha val="50000"/>
             </a:srgbClr>
           </a:solidFill>
@@ -17585,7 +17637,7 @@
             <a:avLst/>
           </a:prstGeom>
           <a:solidFill>
-            <a:srgbClr val="002060">
+            <a:srgbClr val="F32993">
               <a:alpha val="50000"/>
             </a:srgbClr>
           </a:solidFill>
@@ -18173,9 +18225,9 @@
         <p:grpSpPr>
           <a:xfrm>
             <a:off x="626450" y="5530285"/>
-            <a:ext cx="3225237" cy="963138"/>
+            <a:ext cx="3225237" cy="646577"/>
             <a:chOff x="626450" y="5530285"/>
-            <a:chExt cx="3225237" cy="963138"/>
+            <a:chExt cx="3225237" cy="646577"/>
           </a:xfrm>
         </p:grpSpPr>
         <p:sp>
@@ -18284,58 +18336,6 @@
         </p:sp>
         <p:sp>
           <p:nvSpPr>
-            <p:cNvPr id="71" name="Rechteck 70">
-              <a:extLst>
-                <a:ext uri="{FF2B5EF4-FFF2-40B4-BE49-F238E27FC236}">
-                  <a16:creationId xmlns:a16="http://schemas.microsoft.com/office/drawing/2014/main" id="{EFC1A1A0-A5F7-4FC0-9C02-DB2EEDB0D9A3}"/>
-                </a:ext>
-              </a:extLst>
-            </p:cNvPr>
-            <p:cNvSpPr/>
-            <p:nvPr/>
-          </p:nvSpPr>
-          <p:spPr>
-            <a:xfrm>
-              <a:off x="626450" y="6212249"/>
-              <a:ext cx="509475" cy="259490"/>
-            </a:xfrm>
-            <a:prstGeom prst="rect">
-              <a:avLst/>
-            </a:prstGeom>
-            <a:solidFill>
-              <a:srgbClr val="7F8FAF"/>
-            </a:solidFill>
-            <a:ln>
-              <a:noFill/>
-            </a:ln>
-          </p:spPr>
-          <p:style>
-            <a:lnRef idx="2">
-              <a:schemeClr val="accent1">
-                <a:shade val="50000"/>
-              </a:schemeClr>
-            </a:lnRef>
-            <a:fillRef idx="1">
-              <a:schemeClr val="accent1"/>
-            </a:fillRef>
-            <a:effectRef idx="0">
-              <a:schemeClr val="accent1"/>
-            </a:effectRef>
-            <a:fontRef idx="minor">
-              <a:schemeClr val="lt1"/>
-            </a:fontRef>
-          </p:style>
-          <p:txBody>
-            <a:bodyPr rtlCol="0" anchor="ctr"/>
-            <a:lstStyle/>
-            <a:p>
-              <a:pPr algn="ctr"/>
-              <a:endParaRPr lang="en-US"/>
-            </a:p>
-          </p:txBody>
-        </p:sp>
-        <p:sp>
-          <p:nvSpPr>
             <p:cNvPr id="76" name="Textfeld 75">
               <a:extLst>
                 <a:ext uri="{FF2B5EF4-FFF2-40B4-BE49-F238E27FC236}">
@@ -18412,47 +18412,6 @@
                   </a:solidFill>
                 </a:rPr>
                 <a:t>Stage 2</a:t>
-              </a:r>
-            </a:p>
-          </p:txBody>
-        </p:sp>
-        <p:sp>
-          <p:nvSpPr>
-            <p:cNvPr id="78" name="Textfeld 77">
-              <a:extLst>
-                <a:ext uri="{FF2B5EF4-FFF2-40B4-BE49-F238E27FC236}">
-                  <a16:creationId xmlns:a16="http://schemas.microsoft.com/office/drawing/2014/main" id="{94CC2317-46EE-45E7-9130-20AA69A31C42}"/>
-                </a:ext>
-              </a:extLst>
-            </p:cNvPr>
-            <p:cNvSpPr txBox="1"/>
-            <p:nvPr/>
-          </p:nvSpPr>
-          <p:spPr>
-            <a:xfrm>
-              <a:off x="2135922" y="6154869"/>
-              <a:ext cx="1714612" cy="338554"/>
-            </a:xfrm>
-            <a:prstGeom prst="rect">
-              <a:avLst/>
-            </a:prstGeom>
-            <a:noFill/>
-          </p:spPr>
-          <p:txBody>
-            <a:bodyPr wrap="square" rtlCol="0">
-              <a:spAutoFit/>
-            </a:bodyPr>
-            <a:lstStyle/>
-            <a:p>
-              <a:r>
-                <a:rPr lang="en-US" sz="1600" dirty="0">
-                  <a:solidFill>
-                    <a:schemeClr val="bg2">
-                      <a:lumMod val="50000"/>
-                    </a:schemeClr>
-                  </a:solidFill>
-                </a:rPr>
-                <a:t>Stage 3</a:t>
               </a:r>
             </a:p>
           </p:txBody>
@@ -18658,7 +18617,7 @@
                   </a:schemeClr>
                 </a:solidFill>
               </a:rPr>
-              <a:t>2/2</a:t>
+              <a:t>5/5</a:t>
             </a:r>
           </a:p>
         </p:txBody>
@@ -21274,7 +21233,7 @@
             <a:avLst/>
           </a:prstGeom>
           <a:solidFill>
-            <a:srgbClr val="002060">
+            <a:srgbClr val="F32993">
               <a:alpha val="49804"/>
             </a:srgbClr>
           </a:solidFill>
@@ -21436,7 +21395,7 @@
             <a:avLst/>
           </a:prstGeom>
           <a:solidFill>
-            <a:srgbClr val="002060">
+            <a:srgbClr val="F32993">
               <a:alpha val="49804"/>
             </a:srgbClr>
           </a:solidFill>
@@ -21490,7 +21449,7 @@
             <a:avLst/>
           </a:prstGeom>
           <a:solidFill>
-            <a:srgbClr val="002060">
+            <a:srgbClr val="F32993">
               <a:alpha val="49804"/>
             </a:srgbClr>
           </a:solidFill>
@@ -21544,7 +21503,7 @@
             <a:avLst/>
           </a:prstGeom>
           <a:solidFill>
-            <a:srgbClr val="002060">
+            <a:srgbClr val="0BAD92">
               <a:alpha val="49804"/>
             </a:srgbClr>
           </a:solidFill>
@@ -21598,7 +21557,7 @@
             <a:avLst/>
           </a:prstGeom>
           <a:solidFill>
-            <a:srgbClr val="002060">
+            <a:srgbClr val="0BAD92">
               <a:alpha val="49804"/>
             </a:srgbClr>
           </a:solidFill>
@@ -21706,7 +21665,7 @@
             <a:avLst/>
           </a:prstGeom>
           <a:solidFill>
-            <a:srgbClr val="002060">
+            <a:srgbClr val="F32993">
               <a:alpha val="49804"/>
             </a:srgbClr>
           </a:solidFill>
@@ -21760,7 +21719,7 @@
             <a:avLst/>
           </a:prstGeom>
           <a:solidFill>
-            <a:srgbClr val="002060">
+            <a:srgbClr val="F32993">
               <a:alpha val="49804"/>
             </a:srgbClr>
           </a:solidFill>
@@ -21814,7 +21773,7 @@
             <a:avLst/>
           </a:prstGeom>
           <a:solidFill>
-            <a:srgbClr val="002060">
+            <a:srgbClr val="0BAD92">
               <a:alpha val="49804"/>
             </a:srgbClr>
           </a:solidFill>
@@ -21868,7 +21827,7 @@
             <a:avLst/>
           </a:prstGeom>
           <a:solidFill>
-            <a:srgbClr val="002060">
+            <a:srgbClr val="0BAD92">
               <a:alpha val="49804"/>
             </a:srgbClr>
           </a:solidFill>
@@ -21922,7 +21881,7 @@
             <a:avLst/>
           </a:prstGeom>
           <a:solidFill>
-            <a:srgbClr val="002060">
+            <a:srgbClr val="0BAD92">
               <a:alpha val="49804"/>
             </a:srgbClr>
           </a:solidFill>
@@ -21976,7 +21935,7 @@
             <a:avLst/>
           </a:prstGeom>
           <a:solidFill>
-            <a:srgbClr val="002060">
+            <a:srgbClr val="0BAD92">
               <a:alpha val="49804"/>
             </a:srgbClr>
           </a:solidFill>
@@ -22246,7 +22205,7 @@
             <a:avLst/>
           </a:prstGeom>
           <a:solidFill>
-            <a:srgbClr val="002060">
+            <a:srgbClr val="0BAD92">
               <a:alpha val="49804"/>
             </a:srgbClr>
           </a:solidFill>
@@ -22279,213 +22238,192 @@
           </a:p>
         </p:txBody>
       </p:sp>
-      <p:grpSp>
-        <p:nvGrpSpPr>
-          <p:cNvPr id="49" name="Gruppieren 48">
+      <p:sp>
+        <p:nvSpPr>
+          <p:cNvPr id="31" name="Rechteck 30">
             <a:extLst>
               <a:ext uri="{FF2B5EF4-FFF2-40B4-BE49-F238E27FC236}">
-                <a16:creationId xmlns:a16="http://schemas.microsoft.com/office/drawing/2014/main" id="{9EC89DE9-DDA6-46F1-85AD-A3E2BEC6AD69}"/>
+                <a16:creationId xmlns:a16="http://schemas.microsoft.com/office/drawing/2014/main" id="{09E888C4-0E34-4F59-92F2-5DE3D99E84CA}"/>
               </a:ext>
             </a:extLst>
           </p:cNvPr>
-          <p:cNvGrpSpPr/>
+          <p:cNvSpPr/>
           <p:nvPr/>
-        </p:nvGrpSpPr>
-        <p:grpSpPr>
+        </p:nvSpPr>
+        <p:spPr>
           <a:xfrm>
-            <a:off x="626450" y="5530285"/>
-            <a:ext cx="3225237" cy="646577"/>
-            <a:chOff x="626450" y="5530285"/>
-            <a:chExt cx="3225237" cy="646577"/>
+            <a:off x="633878" y="5582518"/>
+            <a:ext cx="509738" cy="259490"/>
           </a:xfrm>
-        </p:grpSpPr>
-        <p:sp>
-          <p:nvSpPr>
-            <p:cNvPr id="50" name="Rechteck 49">
-              <a:extLst>
-                <a:ext uri="{FF2B5EF4-FFF2-40B4-BE49-F238E27FC236}">
-                  <a16:creationId xmlns:a16="http://schemas.microsoft.com/office/drawing/2014/main" id="{284A50DF-8DAE-44D2-8F09-E3D60F2147EA}"/>
-                </a:ext>
-              </a:extLst>
-            </p:cNvPr>
-            <p:cNvSpPr/>
-            <p:nvPr/>
-          </p:nvSpPr>
-          <p:spPr>
-            <a:xfrm>
-              <a:off x="629778" y="5582518"/>
-              <a:ext cx="506410" cy="259489"/>
-            </a:xfrm>
-            <a:prstGeom prst="rect">
-              <a:avLst/>
-            </a:prstGeom>
-            <a:solidFill>
-              <a:srgbClr val="7F8FAF"/>
-            </a:solidFill>
-            <a:ln>
-              <a:noFill/>
-            </a:ln>
-          </p:spPr>
-          <p:style>
-            <a:lnRef idx="2">
-              <a:schemeClr val="accent1">
-                <a:shade val="50000"/>
-              </a:schemeClr>
-            </a:lnRef>
-            <a:fillRef idx="1">
-              <a:schemeClr val="accent1"/>
-            </a:fillRef>
-            <a:effectRef idx="0">
-              <a:schemeClr val="accent1"/>
-            </a:effectRef>
-            <a:fontRef idx="minor">
-              <a:schemeClr val="lt1"/>
-            </a:fontRef>
-          </p:style>
-          <p:txBody>
-            <a:bodyPr rtlCol="0" anchor="ctr"/>
-            <a:lstStyle/>
-            <a:p>
-              <a:pPr algn="ctr"/>
-              <a:endParaRPr lang="en-US"/>
-            </a:p>
-          </p:txBody>
-        </p:sp>
-        <p:sp>
-          <p:nvSpPr>
-            <p:cNvPr id="51" name="Rechteck 50">
-              <a:extLst>
-                <a:ext uri="{FF2B5EF4-FFF2-40B4-BE49-F238E27FC236}">
-                  <a16:creationId xmlns:a16="http://schemas.microsoft.com/office/drawing/2014/main" id="{0B2D3915-DBE1-478E-ACD0-FBC1BBEF9181}"/>
-                </a:ext>
-              </a:extLst>
-            </p:cNvPr>
-            <p:cNvSpPr/>
-            <p:nvPr/>
-          </p:nvSpPr>
-          <p:spPr>
-            <a:xfrm>
-              <a:off x="626450" y="5897383"/>
-              <a:ext cx="509738" cy="259490"/>
-            </a:xfrm>
-            <a:prstGeom prst="rect">
-              <a:avLst/>
-            </a:prstGeom>
-            <a:solidFill>
-              <a:srgbClr val="85D6C9"/>
-            </a:solidFill>
-            <a:ln>
-              <a:noFill/>
-            </a:ln>
-          </p:spPr>
-          <p:style>
-            <a:lnRef idx="2">
-              <a:schemeClr val="accent1">
-                <a:shade val="50000"/>
-              </a:schemeClr>
-            </a:lnRef>
-            <a:fillRef idx="1">
-              <a:schemeClr val="accent1"/>
-            </a:fillRef>
-            <a:effectRef idx="0">
-              <a:schemeClr val="accent1"/>
-            </a:effectRef>
-            <a:fontRef idx="minor">
-              <a:schemeClr val="lt1"/>
-            </a:fontRef>
-          </p:style>
-          <p:txBody>
-            <a:bodyPr rtlCol="0" anchor="ctr"/>
-            <a:lstStyle/>
-            <a:p>
-              <a:pPr algn="ctr"/>
-              <a:endParaRPr lang="en-US"/>
-            </a:p>
-          </p:txBody>
-        </p:sp>
-        <p:sp>
-          <p:nvSpPr>
-            <p:cNvPr id="53" name="Textfeld 52">
-              <a:extLst>
-                <a:ext uri="{FF2B5EF4-FFF2-40B4-BE49-F238E27FC236}">
-                  <a16:creationId xmlns:a16="http://schemas.microsoft.com/office/drawing/2014/main" id="{C1D15F30-B3F0-4E5F-9853-71A0B5CD5B59}"/>
-                </a:ext>
-              </a:extLst>
-            </p:cNvPr>
-            <p:cNvSpPr txBox="1"/>
-            <p:nvPr/>
-          </p:nvSpPr>
-          <p:spPr>
-            <a:xfrm>
-              <a:off x="2137075" y="5530285"/>
-              <a:ext cx="1714612" cy="338554"/>
-            </a:xfrm>
-            <a:prstGeom prst="rect">
-              <a:avLst/>
-            </a:prstGeom>
+          <a:prstGeom prst="rect">
+            <a:avLst/>
+          </a:prstGeom>
+          <a:solidFill>
+            <a:srgbClr val="F994C9"/>
+          </a:solidFill>
+          <a:ln>
             <a:noFill/>
-          </p:spPr>
-          <p:txBody>
-            <a:bodyPr wrap="square" rtlCol="0">
-              <a:spAutoFit/>
-            </a:bodyPr>
-            <a:lstStyle/>
-            <a:p>
-              <a:r>
-                <a:rPr lang="en-US" sz="1600" dirty="0">
-                  <a:solidFill>
-                    <a:schemeClr val="bg2">
-                      <a:lumMod val="50000"/>
-                    </a:schemeClr>
-                  </a:solidFill>
-                </a:rPr>
-                <a:t>Stage 3</a:t>
-              </a:r>
-            </a:p>
-          </p:txBody>
-        </p:sp>
-        <p:sp>
-          <p:nvSpPr>
-            <p:cNvPr id="54" name="Textfeld 53">
-              <a:extLst>
-                <a:ext uri="{FF2B5EF4-FFF2-40B4-BE49-F238E27FC236}">
-                  <a16:creationId xmlns:a16="http://schemas.microsoft.com/office/drawing/2014/main" id="{3FB3DCFE-864A-425D-9592-10B4F4504FFF}"/>
-                </a:ext>
-              </a:extLst>
-            </p:cNvPr>
-            <p:cNvSpPr txBox="1"/>
-            <p:nvPr/>
-          </p:nvSpPr>
-          <p:spPr>
-            <a:xfrm>
-              <a:off x="2137075" y="5838308"/>
-              <a:ext cx="1714612" cy="338554"/>
-            </a:xfrm>
-            <a:prstGeom prst="rect">
-              <a:avLst/>
-            </a:prstGeom>
+          </a:ln>
+        </p:spPr>
+        <p:style>
+          <a:lnRef idx="2">
+            <a:schemeClr val="accent1">
+              <a:shade val="50000"/>
+            </a:schemeClr>
+          </a:lnRef>
+          <a:fillRef idx="1">
+            <a:schemeClr val="accent1"/>
+          </a:fillRef>
+          <a:effectRef idx="0">
+            <a:schemeClr val="accent1"/>
+          </a:effectRef>
+          <a:fontRef idx="minor">
+            <a:schemeClr val="lt1"/>
+          </a:fontRef>
+        </p:style>
+        <p:txBody>
+          <a:bodyPr rtlCol="0" anchor="ctr"/>
+          <a:lstStyle/>
+          <a:p>
+            <a:pPr algn="ctr"/>
+            <a:endParaRPr lang="en-US"/>
+          </a:p>
+        </p:txBody>
+      </p:sp>
+      <p:sp>
+        <p:nvSpPr>
+          <p:cNvPr id="32" name="Textfeld 31">
+            <a:extLst>
+              <a:ext uri="{FF2B5EF4-FFF2-40B4-BE49-F238E27FC236}">
+                <a16:creationId xmlns:a16="http://schemas.microsoft.com/office/drawing/2014/main" id="{E13FF225-245D-4800-B99F-1797704949F3}"/>
+              </a:ext>
+            </a:extLst>
+          </p:cNvPr>
+          <p:cNvSpPr txBox="1"/>
+          <p:nvPr/>
+        </p:nvSpPr>
+        <p:spPr>
+          <a:xfrm>
+            <a:off x="2144503" y="5523443"/>
+            <a:ext cx="1714612" cy="338554"/>
+          </a:xfrm>
+          <a:prstGeom prst="rect">
+            <a:avLst/>
+          </a:prstGeom>
+          <a:noFill/>
+        </p:spPr>
+        <p:txBody>
+          <a:bodyPr wrap="square" rtlCol="0">
+            <a:spAutoFit/>
+          </a:bodyPr>
+          <a:lstStyle/>
+          <a:p>
+            <a:r>
+              <a:rPr lang="en-US" sz="1600" dirty="0">
+                <a:solidFill>
+                  <a:schemeClr val="bg2">
+                    <a:lumMod val="50000"/>
+                  </a:schemeClr>
+                </a:solidFill>
+              </a:rPr>
+              <a:t>Stage 2</a:t>
+            </a:r>
+          </a:p>
+        </p:txBody>
+      </p:sp>
+      <p:sp>
+        <p:nvSpPr>
+          <p:cNvPr id="33" name="Rechteck 32">
+            <a:extLst>
+              <a:ext uri="{FF2B5EF4-FFF2-40B4-BE49-F238E27FC236}">
+                <a16:creationId xmlns:a16="http://schemas.microsoft.com/office/drawing/2014/main" id="{6DC91122-B507-42EB-8DCC-91997E55455D}"/>
+              </a:ext>
+            </a:extLst>
+          </p:cNvPr>
+          <p:cNvSpPr/>
+          <p:nvPr/>
+        </p:nvSpPr>
+        <p:spPr>
+          <a:xfrm>
+            <a:off x="629778" y="5898808"/>
+            <a:ext cx="506410" cy="259489"/>
+          </a:xfrm>
+          <a:prstGeom prst="rect">
+            <a:avLst/>
+          </a:prstGeom>
+          <a:solidFill>
+            <a:srgbClr val="85D6C9"/>
+          </a:solidFill>
+          <a:ln>
             <a:noFill/>
-          </p:spPr>
-          <p:txBody>
-            <a:bodyPr wrap="square" rtlCol="0">
-              <a:spAutoFit/>
-            </a:bodyPr>
-            <a:lstStyle/>
-            <a:p>
-              <a:r>
-                <a:rPr lang="en-US" sz="1600" dirty="0">
-                  <a:solidFill>
-                    <a:schemeClr val="bg2">
-                      <a:lumMod val="50000"/>
-                    </a:schemeClr>
-                  </a:solidFill>
-                </a:rPr>
-                <a:t>Polish</a:t>
-              </a:r>
-            </a:p>
-          </p:txBody>
-        </p:sp>
-      </p:grpSp>
+          </a:ln>
+        </p:spPr>
+        <p:style>
+          <a:lnRef idx="2">
+            <a:schemeClr val="accent1">
+              <a:shade val="50000"/>
+            </a:schemeClr>
+          </a:lnRef>
+          <a:fillRef idx="1">
+            <a:schemeClr val="accent1"/>
+          </a:fillRef>
+          <a:effectRef idx="0">
+            <a:schemeClr val="accent1"/>
+          </a:effectRef>
+          <a:fontRef idx="minor">
+            <a:schemeClr val="lt1"/>
+          </a:fontRef>
+        </p:style>
+        <p:txBody>
+          <a:bodyPr rtlCol="0" anchor="ctr"/>
+          <a:lstStyle/>
+          <a:p>
+            <a:pPr algn="ctr"/>
+            <a:endParaRPr lang="en-US"/>
+          </a:p>
+        </p:txBody>
+      </p:sp>
+      <p:sp>
+        <p:nvSpPr>
+          <p:cNvPr id="34" name="Textfeld 33">
+            <a:extLst>
+              <a:ext uri="{FF2B5EF4-FFF2-40B4-BE49-F238E27FC236}">
+                <a16:creationId xmlns:a16="http://schemas.microsoft.com/office/drawing/2014/main" id="{0C5FE29B-0661-4DFE-BAB6-365330B5347C}"/>
+              </a:ext>
+            </a:extLst>
+          </p:cNvPr>
+          <p:cNvSpPr txBox="1"/>
+          <p:nvPr/>
+        </p:nvSpPr>
+        <p:spPr>
+          <a:xfrm>
+            <a:off x="2137075" y="5846575"/>
+            <a:ext cx="833765" cy="338554"/>
+          </a:xfrm>
+          <a:prstGeom prst="rect">
+            <a:avLst/>
+          </a:prstGeom>
+          <a:noFill/>
+        </p:spPr>
+        <p:txBody>
+          <a:bodyPr wrap="square" rtlCol="0">
+            <a:spAutoFit/>
+          </a:bodyPr>
+          <a:lstStyle/>
+          <a:p>
+            <a:r>
+              <a:rPr lang="en-US" sz="1600" dirty="0">
+                <a:solidFill>
+                  <a:schemeClr val="bg2">
+                    <a:lumMod val="50000"/>
+                  </a:schemeClr>
+                </a:solidFill>
+              </a:rPr>
+              <a:t>Stage 3</a:t>
+            </a:r>
+          </a:p>
+        </p:txBody>
+      </p:sp>
     </p:spTree>
     <p:extLst>
       <p:ext uri="{BB962C8B-B14F-4D97-AF65-F5344CB8AC3E}">
